--- a/AzureML/NebraskaCode.pptx
+++ b/AzureML/NebraskaCode.pptx
@@ -5,7 +5,7 @@
     <p:sldMasterId id="2147483648" r:id="rId1"/>
   </p:sldMasterIdLst>
   <p:notesMasterIdLst>
-    <p:notesMasterId r:id="rId10"/>
+    <p:notesMasterId r:id="rId26"/>
   </p:notesMasterIdLst>
   <p:sldIdLst>
     <p:sldId id="270" r:id="rId2"/>
@@ -13,9 +13,25 @@
     <p:sldId id="258" r:id="rId4"/>
     <p:sldId id="311" r:id="rId5"/>
     <p:sldId id="271" r:id="rId6"/>
-    <p:sldId id="288" r:id="rId7"/>
-    <p:sldId id="274" r:id="rId8"/>
-    <p:sldId id="282" r:id="rId9"/>
+    <p:sldId id="319" r:id="rId7"/>
+    <p:sldId id="318" r:id="rId8"/>
+    <p:sldId id="329" r:id="rId9"/>
+    <p:sldId id="330" r:id="rId10"/>
+    <p:sldId id="331" r:id="rId11"/>
+    <p:sldId id="332" r:id="rId12"/>
+    <p:sldId id="333" r:id="rId13"/>
+    <p:sldId id="322" r:id="rId14"/>
+    <p:sldId id="323" r:id="rId15"/>
+    <p:sldId id="324" r:id="rId16"/>
+    <p:sldId id="325" r:id="rId17"/>
+    <p:sldId id="326" r:id="rId18"/>
+    <p:sldId id="327" r:id="rId19"/>
+    <p:sldId id="328" r:id="rId20"/>
+    <p:sldId id="320" r:id="rId21"/>
+    <p:sldId id="321" r:id="rId22"/>
+    <p:sldId id="288" r:id="rId23"/>
+    <p:sldId id="274" r:id="rId24"/>
+    <p:sldId id="282" r:id="rId25"/>
   </p:sldIdLst>
   <p:sldSz cx="12192000" cy="6858000"/>
   <p:notesSz cx="6858000" cy="9144000"/>
@@ -558,6 +574,762 @@
 </p:notes>
 </file>
 
+<file path=ppt/notesSlides/notesSlide10.xml><?xml version="1.0" encoding="utf-8"?>
+<p:notes xmlns:a="http://schemas.openxmlformats.org/drawingml/2006/main" xmlns:r="http://schemas.openxmlformats.org/officeDocument/2006/relationships" xmlns:p="http://schemas.openxmlformats.org/presentationml/2006/main">
+  <p:cSld>
+    <p:spTree>
+      <p:nvGrpSpPr>
+        <p:cNvPr id="1" name=""/>
+        <p:cNvGrpSpPr/>
+        <p:nvPr/>
+      </p:nvGrpSpPr>
+      <p:grpSpPr>
+        <a:xfrm>
+          <a:off x="0" y="0"/>
+          <a:ext cx="0" cy="0"/>
+          <a:chOff x="0" y="0"/>
+          <a:chExt cx="0" cy="0"/>
+        </a:xfrm>
+      </p:grpSpPr>
+      <p:sp>
+        <p:nvSpPr>
+          <p:cNvPr id="2" name="Slide Image Placeholder 1"/>
+          <p:cNvSpPr>
+            <a:spLocks noGrp="1" noRot="1" noChangeAspect="1"/>
+          </p:cNvSpPr>
+          <p:nvPr>
+            <p:ph type="sldImg"/>
+          </p:nvPr>
+        </p:nvSpPr>
+        <p:spPr/>
+      </p:sp>
+      <p:sp>
+        <p:nvSpPr>
+          <p:cNvPr id="3" name="Notes Placeholder 2"/>
+          <p:cNvSpPr>
+            <a:spLocks noGrp="1"/>
+          </p:cNvSpPr>
+          <p:nvPr>
+            <p:ph type="body" idx="1"/>
+          </p:nvPr>
+        </p:nvSpPr>
+        <p:spPr/>
+        <p:txBody>
+          <a:bodyPr/>
+          <a:lstStyle/>
+          <a:p>
+            <a:endParaRPr lang="en-US" dirty="0"/>
+          </a:p>
+        </p:txBody>
+      </p:sp>
+      <p:sp>
+        <p:nvSpPr>
+          <p:cNvPr id="4" name="Slide Number Placeholder 3"/>
+          <p:cNvSpPr>
+            <a:spLocks noGrp="1"/>
+          </p:cNvSpPr>
+          <p:nvPr>
+            <p:ph type="sldNum" sz="quarter" idx="5"/>
+          </p:nvPr>
+        </p:nvSpPr>
+        <p:spPr/>
+        <p:txBody>
+          <a:bodyPr/>
+          <a:lstStyle/>
+          <a:p>
+            <a:fld id="{49A70453-7C67-4726-B763-ED32EAAD6684}" type="slidenum">
+              <a:rPr lang="en-US" smtClean="0"/>
+              <a:t>13</a:t>
+            </a:fld>
+            <a:endParaRPr lang="en-US"/>
+          </a:p>
+        </p:txBody>
+      </p:sp>
+    </p:spTree>
+    <p:extLst>
+      <p:ext uri="{BB962C8B-B14F-4D97-AF65-F5344CB8AC3E}">
+        <p14:creationId xmlns:p14="http://schemas.microsoft.com/office/powerpoint/2010/main" val="1268593285"/>
+      </p:ext>
+    </p:extLst>
+  </p:cSld>
+  <p:clrMapOvr>
+    <a:masterClrMapping/>
+  </p:clrMapOvr>
+</p:notes>
+</file>
+
+<file path=ppt/notesSlides/notesSlide11.xml><?xml version="1.0" encoding="utf-8"?>
+<p:notes xmlns:a="http://schemas.openxmlformats.org/drawingml/2006/main" xmlns:r="http://schemas.openxmlformats.org/officeDocument/2006/relationships" xmlns:p="http://schemas.openxmlformats.org/presentationml/2006/main">
+  <p:cSld>
+    <p:spTree>
+      <p:nvGrpSpPr>
+        <p:cNvPr id="1" name=""/>
+        <p:cNvGrpSpPr/>
+        <p:nvPr/>
+      </p:nvGrpSpPr>
+      <p:grpSpPr>
+        <a:xfrm>
+          <a:off x="0" y="0"/>
+          <a:ext cx="0" cy="0"/>
+          <a:chOff x="0" y="0"/>
+          <a:chExt cx="0" cy="0"/>
+        </a:xfrm>
+      </p:grpSpPr>
+      <p:sp>
+        <p:nvSpPr>
+          <p:cNvPr id="2" name="Slide Image Placeholder 1"/>
+          <p:cNvSpPr>
+            <a:spLocks noGrp="1" noRot="1" noChangeAspect="1"/>
+          </p:cNvSpPr>
+          <p:nvPr>
+            <p:ph type="sldImg"/>
+          </p:nvPr>
+        </p:nvSpPr>
+        <p:spPr/>
+      </p:sp>
+      <p:sp>
+        <p:nvSpPr>
+          <p:cNvPr id="3" name="Notes Placeholder 2"/>
+          <p:cNvSpPr>
+            <a:spLocks noGrp="1"/>
+          </p:cNvSpPr>
+          <p:nvPr>
+            <p:ph type="body" idx="1"/>
+          </p:nvPr>
+        </p:nvSpPr>
+        <p:spPr/>
+        <p:txBody>
+          <a:bodyPr/>
+          <a:lstStyle/>
+          <a:p>
+            <a:endParaRPr lang="en-US" dirty="0"/>
+          </a:p>
+        </p:txBody>
+      </p:sp>
+      <p:sp>
+        <p:nvSpPr>
+          <p:cNvPr id="4" name="Slide Number Placeholder 3"/>
+          <p:cNvSpPr>
+            <a:spLocks noGrp="1"/>
+          </p:cNvSpPr>
+          <p:nvPr>
+            <p:ph type="sldNum" sz="quarter" idx="5"/>
+          </p:nvPr>
+        </p:nvSpPr>
+        <p:spPr/>
+        <p:txBody>
+          <a:bodyPr/>
+          <a:lstStyle/>
+          <a:p>
+            <a:fld id="{49A70453-7C67-4726-B763-ED32EAAD6684}" type="slidenum">
+              <a:rPr lang="en-US" smtClean="0"/>
+              <a:t>14</a:t>
+            </a:fld>
+            <a:endParaRPr lang="en-US"/>
+          </a:p>
+        </p:txBody>
+      </p:sp>
+    </p:spTree>
+    <p:extLst>
+      <p:ext uri="{BB962C8B-B14F-4D97-AF65-F5344CB8AC3E}">
+        <p14:creationId xmlns:p14="http://schemas.microsoft.com/office/powerpoint/2010/main" val="1263162688"/>
+      </p:ext>
+    </p:extLst>
+  </p:cSld>
+  <p:clrMapOvr>
+    <a:masterClrMapping/>
+  </p:clrMapOvr>
+</p:notes>
+</file>
+
+<file path=ppt/notesSlides/notesSlide12.xml><?xml version="1.0" encoding="utf-8"?>
+<p:notes xmlns:a="http://schemas.openxmlformats.org/drawingml/2006/main" xmlns:r="http://schemas.openxmlformats.org/officeDocument/2006/relationships" xmlns:p="http://schemas.openxmlformats.org/presentationml/2006/main">
+  <p:cSld>
+    <p:spTree>
+      <p:nvGrpSpPr>
+        <p:cNvPr id="1" name=""/>
+        <p:cNvGrpSpPr/>
+        <p:nvPr/>
+      </p:nvGrpSpPr>
+      <p:grpSpPr>
+        <a:xfrm>
+          <a:off x="0" y="0"/>
+          <a:ext cx="0" cy="0"/>
+          <a:chOff x="0" y="0"/>
+          <a:chExt cx="0" cy="0"/>
+        </a:xfrm>
+      </p:grpSpPr>
+      <p:sp>
+        <p:nvSpPr>
+          <p:cNvPr id="2" name="Slide Image Placeholder 1"/>
+          <p:cNvSpPr>
+            <a:spLocks noGrp="1" noRot="1" noChangeAspect="1"/>
+          </p:cNvSpPr>
+          <p:nvPr>
+            <p:ph type="sldImg"/>
+          </p:nvPr>
+        </p:nvSpPr>
+        <p:spPr/>
+      </p:sp>
+      <p:sp>
+        <p:nvSpPr>
+          <p:cNvPr id="3" name="Notes Placeholder 2"/>
+          <p:cNvSpPr>
+            <a:spLocks noGrp="1"/>
+          </p:cNvSpPr>
+          <p:nvPr>
+            <p:ph type="body" idx="1"/>
+          </p:nvPr>
+        </p:nvSpPr>
+        <p:spPr/>
+        <p:txBody>
+          <a:bodyPr/>
+          <a:lstStyle/>
+          <a:p>
+            <a:endParaRPr lang="en-US" dirty="0"/>
+          </a:p>
+        </p:txBody>
+      </p:sp>
+      <p:sp>
+        <p:nvSpPr>
+          <p:cNvPr id="4" name="Slide Number Placeholder 3"/>
+          <p:cNvSpPr>
+            <a:spLocks noGrp="1"/>
+          </p:cNvSpPr>
+          <p:nvPr>
+            <p:ph type="sldNum" sz="quarter" idx="5"/>
+          </p:nvPr>
+        </p:nvSpPr>
+        <p:spPr/>
+        <p:txBody>
+          <a:bodyPr/>
+          <a:lstStyle/>
+          <a:p>
+            <a:fld id="{49A70453-7C67-4726-B763-ED32EAAD6684}" type="slidenum">
+              <a:rPr lang="en-US" smtClean="0"/>
+              <a:t>15</a:t>
+            </a:fld>
+            <a:endParaRPr lang="en-US"/>
+          </a:p>
+        </p:txBody>
+      </p:sp>
+    </p:spTree>
+    <p:extLst>
+      <p:ext uri="{BB962C8B-B14F-4D97-AF65-F5344CB8AC3E}">
+        <p14:creationId xmlns:p14="http://schemas.microsoft.com/office/powerpoint/2010/main" val="1486869160"/>
+      </p:ext>
+    </p:extLst>
+  </p:cSld>
+  <p:clrMapOvr>
+    <a:masterClrMapping/>
+  </p:clrMapOvr>
+</p:notes>
+</file>
+
+<file path=ppt/notesSlides/notesSlide13.xml><?xml version="1.0" encoding="utf-8"?>
+<p:notes xmlns:a="http://schemas.openxmlformats.org/drawingml/2006/main" xmlns:r="http://schemas.openxmlformats.org/officeDocument/2006/relationships" xmlns:p="http://schemas.openxmlformats.org/presentationml/2006/main">
+  <p:cSld>
+    <p:spTree>
+      <p:nvGrpSpPr>
+        <p:cNvPr id="1" name=""/>
+        <p:cNvGrpSpPr/>
+        <p:nvPr/>
+      </p:nvGrpSpPr>
+      <p:grpSpPr>
+        <a:xfrm>
+          <a:off x="0" y="0"/>
+          <a:ext cx="0" cy="0"/>
+          <a:chOff x="0" y="0"/>
+          <a:chExt cx="0" cy="0"/>
+        </a:xfrm>
+      </p:grpSpPr>
+      <p:sp>
+        <p:nvSpPr>
+          <p:cNvPr id="2" name="Slide Image Placeholder 1"/>
+          <p:cNvSpPr>
+            <a:spLocks noGrp="1" noRot="1" noChangeAspect="1"/>
+          </p:cNvSpPr>
+          <p:nvPr>
+            <p:ph type="sldImg"/>
+          </p:nvPr>
+        </p:nvSpPr>
+        <p:spPr/>
+      </p:sp>
+      <p:sp>
+        <p:nvSpPr>
+          <p:cNvPr id="3" name="Notes Placeholder 2"/>
+          <p:cNvSpPr>
+            <a:spLocks noGrp="1"/>
+          </p:cNvSpPr>
+          <p:nvPr>
+            <p:ph type="body" idx="1"/>
+          </p:nvPr>
+        </p:nvSpPr>
+        <p:spPr/>
+        <p:txBody>
+          <a:bodyPr/>
+          <a:lstStyle/>
+          <a:p>
+            <a:endParaRPr lang="en-US" dirty="0"/>
+          </a:p>
+        </p:txBody>
+      </p:sp>
+      <p:sp>
+        <p:nvSpPr>
+          <p:cNvPr id="4" name="Slide Number Placeholder 3"/>
+          <p:cNvSpPr>
+            <a:spLocks noGrp="1"/>
+          </p:cNvSpPr>
+          <p:nvPr>
+            <p:ph type="sldNum" sz="quarter" idx="5"/>
+          </p:nvPr>
+        </p:nvSpPr>
+        <p:spPr/>
+        <p:txBody>
+          <a:bodyPr/>
+          <a:lstStyle/>
+          <a:p>
+            <a:fld id="{49A70453-7C67-4726-B763-ED32EAAD6684}" type="slidenum">
+              <a:rPr lang="en-US" smtClean="0"/>
+              <a:t>16</a:t>
+            </a:fld>
+            <a:endParaRPr lang="en-US"/>
+          </a:p>
+        </p:txBody>
+      </p:sp>
+    </p:spTree>
+    <p:extLst>
+      <p:ext uri="{BB962C8B-B14F-4D97-AF65-F5344CB8AC3E}">
+        <p14:creationId xmlns:p14="http://schemas.microsoft.com/office/powerpoint/2010/main" val="680728942"/>
+      </p:ext>
+    </p:extLst>
+  </p:cSld>
+  <p:clrMapOvr>
+    <a:masterClrMapping/>
+  </p:clrMapOvr>
+</p:notes>
+</file>
+
+<file path=ppt/notesSlides/notesSlide14.xml><?xml version="1.0" encoding="utf-8"?>
+<p:notes xmlns:a="http://schemas.openxmlformats.org/drawingml/2006/main" xmlns:r="http://schemas.openxmlformats.org/officeDocument/2006/relationships" xmlns:p="http://schemas.openxmlformats.org/presentationml/2006/main">
+  <p:cSld>
+    <p:spTree>
+      <p:nvGrpSpPr>
+        <p:cNvPr id="1" name=""/>
+        <p:cNvGrpSpPr/>
+        <p:nvPr/>
+      </p:nvGrpSpPr>
+      <p:grpSpPr>
+        <a:xfrm>
+          <a:off x="0" y="0"/>
+          <a:ext cx="0" cy="0"/>
+          <a:chOff x="0" y="0"/>
+          <a:chExt cx="0" cy="0"/>
+        </a:xfrm>
+      </p:grpSpPr>
+      <p:sp>
+        <p:nvSpPr>
+          <p:cNvPr id="2" name="Slide Image Placeholder 1"/>
+          <p:cNvSpPr>
+            <a:spLocks noGrp="1" noRot="1" noChangeAspect="1"/>
+          </p:cNvSpPr>
+          <p:nvPr>
+            <p:ph type="sldImg"/>
+          </p:nvPr>
+        </p:nvSpPr>
+        <p:spPr/>
+      </p:sp>
+      <p:sp>
+        <p:nvSpPr>
+          <p:cNvPr id="3" name="Notes Placeholder 2"/>
+          <p:cNvSpPr>
+            <a:spLocks noGrp="1"/>
+          </p:cNvSpPr>
+          <p:nvPr>
+            <p:ph type="body" idx="1"/>
+          </p:nvPr>
+        </p:nvSpPr>
+        <p:spPr/>
+        <p:txBody>
+          <a:bodyPr/>
+          <a:lstStyle/>
+          <a:p>
+            <a:endParaRPr lang="en-US" dirty="0"/>
+          </a:p>
+        </p:txBody>
+      </p:sp>
+      <p:sp>
+        <p:nvSpPr>
+          <p:cNvPr id="4" name="Slide Number Placeholder 3"/>
+          <p:cNvSpPr>
+            <a:spLocks noGrp="1"/>
+          </p:cNvSpPr>
+          <p:nvPr>
+            <p:ph type="sldNum" sz="quarter" idx="5"/>
+          </p:nvPr>
+        </p:nvSpPr>
+        <p:spPr/>
+        <p:txBody>
+          <a:bodyPr/>
+          <a:lstStyle/>
+          <a:p>
+            <a:fld id="{49A70453-7C67-4726-B763-ED32EAAD6684}" type="slidenum">
+              <a:rPr lang="en-US" smtClean="0"/>
+              <a:t>17</a:t>
+            </a:fld>
+            <a:endParaRPr lang="en-US"/>
+          </a:p>
+        </p:txBody>
+      </p:sp>
+    </p:spTree>
+    <p:extLst>
+      <p:ext uri="{BB962C8B-B14F-4D97-AF65-F5344CB8AC3E}">
+        <p14:creationId xmlns:p14="http://schemas.microsoft.com/office/powerpoint/2010/main" val="891150640"/>
+      </p:ext>
+    </p:extLst>
+  </p:cSld>
+  <p:clrMapOvr>
+    <a:masterClrMapping/>
+  </p:clrMapOvr>
+</p:notes>
+</file>
+
+<file path=ppt/notesSlides/notesSlide15.xml><?xml version="1.0" encoding="utf-8"?>
+<p:notes xmlns:a="http://schemas.openxmlformats.org/drawingml/2006/main" xmlns:r="http://schemas.openxmlformats.org/officeDocument/2006/relationships" xmlns:p="http://schemas.openxmlformats.org/presentationml/2006/main">
+  <p:cSld>
+    <p:spTree>
+      <p:nvGrpSpPr>
+        <p:cNvPr id="1" name=""/>
+        <p:cNvGrpSpPr/>
+        <p:nvPr/>
+      </p:nvGrpSpPr>
+      <p:grpSpPr>
+        <a:xfrm>
+          <a:off x="0" y="0"/>
+          <a:ext cx="0" cy="0"/>
+          <a:chOff x="0" y="0"/>
+          <a:chExt cx="0" cy="0"/>
+        </a:xfrm>
+      </p:grpSpPr>
+      <p:sp>
+        <p:nvSpPr>
+          <p:cNvPr id="2" name="Slide Image Placeholder 1"/>
+          <p:cNvSpPr>
+            <a:spLocks noGrp="1" noRot="1" noChangeAspect="1"/>
+          </p:cNvSpPr>
+          <p:nvPr>
+            <p:ph type="sldImg"/>
+          </p:nvPr>
+        </p:nvSpPr>
+        <p:spPr/>
+      </p:sp>
+      <p:sp>
+        <p:nvSpPr>
+          <p:cNvPr id="3" name="Notes Placeholder 2"/>
+          <p:cNvSpPr>
+            <a:spLocks noGrp="1"/>
+          </p:cNvSpPr>
+          <p:nvPr>
+            <p:ph type="body" idx="1"/>
+          </p:nvPr>
+        </p:nvSpPr>
+        <p:spPr/>
+        <p:txBody>
+          <a:bodyPr/>
+          <a:lstStyle/>
+          <a:p>
+            <a:endParaRPr lang="en-US" dirty="0"/>
+          </a:p>
+        </p:txBody>
+      </p:sp>
+      <p:sp>
+        <p:nvSpPr>
+          <p:cNvPr id="4" name="Slide Number Placeholder 3"/>
+          <p:cNvSpPr>
+            <a:spLocks noGrp="1"/>
+          </p:cNvSpPr>
+          <p:nvPr>
+            <p:ph type="sldNum" sz="quarter" idx="5"/>
+          </p:nvPr>
+        </p:nvSpPr>
+        <p:spPr/>
+        <p:txBody>
+          <a:bodyPr/>
+          <a:lstStyle/>
+          <a:p>
+            <a:fld id="{49A70453-7C67-4726-B763-ED32EAAD6684}" type="slidenum">
+              <a:rPr lang="en-US" smtClean="0"/>
+              <a:t>18</a:t>
+            </a:fld>
+            <a:endParaRPr lang="en-US"/>
+          </a:p>
+        </p:txBody>
+      </p:sp>
+    </p:spTree>
+    <p:extLst>
+      <p:ext uri="{BB962C8B-B14F-4D97-AF65-F5344CB8AC3E}">
+        <p14:creationId xmlns:p14="http://schemas.microsoft.com/office/powerpoint/2010/main" val="2943135420"/>
+      </p:ext>
+    </p:extLst>
+  </p:cSld>
+  <p:clrMapOvr>
+    <a:masterClrMapping/>
+  </p:clrMapOvr>
+</p:notes>
+</file>
+
+<file path=ppt/notesSlides/notesSlide16.xml><?xml version="1.0" encoding="utf-8"?>
+<p:notes xmlns:a="http://schemas.openxmlformats.org/drawingml/2006/main" xmlns:r="http://schemas.openxmlformats.org/officeDocument/2006/relationships" xmlns:p="http://schemas.openxmlformats.org/presentationml/2006/main">
+  <p:cSld>
+    <p:spTree>
+      <p:nvGrpSpPr>
+        <p:cNvPr id="1" name=""/>
+        <p:cNvGrpSpPr/>
+        <p:nvPr/>
+      </p:nvGrpSpPr>
+      <p:grpSpPr>
+        <a:xfrm>
+          <a:off x="0" y="0"/>
+          <a:ext cx="0" cy="0"/>
+          <a:chOff x="0" y="0"/>
+          <a:chExt cx="0" cy="0"/>
+        </a:xfrm>
+      </p:grpSpPr>
+      <p:sp>
+        <p:nvSpPr>
+          <p:cNvPr id="2" name="Slide Image Placeholder 1"/>
+          <p:cNvSpPr>
+            <a:spLocks noGrp="1" noRot="1" noChangeAspect="1"/>
+          </p:cNvSpPr>
+          <p:nvPr>
+            <p:ph type="sldImg"/>
+          </p:nvPr>
+        </p:nvSpPr>
+        <p:spPr/>
+      </p:sp>
+      <p:sp>
+        <p:nvSpPr>
+          <p:cNvPr id="3" name="Notes Placeholder 2"/>
+          <p:cNvSpPr>
+            <a:spLocks noGrp="1"/>
+          </p:cNvSpPr>
+          <p:nvPr>
+            <p:ph type="body" idx="1"/>
+          </p:nvPr>
+        </p:nvSpPr>
+        <p:spPr/>
+        <p:txBody>
+          <a:bodyPr/>
+          <a:lstStyle/>
+          <a:p>
+            <a:endParaRPr lang="en-US" dirty="0"/>
+          </a:p>
+        </p:txBody>
+      </p:sp>
+      <p:sp>
+        <p:nvSpPr>
+          <p:cNvPr id="4" name="Slide Number Placeholder 3"/>
+          <p:cNvSpPr>
+            <a:spLocks noGrp="1"/>
+          </p:cNvSpPr>
+          <p:nvPr>
+            <p:ph type="sldNum" sz="quarter" idx="5"/>
+          </p:nvPr>
+        </p:nvSpPr>
+        <p:spPr/>
+        <p:txBody>
+          <a:bodyPr/>
+          <a:lstStyle/>
+          <a:p>
+            <a:fld id="{49A70453-7C67-4726-B763-ED32EAAD6684}" type="slidenum">
+              <a:rPr lang="en-US" smtClean="0"/>
+              <a:t>19</a:t>
+            </a:fld>
+            <a:endParaRPr lang="en-US"/>
+          </a:p>
+        </p:txBody>
+      </p:sp>
+    </p:spTree>
+    <p:extLst>
+      <p:ext uri="{BB962C8B-B14F-4D97-AF65-F5344CB8AC3E}">
+        <p14:creationId xmlns:p14="http://schemas.microsoft.com/office/powerpoint/2010/main" val="1433111018"/>
+      </p:ext>
+    </p:extLst>
+  </p:cSld>
+  <p:clrMapOvr>
+    <a:masterClrMapping/>
+  </p:clrMapOvr>
+</p:notes>
+</file>
+
+<file path=ppt/notesSlides/notesSlide17.xml><?xml version="1.0" encoding="utf-8"?>
+<p:notes xmlns:a="http://schemas.openxmlformats.org/drawingml/2006/main" xmlns:r="http://schemas.openxmlformats.org/officeDocument/2006/relationships" xmlns:p="http://schemas.openxmlformats.org/presentationml/2006/main">
+  <p:cSld>
+    <p:spTree>
+      <p:nvGrpSpPr>
+        <p:cNvPr id="1" name=""/>
+        <p:cNvGrpSpPr/>
+        <p:nvPr/>
+      </p:nvGrpSpPr>
+      <p:grpSpPr>
+        <a:xfrm>
+          <a:off x="0" y="0"/>
+          <a:ext cx="0" cy="0"/>
+          <a:chOff x="0" y="0"/>
+          <a:chExt cx="0" cy="0"/>
+        </a:xfrm>
+      </p:grpSpPr>
+      <p:sp>
+        <p:nvSpPr>
+          <p:cNvPr id="2" name="Slide Image Placeholder 1"/>
+          <p:cNvSpPr>
+            <a:spLocks noGrp="1" noRot="1" noChangeAspect="1"/>
+          </p:cNvSpPr>
+          <p:nvPr>
+            <p:ph type="sldImg"/>
+          </p:nvPr>
+        </p:nvSpPr>
+        <p:spPr/>
+      </p:sp>
+      <p:sp>
+        <p:nvSpPr>
+          <p:cNvPr id="3" name="Notes Placeholder 2"/>
+          <p:cNvSpPr>
+            <a:spLocks noGrp="1"/>
+          </p:cNvSpPr>
+          <p:nvPr>
+            <p:ph type="body" idx="1"/>
+          </p:nvPr>
+        </p:nvSpPr>
+        <p:spPr/>
+        <p:txBody>
+          <a:bodyPr/>
+          <a:lstStyle/>
+          <a:p>
+            <a:endParaRPr lang="en-US" dirty="0"/>
+          </a:p>
+        </p:txBody>
+      </p:sp>
+      <p:sp>
+        <p:nvSpPr>
+          <p:cNvPr id="4" name="Slide Number Placeholder 3"/>
+          <p:cNvSpPr>
+            <a:spLocks noGrp="1"/>
+          </p:cNvSpPr>
+          <p:nvPr>
+            <p:ph type="sldNum" sz="quarter" idx="5"/>
+          </p:nvPr>
+        </p:nvSpPr>
+        <p:spPr/>
+        <p:txBody>
+          <a:bodyPr/>
+          <a:lstStyle/>
+          <a:p>
+            <a:fld id="{49A70453-7C67-4726-B763-ED32EAAD6684}" type="slidenum">
+              <a:rPr lang="en-US" smtClean="0"/>
+              <a:t>20</a:t>
+            </a:fld>
+            <a:endParaRPr lang="en-US"/>
+          </a:p>
+        </p:txBody>
+      </p:sp>
+    </p:spTree>
+    <p:extLst>
+      <p:ext uri="{BB962C8B-B14F-4D97-AF65-F5344CB8AC3E}">
+        <p14:creationId xmlns:p14="http://schemas.microsoft.com/office/powerpoint/2010/main" val="1101605027"/>
+      </p:ext>
+    </p:extLst>
+  </p:cSld>
+  <p:clrMapOvr>
+    <a:masterClrMapping/>
+  </p:clrMapOvr>
+</p:notes>
+</file>
+
+<file path=ppt/notesSlides/notesSlide18.xml><?xml version="1.0" encoding="utf-8"?>
+<p:notes xmlns:a="http://schemas.openxmlformats.org/drawingml/2006/main" xmlns:r="http://schemas.openxmlformats.org/officeDocument/2006/relationships" xmlns:p="http://schemas.openxmlformats.org/presentationml/2006/main">
+  <p:cSld>
+    <p:spTree>
+      <p:nvGrpSpPr>
+        <p:cNvPr id="1" name=""/>
+        <p:cNvGrpSpPr/>
+        <p:nvPr/>
+      </p:nvGrpSpPr>
+      <p:grpSpPr>
+        <a:xfrm>
+          <a:off x="0" y="0"/>
+          <a:ext cx="0" cy="0"/>
+          <a:chOff x="0" y="0"/>
+          <a:chExt cx="0" cy="0"/>
+        </a:xfrm>
+      </p:grpSpPr>
+      <p:sp>
+        <p:nvSpPr>
+          <p:cNvPr id="2" name="Slide Image Placeholder 1"/>
+          <p:cNvSpPr>
+            <a:spLocks noGrp="1" noRot="1" noChangeAspect="1"/>
+          </p:cNvSpPr>
+          <p:nvPr>
+            <p:ph type="sldImg"/>
+          </p:nvPr>
+        </p:nvSpPr>
+        <p:spPr/>
+      </p:sp>
+      <p:sp>
+        <p:nvSpPr>
+          <p:cNvPr id="3" name="Notes Placeholder 2"/>
+          <p:cNvSpPr>
+            <a:spLocks noGrp="1"/>
+          </p:cNvSpPr>
+          <p:nvPr>
+            <p:ph type="body" idx="1"/>
+          </p:nvPr>
+        </p:nvSpPr>
+        <p:spPr/>
+        <p:txBody>
+          <a:bodyPr/>
+          <a:lstStyle/>
+          <a:p>
+            <a:endParaRPr lang="en-US" dirty="0"/>
+          </a:p>
+        </p:txBody>
+      </p:sp>
+      <p:sp>
+        <p:nvSpPr>
+          <p:cNvPr id="4" name="Slide Number Placeholder 3"/>
+          <p:cNvSpPr>
+            <a:spLocks noGrp="1"/>
+          </p:cNvSpPr>
+          <p:nvPr>
+            <p:ph type="sldNum" sz="quarter" idx="5"/>
+          </p:nvPr>
+        </p:nvSpPr>
+        <p:spPr/>
+        <p:txBody>
+          <a:bodyPr/>
+          <a:lstStyle/>
+          <a:p>
+            <a:fld id="{49A70453-7C67-4726-B763-ED32EAAD6684}" type="slidenum">
+              <a:rPr lang="en-US" smtClean="0"/>
+              <a:t>21</a:t>
+            </a:fld>
+            <a:endParaRPr lang="en-US"/>
+          </a:p>
+        </p:txBody>
+      </p:sp>
+    </p:spTree>
+    <p:extLst>
+      <p:ext uri="{BB962C8B-B14F-4D97-AF65-F5344CB8AC3E}">
+        <p14:creationId xmlns:p14="http://schemas.microsoft.com/office/powerpoint/2010/main" val="3118113497"/>
+      </p:ext>
+    </p:extLst>
+  </p:cSld>
+  <p:clrMapOvr>
+    <a:masterClrMapping/>
+  </p:clrMapOvr>
+</p:notes>
+</file>
+
 <file path=ppt/notesSlides/notesSlide2.xml><?xml version="1.0" encoding="utf-8"?>
 <p:notes xmlns:a="http://schemas.openxmlformats.org/drawingml/2006/main" xmlns:r="http://schemas.openxmlformats.org/officeDocument/2006/relationships" xmlns:p="http://schemas.openxmlformats.org/presentationml/2006/main">
   <p:cSld>
@@ -633,6 +1405,594 @@
     <p:extLst>
       <p:ext uri="{BB962C8B-B14F-4D97-AF65-F5344CB8AC3E}">
         <p14:creationId xmlns:p14="http://schemas.microsoft.com/office/powerpoint/2010/main" val="2597515831"/>
+      </p:ext>
+    </p:extLst>
+  </p:cSld>
+  <p:clrMapOvr>
+    <a:masterClrMapping/>
+  </p:clrMapOvr>
+</p:notes>
+</file>
+
+<file path=ppt/notesSlides/notesSlide3.xml><?xml version="1.0" encoding="utf-8"?>
+<p:notes xmlns:a="http://schemas.openxmlformats.org/drawingml/2006/main" xmlns:r="http://schemas.openxmlformats.org/officeDocument/2006/relationships" xmlns:p="http://schemas.openxmlformats.org/presentationml/2006/main">
+  <p:cSld>
+    <p:spTree>
+      <p:nvGrpSpPr>
+        <p:cNvPr id="1" name=""/>
+        <p:cNvGrpSpPr/>
+        <p:nvPr/>
+      </p:nvGrpSpPr>
+      <p:grpSpPr>
+        <a:xfrm>
+          <a:off x="0" y="0"/>
+          <a:ext cx="0" cy="0"/>
+          <a:chOff x="0" y="0"/>
+          <a:chExt cx="0" cy="0"/>
+        </a:xfrm>
+      </p:grpSpPr>
+      <p:sp>
+        <p:nvSpPr>
+          <p:cNvPr id="2" name="Slide Image Placeholder 1"/>
+          <p:cNvSpPr>
+            <a:spLocks noGrp="1" noRot="1" noChangeAspect="1"/>
+          </p:cNvSpPr>
+          <p:nvPr>
+            <p:ph type="sldImg"/>
+          </p:nvPr>
+        </p:nvSpPr>
+        <p:spPr/>
+      </p:sp>
+      <p:sp>
+        <p:nvSpPr>
+          <p:cNvPr id="3" name="Notes Placeholder 2"/>
+          <p:cNvSpPr>
+            <a:spLocks noGrp="1"/>
+          </p:cNvSpPr>
+          <p:nvPr>
+            <p:ph type="body" idx="1"/>
+          </p:nvPr>
+        </p:nvSpPr>
+        <p:spPr/>
+        <p:txBody>
+          <a:bodyPr/>
+          <a:lstStyle/>
+          <a:p>
+            <a:endParaRPr lang="en-US" dirty="0"/>
+          </a:p>
+        </p:txBody>
+      </p:sp>
+      <p:sp>
+        <p:nvSpPr>
+          <p:cNvPr id="4" name="Slide Number Placeholder 3"/>
+          <p:cNvSpPr>
+            <a:spLocks noGrp="1"/>
+          </p:cNvSpPr>
+          <p:nvPr>
+            <p:ph type="sldNum" sz="quarter" idx="5"/>
+          </p:nvPr>
+        </p:nvSpPr>
+        <p:spPr/>
+        <p:txBody>
+          <a:bodyPr/>
+          <a:lstStyle/>
+          <a:p>
+            <a:fld id="{49A70453-7C67-4726-B763-ED32EAAD6684}" type="slidenum">
+              <a:rPr lang="en-US" smtClean="0"/>
+              <a:t>6</a:t>
+            </a:fld>
+            <a:endParaRPr lang="en-US"/>
+          </a:p>
+        </p:txBody>
+      </p:sp>
+    </p:spTree>
+    <p:extLst>
+      <p:ext uri="{BB962C8B-B14F-4D97-AF65-F5344CB8AC3E}">
+        <p14:creationId xmlns:p14="http://schemas.microsoft.com/office/powerpoint/2010/main" val="420441226"/>
+      </p:ext>
+    </p:extLst>
+  </p:cSld>
+  <p:clrMapOvr>
+    <a:masterClrMapping/>
+  </p:clrMapOvr>
+</p:notes>
+</file>
+
+<file path=ppt/notesSlides/notesSlide4.xml><?xml version="1.0" encoding="utf-8"?>
+<p:notes xmlns:a="http://schemas.openxmlformats.org/drawingml/2006/main" xmlns:r="http://schemas.openxmlformats.org/officeDocument/2006/relationships" xmlns:p="http://schemas.openxmlformats.org/presentationml/2006/main">
+  <p:cSld>
+    <p:spTree>
+      <p:nvGrpSpPr>
+        <p:cNvPr id="1" name=""/>
+        <p:cNvGrpSpPr/>
+        <p:nvPr/>
+      </p:nvGrpSpPr>
+      <p:grpSpPr>
+        <a:xfrm>
+          <a:off x="0" y="0"/>
+          <a:ext cx="0" cy="0"/>
+          <a:chOff x="0" y="0"/>
+          <a:chExt cx="0" cy="0"/>
+        </a:xfrm>
+      </p:grpSpPr>
+      <p:sp>
+        <p:nvSpPr>
+          <p:cNvPr id="2" name="Slide Image Placeholder 1"/>
+          <p:cNvSpPr>
+            <a:spLocks noGrp="1" noRot="1" noChangeAspect="1"/>
+          </p:cNvSpPr>
+          <p:nvPr>
+            <p:ph type="sldImg"/>
+          </p:nvPr>
+        </p:nvSpPr>
+        <p:spPr/>
+      </p:sp>
+      <p:sp>
+        <p:nvSpPr>
+          <p:cNvPr id="3" name="Notes Placeholder 2"/>
+          <p:cNvSpPr>
+            <a:spLocks noGrp="1"/>
+          </p:cNvSpPr>
+          <p:nvPr>
+            <p:ph type="body" idx="1"/>
+          </p:nvPr>
+        </p:nvSpPr>
+        <p:spPr/>
+        <p:txBody>
+          <a:bodyPr/>
+          <a:lstStyle/>
+          <a:p>
+            <a:endParaRPr lang="en-US" dirty="0"/>
+          </a:p>
+        </p:txBody>
+      </p:sp>
+      <p:sp>
+        <p:nvSpPr>
+          <p:cNvPr id="4" name="Slide Number Placeholder 3"/>
+          <p:cNvSpPr>
+            <a:spLocks noGrp="1"/>
+          </p:cNvSpPr>
+          <p:nvPr>
+            <p:ph type="sldNum" sz="quarter" idx="5"/>
+          </p:nvPr>
+        </p:nvSpPr>
+        <p:spPr/>
+        <p:txBody>
+          <a:bodyPr/>
+          <a:lstStyle/>
+          <a:p>
+            <a:fld id="{49A70453-7C67-4726-B763-ED32EAAD6684}" type="slidenum">
+              <a:rPr lang="en-US" smtClean="0"/>
+              <a:t>7</a:t>
+            </a:fld>
+            <a:endParaRPr lang="en-US"/>
+          </a:p>
+        </p:txBody>
+      </p:sp>
+    </p:spTree>
+    <p:extLst>
+      <p:ext uri="{BB962C8B-B14F-4D97-AF65-F5344CB8AC3E}">
+        <p14:creationId xmlns:p14="http://schemas.microsoft.com/office/powerpoint/2010/main" val="821672051"/>
+      </p:ext>
+    </p:extLst>
+  </p:cSld>
+  <p:clrMapOvr>
+    <a:masterClrMapping/>
+  </p:clrMapOvr>
+</p:notes>
+</file>
+
+<file path=ppt/notesSlides/notesSlide5.xml><?xml version="1.0" encoding="utf-8"?>
+<p:notes xmlns:a="http://schemas.openxmlformats.org/drawingml/2006/main" xmlns:r="http://schemas.openxmlformats.org/officeDocument/2006/relationships" xmlns:p="http://schemas.openxmlformats.org/presentationml/2006/main">
+  <p:cSld>
+    <p:spTree>
+      <p:nvGrpSpPr>
+        <p:cNvPr id="1" name=""/>
+        <p:cNvGrpSpPr/>
+        <p:nvPr/>
+      </p:nvGrpSpPr>
+      <p:grpSpPr>
+        <a:xfrm>
+          <a:off x="0" y="0"/>
+          <a:ext cx="0" cy="0"/>
+          <a:chOff x="0" y="0"/>
+          <a:chExt cx="0" cy="0"/>
+        </a:xfrm>
+      </p:grpSpPr>
+      <p:sp>
+        <p:nvSpPr>
+          <p:cNvPr id="2" name="Slide Image Placeholder 1"/>
+          <p:cNvSpPr>
+            <a:spLocks noGrp="1" noRot="1" noChangeAspect="1"/>
+          </p:cNvSpPr>
+          <p:nvPr>
+            <p:ph type="sldImg"/>
+          </p:nvPr>
+        </p:nvSpPr>
+        <p:spPr/>
+      </p:sp>
+      <p:sp>
+        <p:nvSpPr>
+          <p:cNvPr id="3" name="Notes Placeholder 2"/>
+          <p:cNvSpPr>
+            <a:spLocks noGrp="1"/>
+          </p:cNvSpPr>
+          <p:nvPr>
+            <p:ph type="body" idx="1"/>
+          </p:nvPr>
+        </p:nvSpPr>
+        <p:spPr/>
+        <p:txBody>
+          <a:bodyPr/>
+          <a:lstStyle/>
+          <a:p>
+            <a:endParaRPr lang="en-US" dirty="0"/>
+          </a:p>
+        </p:txBody>
+      </p:sp>
+      <p:sp>
+        <p:nvSpPr>
+          <p:cNvPr id="4" name="Slide Number Placeholder 3"/>
+          <p:cNvSpPr>
+            <a:spLocks noGrp="1"/>
+          </p:cNvSpPr>
+          <p:nvPr>
+            <p:ph type="sldNum" sz="quarter" idx="5"/>
+          </p:nvPr>
+        </p:nvSpPr>
+        <p:spPr/>
+        <p:txBody>
+          <a:bodyPr/>
+          <a:lstStyle/>
+          <a:p>
+            <a:fld id="{49A70453-7C67-4726-B763-ED32EAAD6684}" type="slidenum">
+              <a:rPr lang="en-US" smtClean="0"/>
+              <a:t>8</a:t>
+            </a:fld>
+            <a:endParaRPr lang="en-US"/>
+          </a:p>
+        </p:txBody>
+      </p:sp>
+    </p:spTree>
+    <p:extLst>
+      <p:ext uri="{BB962C8B-B14F-4D97-AF65-F5344CB8AC3E}">
+        <p14:creationId xmlns:p14="http://schemas.microsoft.com/office/powerpoint/2010/main" val="3723978478"/>
+      </p:ext>
+    </p:extLst>
+  </p:cSld>
+  <p:clrMapOvr>
+    <a:masterClrMapping/>
+  </p:clrMapOvr>
+</p:notes>
+</file>
+
+<file path=ppt/notesSlides/notesSlide6.xml><?xml version="1.0" encoding="utf-8"?>
+<p:notes xmlns:a="http://schemas.openxmlformats.org/drawingml/2006/main" xmlns:r="http://schemas.openxmlformats.org/officeDocument/2006/relationships" xmlns:p="http://schemas.openxmlformats.org/presentationml/2006/main">
+  <p:cSld>
+    <p:spTree>
+      <p:nvGrpSpPr>
+        <p:cNvPr id="1" name=""/>
+        <p:cNvGrpSpPr/>
+        <p:nvPr/>
+      </p:nvGrpSpPr>
+      <p:grpSpPr>
+        <a:xfrm>
+          <a:off x="0" y="0"/>
+          <a:ext cx="0" cy="0"/>
+          <a:chOff x="0" y="0"/>
+          <a:chExt cx="0" cy="0"/>
+        </a:xfrm>
+      </p:grpSpPr>
+      <p:sp>
+        <p:nvSpPr>
+          <p:cNvPr id="2" name="Slide Image Placeholder 1"/>
+          <p:cNvSpPr>
+            <a:spLocks noGrp="1" noRot="1" noChangeAspect="1"/>
+          </p:cNvSpPr>
+          <p:nvPr>
+            <p:ph type="sldImg"/>
+          </p:nvPr>
+        </p:nvSpPr>
+        <p:spPr/>
+      </p:sp>
+      <p:sp>
+        <p:nvSpPr>
+          <p:cNvPr id="3" name="Notes Placeholder 2"/>
+          <p:cNvSpPr>
+            <a:spLocks noGrp="1"/>
+          </p:cNvSpPr>
+          <p:nvPr>
+            <p:ph type="body" idx="1"/>
+          </p:nvPr>
+        </p:nvSpPr>
+        <p:spPr/>
+        <p:txBody>
+          <a:bodyPr/>
+          <a:lstStyle/>
+          <a:p>
+            <a:endParaRPr lang="en-US" dirty="0"/>
+          </a:p>
+        </p:txBody>
+      </p:sp>
+      <p:sp>
+        <p:nvSpPr>
+          <p:cNvPr id="4" name="Slide Number Placeholder 3"/>
+          <p:cNvSpPr>
+            <a:spLocks noGrp="1"/>
+          </p:cNvSpPr>
+          <p:nvPr>
+            <p:ph type="sldNum" sz="quarter" idx="5"/>
+          </p:nvPr>
+        </p:nvSpPr>
+        <p:spPr/>
+        <p:txBody>
+          <a:bodyPr/>
+          <a:lstStyle/>
+          <a:p>
+            <a:fld id="{49A70453-7C67-4726-B763-ED32EAAD6684}" type="slidenum">
+              <a:rPr lang="en-US" smtClean="0"/>
+              <a:t>9</a:t>
+            </a:fld>
+            <a:endParaRPr lang="en-US"/>
+          </a:p>
+        </p:txBody>
+      </p:sp>
+    </p:spTree>
+    <p:extLst>
+      <p:ext uri="{BB962C8B-B14F-4D97-AF65-F5344CB8AC3E}">
+        <p14:creationId xmlns:p14="http://schemas.microsoft.com/office/powerpoint/2010/main" val="1450332196"/>
+      </p:ext>
+    </p:extLst>
+  </p:cSld>
+  <p:clrMapOvr>
+    <a:masterClrMapping/>
+  </p:clrMapOvr>
+</p:notes>
+</file>
+
+<file path=ppt/notesSlides/notesSlide7.xml><?xml version="1.0" encoding="utf-8"?>
+<p:notes xmlns:a="http://schemas.openxmlformats.org/drawingml/2006/main" xmlns:r="http://schemas.openxmlformats.org/officeDocument/2006/relationships" xmlns:p="http://schemas.openxmlformats.org/presentationml/2006/main">
+  <p:cSld>
+    <p:spTree>
+      <p:nvGrpSpPr>
+        <p:cNvPr id="1" name=""/>
+        <p:cNvGrpSpPr/>
+        <p:nvPr/>
+      </p:nvGrpSpPr>
+      <p:grpSpPr>
+        <a:xfrm>
+          <a:off x="0" y="0"/>
+          <a:ext cx="0" cy="0"/>
+          <a:chOff x="0" y="0"/>
+          <a:chExt cx="0" cy="0"/>
+        </a:xfrm>
+      </p:grpSpPr>
+      <p:sp>
+        <p:nvSpPr>
+          <p:cNvPr id="2" name="Slide Image Placeholder 1"/>
+          <p:cNvSpPr>
+            <a:spLocks noGrp="1" noRot="1" noChangeAspect="1"/>
+          </p:cNvSpPr>
+          <p:nvPr>
+            <p:ph type="sldImg"/>
+          </p:nvPr>
+        </p:nvSpPr>
+        <p:spPr/>
+      </p:sp>
+      <p:sp>
+        <p:nvSpPr>
+          <p:cNvPr id="3" name="Notes Placeholder 2"/>
+          <p:cNvSpPr>
+            <a:spLocks noGrp="1"/>
+          </p:cNvSpPr>
+          <p:nvPr>
+            <p:ph type="body" idx="1"/>
+          </p:nvPr>
+        </p:nvSpPr>
+        <p:spPr/>
+        <p:txBody>
+          <a:bodyPr/>
+          <a:lstStyle/>
+          <a:p>
+            <a:endParaRPr lang="en-US" dirty="0"/>
+          </a:p>
+        </p:txBody>
+      </p:sp>
+      <p:sp>
+        <p:nvSpPr>
+          <p:cNvPr id="4" name="Slide Number Placeholder 3"/>
+          <p:cNvSpPr>
+            <a:spLocks noGrp="1"/>
+          </p:cNvSpPr>
+          <p:nvPr>
+            <p:ph type="sldNum" sz="quarter" idx="5"/>
+          </p:nvPr>
+        </p:nvSpPr>
+        <p:spPr/>
+        <p:txBody>
+          <a:bodyPr/>
+          <a:lstStyle/>
+          <a:p>
+            <a:fld id="{49A70453-7C67-4726-B763-ED32EAAD6684}" type="slidenum">
+              <a:rPr lang="en-US" smtClean="0"/>
+              <a:t>10</a:t>
+            </a:fld>
+            <a:endParaRPr lang="en-US"/>
+          </a:p>
+        </p:txBody>
+      </p:sp>
+    </p:spTree>
+    <p:extLst>
+      <p:ext uri="{BB962C8B-B14F-4D97-AF65-F5344CB8AC3E}">
+        <p14:creationId xmlns:p14="http://schemas.microsoft.com/office/powerpoint/2010/main" val="3685651980"/>
+      </p:ext>
+    </p:extLst>
+  </p:cSld>
+  <p:clrMapOvr>
+    <a:masterClrMapping/>
+  </p:clrMapOvr>
+</p:notes>
+</file>
+
+<file path=ppt/notesSlides/notesSlide8.xml><?xml version="1.0" encoding="utf-8"?>
+<p:notes xmlns:a="http://schemas.openxmlformats.org/drawingml/2006/main" xmlns:r="http://schemas.openxmlformats.org/officeDocument/2006/relationships" xmlns:p="http://schemas.openxmlformats.org/presentationml/2006/main">
+  <p:cSld>
+    <p:spTree>
+      <p:nvGrpSpPr>
+        <p:cNvPr id="1" name=""/>
+        <p:cNvGrpSpPr/>
+        <p:nvPr/>
+      </p:nvGrpSpPr>
+      <p:grpSpPr>
+        <a:xfrm>
+          <a:off x="0" y="0"/>
+          <a:ext cx="0" cy="0"/>
+          <a:chOff x="0" y="0"/>
+          <a:chExt cx="0" cy="0"/>
+        </a:xfrm>
+      </p:grpSpPr>
+      <p:sp>
+        <p:nvSpPr>
+          <p:cNvPr id="2" name="Slide Image Placeholder 1"/>
+          <p:cNvSpPr>
+            <a:spLocks noGrp="1" noRot="1" noChangeAspect="1"/>
+          </p:cNvSpPr>
+          <p:nvPr>
+            <p:ph type="sldImg"/>
+          </p:nvPr>
+        </p:nvSpPr>
+        <p:spPr/>
+      </p:sp>
+      <p:sp>
+        <p:nvSpPr>
+          <p:cNvPr id="3" name="Notes Placeholder 2"/>
+          <p:cNvSpPr>
+            <a:spLocks noGrp="1"/>
+          </p:cNvSpPr>
+          <p:nvPr>
+            <p:ph type="body" idx="1"/>
+          </p:nvPr>
+        </p:nvSpPr>
+        <p:spPr/>
+        <p:txBody>
+          <a:bodyPr/>
+          <a:lstStyle/>
+          <a:p>
+            <a:endParaRPr lang="en-US" dirty="0"/>
+          </a:p>
+        </p:txBody>
+      </p:sp>
+      <p:sp>
+        <p:nvSpPr>
+          <p:cNvPr id="4" name="Slide Number Placeholder 3"/>
+          <p:cNvSpPr>
+            <a:spLocks noGrp="1"/>
+          </p:cNvSpPr>
+          <p:nvPr>
+            <p:ph type="sldNum" sz="quarter" idx="5"/>
+          </p:nvPr>
+        </p:nvSpPr>
+        <p:spPr/>
+        <p:txBody>
+          <a:bodyPr/>
+          <a:lstStyle/>
+          <a:p>
+            <a:fld id="{49A70453-7C67-4726-B763-ED32EAAD6684}" type="slidenum">
+              <a:rPr lang="en-US" smtClean="0"/>
+              <a:t>11</a:t>
+            </a:fld>
+            <a:endParaRPr lang="en-US"/>
+          </a:p>
+        </p:txBody>
+      </p:sp>
+    </p:spTree>
+    <p:extLst>
+      <p:ext uri="{BB962C8B-B14F-4D97-AF65-F5344CB8AC3E}">
+        <p14:creationId xmlns:p14="http://schemas.microsoft.com/office/powerpoint/2010/main" val="2727495417"/>
+      </p:ext>
+    </p:extLst>
+  </p:cSld>
+  <p:clrMapOvr>
+    <a:masterClrMapping/>
+  </p:clrMapOvr>
+</p:notes>
+</file>
+
+<file path=ppt/notesSlides/notesSlide9.xml><?xml version="1.0" encoding="utf-8"?>
+<p:notes xmlns:a="http://schemas.openxmlformats.org/drawingml/2006/main" xmlns:r="http://schemas.openxmlformats.org/officeDocument/2006/relationships" xmlns:p="http://schemas.openxmlformats.org/presentationml/2006/main">
+  <p:cSld>
+    <p:spTree>
+      <p:nvGrpSpPr>
+        <p:cNvPr id="1" name=""/>
+        <p:cNvGrpSpPr/>
+        <p:nvPr/>
+      </p:nvGrpSpPr>
+      <p:grpSpPr>
+        <a:xfrm>
+          <a:off x="0" y="0"/>
+          <a:ext cx="0" cy="0"/>
+          <a:chOff x="0" y="0"/>
+          <a:chExt cx="0" cy="0"/>
+        </a:xfrm>
+      </p:grpSpPr>
+      <p:sp>
+        <p:nvSpPr>
+          <p:cNvPr id="2" name="Slide Image Placeholder 1"/>
+          <p:cNvSpPr>
+            <a:spLocks noGrp="1" noRot="1" noChangeAspect="1"/>
+          </p:cNvSpPr>
+          <p:nvPr>
+            <p:ph type="sldImg"/>
+          </p:nvPr>
+        </p:nvSpPr>
+        <p:spPr/>
+      </p:sp>
+      <p:sp>
+        <p:nvSpPr>
+          <p:cNvPr id="3" name="Notes Placeholder 2"/>
+          <p:cNvSpPr>
+            <a:spLocks noGrp="1"/>
+          </p:cNvSpPr>
+          <p:nvPr>
+            <p:ph type="body" idx="1"/>
+          </p:nvPr>
+        </p:nvSpPr>
+        <p:spPr/>
+        <p:txBody>
+          <a:bodyPr/>
+          <a:lstStyle/>
+          <a:p>
+            <a:endParaRPr lang="en-US" dirty="0"/>
+          </a:p>
+        </p:txBody>
+      </p:sp>
+      <p:sp>
+        <p:nvSpPr>
+          <p:cNvPr id="4" name="Slide Number Placeholder 3"/>
+          <p:cNvSpPr>
+            <a:spLocks noGrp="1"/>
+          </p:cNvSpPr>
+          <p:nvPr>
+            <p:ph type="sldNum" sz="quarter" idx="5"/>
+          </p:nvPr>
+        </p:nvSpPr>
+        <p:spPr/>
+        <p:txBody>
+          <a:bodyPr/>
+          <a:lstStyle/>
+          <a:p>
+            <a:fld id="{49A70453-7C67-4726-B763-ED32EAAD6684}" type="slidenum">
+              <a:rPr lang="en-US" smtClean="0"/>
+              <a:t>12</a:t>
+            </a:fld>
+            <a:endParaRPr lang="en-US"/>
+          </a:p>
+        </p:txBody>
+      </p:sp>
+    </p:spTree>
+    <p:extLst>
+      <p:ext uri="{BB962C8B-B14F-4D97-AF65-F5344CB8AC3E}">
+        <p14:creationId xmlns:p14="http://schemas.microsoft.com/office/powerpoint/2010/main" val="4040926792"/>
       </p:ext>
     </p:extLst>
   </p:cSld>
@@ -4079,6 +5439,1887 @@
 </p:sld>
 </file>
 
+<file path=ppt/slides/slide10.xml><?xml version="1.0" encoding="utf-8"?>
+<p:sld xmlns:a="http://schemas.openxmlformats.org/drawingml/2006/main" xmlns:r="http://schemas.openxmlformats.org/officeDocument/2006/relationships" xmlns:p="http://schemas.openxmlformats.org/presentationml/2006/main">
+  <p:cSld>
+    <p:spTree>
+      <p:nvGrpSpPr>
+        <p:cNvPr id="1" name=""/>
+        <p:cNvGrpSpPr/>
+        <p:nvPr/>
+      </p:nvGrpSpPr>
+      <p:grpSpPr>
+        <a:xfrm>
+          <a:off x="0" y="0"/>
+          <a:ext cx="0" cy="0"/>
+          <a:chOff x="0" y="0"/>
+          <a:chExt cx="0" cy="0"/>
+        </a:xfrm>
+      </p:grpSpPr>
+      <p:sp>
+        <p:nvSpPr>
+          <p:cNvPr id="2" name="Title 1">
+            <a:extLst>
+              <a:ext uri="{FF2B5EF4-FFF2-40B4-BE49-F238E27FC236}">
+                <a16:creationId xmlns:a16="http://schemas.microsoft.com/office/drawing/2014/main" id="{DE3CDF8B-9B55-4731-A3D9-E0EE17213FF4}"/>
+              </a:ext>
+            </a:extLst>
+          </p:cNvPr>
+          <p:cNvSpPr>
+            <a:spLocks noGrp="1"/>
+          </p:cNvSpPr>
+          <p:nvPr>
+            <p:ph type="title"/>
+          </p:nvPr>
+        </p:nvSpPr>
+        <p:spPr/>
+        <p:txBody>
+          <a:bodyPr/>
+          <a:lstStyle/>
+          <a:p>
+            <a:r>
+              <a:rPr lang="en-US" dirty="0">
+                <a:solidFill>
+                  <a:schemeClr val="accent5">
+                    <a:lumMod val="50000"/>
+                  </a:schemeClr>
+                </a:solidFill>
+              </a:rPr>
+              <a:t>Manual Model: Build Training Set</a:t>
+            </a:r>
+          </a:p>
+        </p:txBody>
+      </p:sp>
+      <p:sp>
+        <p:nvSpPr>
+          <p:cNvPr id="3" name="Content Placeholder 2">
+            <a:extLst>
+              <a:ext uri="{FF2B5EF4-FFF2-40B4-BE49-F238E27FC236}">
+                <a16:creationId xmlns:a16="http://schemas.microsoft.com/office/drawing/2014/main" id="{9B6FFEAB-96DA-4594-8268-CFF457266D8E}"/>
+              </a:ext>
+            </a:extLst>
+          </p:cNvPr>
+          <p:cNvSpPr>
+            <a:spLocks noGrp="1"/>
+          </p:cNvSpPr>
+          <p:nvPr>
+            <p:ph idx="1"/>
+          </p:nvPr>
+        </p:nvSpPr>
+        <p:spPr/>
+        <p:txBody>
+          <a:bodyPr>
+            <a:normAutofit/>
+          </a:bodyPr>
+          <a:lstStyle/>
+          <a:p>
+            <a:r>
+              <a:rPr lang="en-US" dirty="0" err="1">
+                <a:solidFill>
+                  <a:schemeClr val="accent5">
+                    <a:lumMod val="50000"/>
+                  </a:schemeClr>
+                </a:solidFill>
+              </a:rPr>
+              <a:t>ToDo</a:t>
+            </a:r>
+            <a:endParaRPr lang="en-US" dirty="0">
+              <a:solidFill>
+                <a:schemeClr val="accent5">
+                  <a:lumMod val="50000"/>
+                </a:schemeClr>
+              </a:solidFill>
+            </a:endParaRPr>
+          </a:p>
+          <a:p>
+            <a:pPr marL="0" indent="0">
+              <a:buNone/>
+            </a:pPr>
+            <a:endParaRPr lang="en-US" dirty="0">
+              <a:solidFill>
+                <a:schemeClr val="accent5">
+                  <a:lumMod val="50000"/>
+                </a:schemeClr>
+              </a:solidFill>
+            </a:endParaRPr>
+          </a:p>
+          <a:p>
+            <a:endParaRPr lang="en-US" dirty="0">
+              <a:solidFill>
+                <a:schemeClr val="accent5">
+                  <a:lumMod val="50000"/>
+                </a:schemeClr>
+              </a:solidFill>
+            </a:endParaRPr>
+          </a:p>
+        </p:txBody>
+      </p:sp>
+    </p:spTree>
+    <p:extLst>
+      <p:ext uri="{BB962C8B-B14F-4D97-AF65-F5344CB8AC3E}">
+        <p14:creationId xmlns:p14="http://schemas.microsoft.com/office/powerpoint/2010/main" val="280103720"/>
+      </p:ext>
+    </p:extLst>
+  </p:cSld>
+  <p:clrMapOvr>
+    <a:masterClrMapping/>
+  </p:clrMapOvr>
+</p:sld>
+</file>
+
+<file path=ppt/slides/slide11.xml><?xml version="1.0" encoding="utf-8"?>
+<p:sld xmlns:a="http://schemas.openxmlformats.org/drawingml/2006/main" xmlns:r="http://schemas.openxmlformats.org/officeDocument/2006/relationships" xmlns:p="http://schemas.openxmlformats.org/presentationml/2006/main">
+  <p:cSld>
+    <p:spTree>
+      <p:nvGrpSpPr>
+        <p:cNvPr id="1" name=""/>
+        <p:cNvGrpSpPr/>
+        <p:nvPr/>
+      </p:nvGrpSpPr>
+      <p:grpSpPr>
+        <a:xfrm>
+          <a:off x="0" y="0"/>
+          <a:ext cx="0" cy="0"/>
+          <a:chOff x="0" y="0"/>
+          <a:chExt cx="0" cy="0"/>
+        </a:xfrm>
+      </p:grpSpPr>
+      <p:sp>
+        <p:nvSpPr>
+          <p:cNvPr id="2" name="Title 1">
+            <a:extLst>
+              <a:ext uri="{FF2B5EF4-FFF2-40B4-BE49-F238E27FC236}">
+                <a16:creationId xmlns:a16="http://schemas.microsoft.com/office/drawing/2014/main" id="{DE3CDF8B-9B55-4731-A3D9-E0EE17213FF4}"/>
+              </a:ext>
+            </a:extLst>
+          </p:cNvPr>
+          <p:cNvSpPr>
+            <a:spLocks noGrp="1"/>
+          </p:cNvSpPr>
+          <p:nvPr>
+            <p:ph type="title"/>
+          </p:nvPr>
+        </p:nvSpPr>
+        <p:spPr/>
+        <p:txBody>
+          <a:bodyPr/>
+          <a:lstStyle/>
+          <a:p>
+            <a:r>
+              <a:rPr lang="en-US" dirty="0">
+                <a:solidFill>
+                  <a:schemeClr val="accent5">
+                    <a:lumMod val="50000"/>
+                  </a:schemeClr>
+                </a:solidFill>
+              </a:rPr>
+              <a:t>Manual Model: Train The Model</a:t>
+            </a:r>
+          </a:p>
+        </p:txBody>
+      </p:sp>
+      <p:sp>
+        <p:nvSpPr>
+          <p:cNvPr id="3" name="Content Placeholder 2">
+            <a:extLst>
+              <a:ext uri="{FF2B5EF4-FFF2-40B4-BE49-F238E27FC236}">
+                <a16:creationId xmlns:a16="http://schemas.microsoft.com/office/drawing/2014/main" id="{9B6FFEAB-96DA-4594-8268-CFF457266D8E}"/>
+              </a:ext>
+            </a:extLst>
+          </p:cNvPr>
+          <p:cNvSpPr>
+            <a:spLocks noGrp="1"/>
+          </p:cNvSpPr>
+          <p:nvPr>
+            <p:ph idx="1"/>
+          </p:nvPr>
+        </p:nvSpPr>
+        <p:spPr/>
+        <p:txBody>
+          <a:bodyPr>
+            <a:normAutofit/>
+          </a:bodyPr>
+          <a:lstStyle/>
+          <a:p>
+            <a:r>
+              <a:rPr lang="en-US" dirty="0" err="1">
+                <a:solidFill>
+                  <a:schemeClr val="accent5">
+                    <a:lumMod val="50000"/>
+                  </a:schemeClr>
+                </a:solidFill>
+              </a:rPr>
+              <a:t>ToDo</a:t>
+            </a:r>
+            <a:endParaRPr lang="en-US" dirty="0">
+              <a:solidFill>
+                <a:schemeClr val="accent5">
+                  <a:lumMod val="50000"/>
+                </a:schemeClr>
+              </a:solidFill>
+            </a:endParaRPr>
+          </a:p>
+          <a:p>
+            <a:pPr marL="0" indent="0">
+              <a:buNone/>
+            </a:pPr>
+            <a:endParaRPr lang="en-US" dirty="0">
+              <a:solidFill>
+                <a:schemeClr val="accent5">
+                  <a:lumMod val="50000"/>
+                </a:schemeClr>
+              </a:solidFill>
+            </a:endParaRPr>
+          </a:p>
+          <a:p>
+            <a:endParaRPr lang="en-US" dirty="0">
+              <a:solidFill>
+                <a:schemeClr val="accent5">
+                  <a:lumMod val="50000"/>
+                </a:schemeClr>
+              </a:solidFill>
+            </a:endParaRPr>
+          </a:p>
+        </p:txBody>
+      </p:sp>
+    </p:spTree>
+    <p:extLst>
+      <p:ext uri="{BB962C8B-B14F-4D97-AF65-F5344CB8AC3E}">
+        <p14:creationId xmlns:p14="http://schemas.microsoft.com/office/powerpoint/2010/main" val="1108073680"/>
+      </p:ext>
+    </p:extLst>
+  </p:cSld>
+  <p:clrMapOvr>
+    <a:masterClrMapping/>
+  </p:clrMapOvr>
+</p:sld>
+</file>
+
+<file path=ppt/slides/slide12.xml><?xml version="1.0" encoding="utf-8"?>
+<p:sld xmlns:a="http://schemas.openxmlformats.org/drawingml/2006/main" xmlns:r="http://schemas.openxmlformats.org/officeDocument/2006/relationships" xmlns:p="http://schemas.openxmlformats.org/presentationml/2006/main">
+  <p:cSld>
+    <p:spTree>
+      <p:nvGrpSpPr>
+        <p:cNvPr id="1" name=""/>
+        <p:cNvGrpSpPr/>
+        <p:nvPr/>
+      </p:nvGrpSpPr>
+      <p:grpSpPr>
+        <a:xfrm>
+          <a:off x="0" y="0"/>
+          <a:ext cx="0" cy="0"/>
+          <a:chOff x="0" y="0"/>
+          <a:chExt cx="0" cy="0"/>
+        </a:xfrm>
+      </p:grpSpPr>
+      <p:sp>
+        <p:nvSpPr>
+          <p:cNvPr id="2" name="Title 1">
+            <a:extLst>
+              <a:ext uri="{FF2B5EF4-FFF2-40B4-BE49-F238E27FC236}">
+                <a16:creationId xmlns:a16="http://schemas.microsoft.com/office/drawing/2014/main" id="{DE3CDF8B-9B55-4731-A3D9-E0EE17213FF4}"/>
+              </a:ext>
+            </a:extLst>
+          </p:cNvPr>
+          <p:cNvSpPr>
+            <a:spLocks noGrp="1"/>
+          </p:cNvSpPr>
+          <p:nvPr>
+            <p:ph type="title"/>
+          </p:nvPr>
+        </p:nvSpPr>
+        <p:spPr/>
+        <p:txBody>
+          <a:bodyPr/>
+          <a:lstStyle/>
+          <a:p>
+            <a:r>
+              <a:rPr lang="en-US" dirty="0">
+                <a:solidFill>
+                  <a:schemeClr val="accent5">
+                    <a:lumMod val="50000"/>
+                  </a:schemeClr>
+                </a:solidFill>
+              </a:rPr>
+              <a:t>Manual Model</a:t>
+            </a:r>
+            <a:r>
+              <a:rPr lang="en-US">
+                <a:solidFill>
+                  <a:schemeClr val="accent5">
+                    <a:lumMod val="50000"/>
+                  </a:schemeClr>
+                </a:solidFill>
+              </a:rPr>
+              <a:t>: Deploy The Model</a:t>
+            </a:r>
+            <a:endParaRPr lang="en-US" dirty="0">
+              <a:solidFill>
+                <a:schemeClr val="accent5">
+                  <a:lumMod val="50000"/>
+                </a:schemeClr>
+              </a:solidFill>
+            </a:endParaRPr>
+          </a:p>
+        </p:txBody>
+      </p:sp>
+      <p:sp>
+        <p:nvSpPr>
+          <p:cNvPr id="3" name="Content Placeholder 2">
+            <a:extLst>
+              <a:ext uri="{FF2B5EF4-FFF2-40B4-BE49-F238E27FC236}">
+                <a16:creationId xmlns:a16="http://schemas.microsoft.com/office/drawing/2014/main" id="{9B6FFEAB-96DA-4594-8268-CFF457266D8E}"/>
+              </a:ext>
+            </a:extLst>
+          </p:cNvPr>
+          <p:cNvSpPr>
+            <a:spLocks noGrp="1"/>
+          </p:cNvSpPr>
+          <p:nvPr>
+            <p:ph idx="1"/>
+          </p:nvPr>
+        </p:nvSpPr>
+        <p:spPr/>
+        <p:txBody>
+          <a:bodyPr>
+            <a:normAutofit/>
+          </a:bodyPr>
+          <a:lstStyle/>
+          <a:p>
+            <a:r>
+              <a:rPr lang="en-US" dirty="0" err="1">
+                <a:solidFill>
+                  <a:schemeClr val="accent5">
+                    <a:lumMod val="50000"/>
+                  </a:schemeClr>
+                </a:solidFill>
+              </a:rPr>
+              <a:t>ToDo</a:t>
+            </a:r>
+            <a:endParaRPr lang="en-US" dirty="0">
+              <a:solidFill>
+                <a:schemeClr val="accent5">
+                  <a:lumMod val="50000"/>
+                </a:schemeClr>
+              </a:solidFill>
+            </a:endParaRPr>
+          </a:p>
+          <a:p>
+            <a:pPr marL="0" indent="0">
+              <a:buNone/>
+            </a:pPr>
+            <a:endParaRPr lang="en-US" dirty="0">
+              <a:solidFill>
+                <a:schemeClr val="accent5">
+                  <a:lumMod val="50000"/>
+                </a:schemeClr>
+              </a:solidFill>
+            </a:endParaRPr>
+          </a:p>
+          <a:p>
+            <a:endParaRPr lang="en-US" dirty="0">
+              <a:solidFill>
+                <a:schemeClr val="accent5">
+                  <a:lumMod val="50000"/>
+                </a:schemeClr>
+              </a:solidFill>
+            </a:endParaRPr>
+          </a:p>
+        </p:txBody>
+      </p:sp>
+    </p:spTree>
+    <p:extLst>
+      <p:ext uri="{BB962C8B-B14F-4D97-AF65-F5344CB8AC3E}">
+        <p14:creationId xmlns:p14="http://schemas.microsoft.com/office/powerpoint/2010/main" val="4274637471"/>
+      </p:ext>
+    </p:extLst>
+  </p:cSld>
+  <p:clrMapOvr>
+    <a:masterClrMapping/>
+  </p:clrMapOvr>
+</p:sld>
+</file>
+
+<file path=ppt/slides/slide13.xml><?xml version="1.0" encoding="utf-8"?>
+<p:sld xmlns:a="http://schemas.openxmlformats.org/drawingml/2006/main" xmlns:r="http://schemas.openxmlformats.org/officeDocument/2006/relationships" xmlns:p="http://schemas.openxmlformats.org/presentationml/2006/main">
+  <p:cSld>
+    <p:spTree>
+      <p:nvGrpSpPr>
+        <p:cNvPr id="1" name=""/>
+        <p:cNvGrpSpPr/>
+        <p:nvPr/>
+      </p:nvGrpSpPr>
+      <p:grpSpPr>
+        <a:xfrm>
+          <a:off x="0" y="0"/>
+          <a:ext cx="0" cy="0"/>
+          <a:chOff x="0" y="0"/>
+          <a:chExt cx="0" cy="0"/>
+        </a:xfrm>
+      </p:grpSpPr>
+      <p:sp>
+        <p:nvSpPr>
+          <p:cNvPr id="2" name="Title 1">
+            <a:extLst>
+              <a:ext uri="{FF2B5EF4-FFF2-40B4-BE49-F238E27FC236}">
+                <a16:creationId xmlns:a16="http://schemas.microsoft.com/office/drawing/2014/main" id="{DE3CDF8B-9B55-4731-A3D9-E0EE17213FF4}"/>
+              </a:ext>
+            </a:extLst>
+          </p:cNvPr>
+          <p:cNvSpPr>
+            <a:spLocks noGrp="1"/>
+          </p:cNvSpPr>
+          <p:nvPr>
+            <p:ph type="title"/>
+          </p:nvPr>
+        </p:nvSpPr>
+        <p:spPr/>
+        <p:txBody>
+          <a:bodyPr/>
+          <a:lstStyle/>
+          <a:p>
+            <a:r>
+              <a:rPr lang="en-US" dirty="0">
+                <a:solidFill>
+                  <a:schemeClr val="accent5">
+                    <a:lumMod val="50000"/>
+                  </a:schemeClr>
+                </a:solidFill>
+              </a:rPr>
+              <a:t>AzureML Trained Model</a:t>
+            </a:r>
+          </a:p>
+        </p:txBody>
+      </p:sp>
+      <p:sp>
+        <p:nvSpPr>
+          <p:cNvPr id="3" name="Content Placeholder 2">
+            <a:extLst>
+              <a:ext uri="{FF2B5EF4-FFF2-40B4-BE49-F238E27FC236}">
+                <a16:creationId xmlns:a16="http://schemas.microsoft.com/office/drawing/2014/main" id="{9B6FFEAB-96DA-4594-8268-CFF457266D8E}"/>
+              </a:ext>
+            </a:extLst>
+          </p:cNvPr>
+          <p:cNvSpPr>
+            <a:spLocks noGrp="1"/>
+          </p:cNvSpPr>
+          <p:nvPr>
+            <p:ph idx="1"/>
+          </p:nvPr>
+        </p:nvSpPr>
+        <p:spPr/>
+        <p:txBody>
+          <a:bodyPr>
+            <a:normAutofit/>
+          </a:bodyPr>
+          <a:lstStyle/>
+          <a:p>
+            <a:r>
+              <a:rPr lang="en-US" dirty="0">
+                <a:solidFill>
+                  <a:schemeClr val="accent5">
+                    <a:lumMod val="50000"/>
+                  </a:schemeClr>
+                </a:solidFill>
+              </a:rPr>
+              <a:t>Start with a sample</a:t>
+            </a:r>
+          </a:p>
+          <a:p>
+            <a:pPr lvl="1"/>
+            <a:r>
+              <a:rPr lang="en-US" dirty="0">
+                <a:solidFill>
+                  <a:schemeClr val="accent5">
+                    <a:lumMod val="50000"/>
+                  </a:schemeClr>
+                </a:solidFill>
+              </a:rPr>
+              <a:t>Notebooks -&gt; Samples -&gt; v2 &gt; </a:t>
+            </a:r>
+            <a:r>
+              <a:rPr lang="en-US" dirty="0" err="1">
+                <a:solidFill>
+                  <a:schemeClr val="accent5">
+                    <a:lumMod val="50000"/>
+                  </a:schemeClr>
+                </a:solidFill>
+              </a:rPr>
+              <a:t>sdk</a:t>
+            </a:r>
+            <a:r>
+              <a:rPr lang="en-US" dirty="0">
+                <a:solidFill>
+                  <a:schemeClr val="accent5">
+                    <a:lumMod val="50000"/>
+                  </a:schemeClr>
+                </a:solidFill>
+              </a:rPr>
+              <a:t> &gt; python &gt; jobs &gt; single-step &gt; </a:t>
+            </a:r>
+            <a:r>
+              <a:rPr lang="en-US" dirty="0" err="1">
+                <a:solidFill>
+                  <a:schemeClr val="accent5">
+                    <a:lumMod val="50000"/>
+                  </a:schemeClr>
+                </a:solidFill>
+              </a:rPr>
+              <a:t>tensorflow</a:t>
+            </a:r>
+            <a:r>
+              <a:rPr lang="en-US" dirty="0">
+                <a:solidFill>
+                  <a:schemeClr val="accent5">
+                    <a:lumMod val="50000"/>
+                  </a:schemeClr>
+                </a:solidFill>
+              </a:rPr>
+              <a:t> &gt; train-hyperparameter-tune-deploy-with-</a:t>
+            </a:r>
+            <a:r>
+              <a:rPr lang="en-US" dirty="0" err="1">
+                <a:solidFill>
+                  <a:schemeClr val="accent5">
+                    <a:lumMod val="50000"/>
+                  </a:schemeClr>
+                </a:solidFill>
+              </a:rPr>
+              <a:t>tensorflow</a:t>
+            </a:r>
+            <a:endParaRPr lang="en-US" dirty="0">
+              <a:solidFill>
+                <a:schemeClr val="accent5">
+                  <a:lumMod val="50000"/>
+                </a:schemeClr>
+              </a:solidFill>
+            </a:endParaRPr>
+          </a:p>
+          <a:p>
+            <a:r>
+              <a:rPr lang="en-US" dirty="0">
+                <a:solidFill>
+                  <a:schemeClr val="accent5">
+                    <a:lumMod val="50000"/>
+                  </a:schemeClr>
+                </a:solidFill>
+              </a:rPr>
+              <a:t>Clone Notebook</a:t>
+            </a:r>
+          </a:p>
+          <a:p>
+            <a:r>
+              <a:rPr lang="en-US" dirty="0">
+                <a:solidFill>
+                  <a:schemeClr val="accent5">
+                    <a:lumMod val="50000"/>
+                  </a:schemeClr>
+                </a:solidFill>
+              </a:rPr>
+              <a:t>Set Compute to your created compute instance</a:t>
+            </a:r>
+          </a:p>
+          <a:p>
+            <a:r>
+              <a:rPr lang="en-US" dirty="0">
+                <a:solidFill>
+                  <a:schemeClr val="accent5">
+                    <a:lumMod val="50000"/>
+                  </a:schemeClr>
+                </a:solidFill>
+              </a:rPr>
+              <a:t>Ensure Kernal is “Python 3.10 – SDK v2”</a:t>
+            </a:r>
+          </a:p>
+          <a:p>
+            <a:endParaRPr lang="en-US" dirty="0">
+              <a:solidFill>
+                <a:schemeClr val="accent5">
+                  <a:lumMod val="50000"/>
+                </a:schemeClr>
+              </a:solidFill>
+            </a:endParaRPr>
+          </a:p>
+        </p:txBody>
+      </p:sp>
+    </p:spTree>
+    <p:extLst>
+      <p:ext uri="{BB962C8B-B14F-4D97-AF65-F5344CB8AC3E}">
+        <p14:creationId xmlns:p14="http://schemas.microsoft.com/office/powerpoint/2010/main" val="1315747692"/>
+      </p:ext>
+    </p:extLst>
+  </p:cSld>
+  <p:clrMapOvr>
+    <a:masterClrMapping/>
+  </p:clrMapOvr>
+</p:sld>
+</file>
+
+<file path=ppt/slides/slide14.xml><?xml version="1.0" encoding="utf-8"?>
+<p:sld xmlns:a="http://schemas.openxmlformats.org/drawingml/2006/main" xmlns:r="http://schemas.openxmlformats.org/officeDocument/2006/relationships" xmlns:p="http://schemas.openxmlformats.org/presentationml/2006/main">
+  <p:cSld>
+    <p:spTree>
+      <p:nvGrpSpPr>
+        <p:cNvPr id="1" name=""/>
+        <p:cNvGrpSpPr/>
+        <p:nvPr/>
+      </p:nvGrpSpPr>
+      <p:grpSpPr>
+        <a:xfrm>
+          <a:off x="0" y="0"/>
+          <a:ext cx="0" cy="0"/>
+          <a:chOff x="0" y="0"/>
+          <a:chExt cx="0" cy="0"/>
+        </a:xfrm>
+      </p:grpSpPr>
+      <p:sp>
+        <p:nvSpPr>
+          <p:cNvPr id="2" name="Title 1">
+            <a:extLst>
+              <a:ext uri="{FF2B5EF4-FFF2-40B4-BE49-F238E27FC236}">
+                <a16:creationId xmlns:a16="http://schemas.microsoft.com/office/drawing/2014/main" id="{DE3CDF8B-9B55-4731-A3D9-E0EE17213FF4}"/>
+              </a:ext>
+            </a:extLst>
+          </p:cNvPr>
+          <p:cNvSpPr>
+            <a:spLocks noGrp="1"/>
+          </p:cNvSpPr>
+          <p:nvPr>
+            <p:ph type="title"/>
+          </p:nvPr>
+        </p:nvSpPr>
+        <p:spPr/>
+        <p:txBody>
+          <a:bodyPr/>
+          <a:lstStyle/>
+          <a:p>
+            <a:r>
+              <a:rPr lang="en-US" dirty="0">
+                <a:solidFill>
+                  <a:schemeClr val="accent5">
+                    <a:lumMod val="50000"/>
+                  </a:schemeClr>
+                </a:solidFill>
+              </a:rPr>
+              <a:t>AzureML: Create A Compute Resource</a:t>
+            </a:r>
+          </a:p>
+        </p:txBody>
+      </p:sp>
+      <p:sp>
+        <p:nvSpPr>
+          <p:cNvPr id="3" name="Content Placeholder 2">
+            <a:extLst>
+              <a:ext uri="{FF2B5EF4-FFF2-40B4-BE49-F238E27FC236}">
+                <a16:creationId xmlns:a16="http://schemas.microsoft.com/office/drawing/2014/main" id="{9B6FFEAB-96DA-4594-8268-CFF457266D8E}"/>
+              </a:ext>
+            </a:extLst>
+          </p:cNvPr>
+          <p:cNvSpPr>
+            <a:spLocks noGrp="1"/>
+          </p:cNvSpPr>
+          <p:nvPr>
+            <p:ph idx="1"/>
+          </p:nvPr>
+        </p:nvSpPr>
+        <p:spPr/>
+        <p:txBody>
+          <a:bodyPr>
+            <a:normAutofit/>
+          </a:bodyPr>
+          <a:lstStyle/>
+          <a:p>
+            <a:r>
+              <a:rPr lang="en-US" dirty="0">
+                <a:solidFill>
+                  <a:schemeClr val="accent5">
+                    <a:lumMod val="50000"/>
+                  </a:schemeClr>
+                </a:solidFill>
+              </a:rPr>
+              <a:t>Create a compute instance</a:t>
+            </a:r>
+          </a:p>
+          <a:p>
+            <a:pPr lvl="1"/>
+            <a:r>
+              <a:rPr lang="en-US" dirty="0">
+                <a:solidFill>
+                  <a:schemeClr val="accent5">
+                    <a:lumMod val="50000"/>
+                  </a:schemeClr>
+                </a:solidFill>
+              </a:rPr>
+              <a:t>Standard GPUs are getting removed 7/31/2023 (this was a nightmare)</a:t>
+            </a:r>
+          </a:p>
+          <a:p>
+            <a:r>
+              <a:rPr lang="en-US" dirty="0">
+                <a:solidFill>
+                  <a:schemeClr val="accent5">
+                    <a:lumMod val="50000"/>
+                  </a:schemeClr>
+                </a:solidFill>
+              </a:rPr>
+              <a:t>Using “Standard_DS3” CPU</a:t>
+            </a:r>
+          </a:p>
+          <a:p>
+            <a:pPr lvl="1"/>
+            <a:r>
+              <a:rPr lang="en-US" dirty="0">
+                <a:solidFill>
+                  <a:schemeClr val="accent5">
+                    <a:lumMod val="50000"/>
+                  </a:schemeClr>
+                </a:solidFill>
+              </a:rPr>
+              <a:t>I am cheap</a:t>
+            </a:r>
+          </a:p>
+          <a:p>
+            <a:endParaRPr lang="en-US" dirty="0">
+              <a:solidFill>
+                <a:schemeClr val="accent5">
+                  <a:lumMod val="50000"/>
+                </a:schemeClr>
+              </a:solidFill>
+            </a:endParaRPr>
+          </a:p>
+        </p:txBody>
+      </p:sp>
+      <p:pic>
+        <p:nvPicPr>
+          <p:cNvPr id="5" name="Picture 4">
+            <a:extLst>
+              <a:ext uri="{FF2B5EF4-FFF2-40B4-BE49-F238E27FC236}">
+                <a16:creationId xmlns:a16="http://schemas.microsoft.com/office/drawing/2014/main" id="{180E34D6-FD09-0209-F7B4-6930730985BA}"/>
+              </a:ext>
+            </a:extLst>
+          </p:cNvPr>
+          <p:cNvPicPr>
+            <a:picLocks noChangeAspect="1"/>
+          </p:cNvPicPr>
+          <p:nvPr/>
+        </p:nvPicPr>
+        <p:blipFill>
+          <a:blip r:embed="rId3"/>
+          <a:stretch>
+            <a:fillRect/>
+          </a:stretch>
+        </p:blipFill>
+        <p:spPr>
+          <a:xfrm>
+            <a:off x="6096000" y="2768600"/>
+            <a:ext cx="5391150" cy="3543300"/>
+          </a:xfrm>
+          <a:prstGeom prst="rect">
+            <a:avLst/>
+          </a:prstGeom>
+        </p:spPr>
+      </p:pic>
+    </p:spTree>
+    <p:extLst>
+      <p:ext uri="{BB962C8B-B14F-4D97-AF65-F5344CB8AC3E}">
+        <p14:creationId xmlns:p14="http://schemas.microsoft.com/office/powerpoint/2010/main" val="2754437247"/>
+      </p:ext>
+    </p:extLst>
+  </p:cSld>
+  <p:clrMapOvr>
+    <a:masterClrMapping/>
+  </p:clrMapOvr>
+</p:sld>
+</file>
+
+<file path=ppt/slides/slide15.xml><?xml version="1.0" encoding="utf-8"?>
+<p:sld xmlns:a="http://schemas.openxmlformats.org/drawingml/2006/main" xmlns:r="http://schemas.openxmlformats.org/officeDocument/2006/relationships" xmlns:p="http://schemas.openxmlformats.org/presentationml/2006/main">
+  <p:cSld>
+    <p:spTree>
+      <p:nvGrpSpPr>
+        <p:cNvPr id="1" name=""/>
+        <p:cNvGrpSpPr/>
+        <p:nvPr/>
+      </p:nvGrpSpPr>
+      <p:grpSpPr>
+        <a:xfrm>
+          <a:off x="0" y="0"/>
+          <a:ext cx="0" cy="0"/>
+          <a:chOff x="0" y="0"/>
+          <a:chExt cx="0" cy="0"/>
+        </a:xfrm>
+      </p:grpSpPr>
+      <p:sp>
+        <p:nvSpPr>
+          <p:cNvPr id="2" name="Title 1">
+            <a:extLst>
+              <a:ext uri="{FF2B5EF4-FFF2-40B4-BE49-F238E27FC236}">
+                <a16:creationId xmlns:a16="http://schemas.microsoft.com/office/drawing/2014/main" id="{DE3CDF8B-9B55-4731-A3D9-E0EE17213FF4}"/>
+              </a:ext>
+            </a:extLst>
+          </p:cNvPr>
+          <p:cNvSpPr>
+            <a:spLocks noGrp="1"/>
+          </p:cNvSpPr>
+          <p:nvPr>
+            <p:ph type="title"/>
+          </p:nvPr>
+        </p:nvSpPr>
+        <p:spPr/>
+        <p:txBody>
+          <a:bodyPr/>
+          <a:lstStyle/>
+          <a:p>
+            <a:r>
+              <a:rPr lang="en-US" dirty="0">
+                <a:solidFill>
+                  <a:schemeClr val="accent5">
+                    <a:lumMod val="50000"/>
+                  </a:schemeClr>
+                </a:solidFill>
+              </a:rPr>
+              <a:t>AzureML: Create An Environment</a:t>
+            </a:r>
+          </a:p>
+        </p:txBody>
+      </p:sp>
+      <p:sp>
+        <p:nvSpPr>
+          <p:cNvPr id="3" name="Content Placeholder 2">
+            <a:extLst>
+              <a:ext uri="{FF2B5EF4-FFF2-40B4-BE49-F238E27FC236}">
+                <a16:creationId xmlns:a16="http://schemas.microsoft.com/office/drawing/2014/main" id="{9B6FFEAB-96DA-4594-8268-CFF457266D8E}"/>
+              </a:ext>
+            </a:extLst>
+          </p:cNvPr>
+          <p:cNvSpPr>
+            <a:spLocks noGrp="1"/>
+          </p:cNvSpPr>
+          <p:nvPr>
+            <p:ph idx="1"/>
+          </p:nvPr>
+        </p:nvSpPr>
+        <p:spPr/>
+        <p:txBody>
+          <a:bodyPr>
+            <a:normAutofit/>
+          </a:bodyPr>
+          <a:lstStyle/>
+          <a:p>
+            <a:r>
+              <a:rPr lang="en-US" dirty="0">
+                <a:solidFill>
+                  <a:schemeClr val="accent5">
+                    <a:lumMod val="50000"/>
+                  </a:schemeClr>
+                </a:solidFill>
+              </a:rPr>
+              <a:t>Existing environment or custom environment using Docker or </a:t>
+            </a:r>
+            <a:r>
+              <a:rPr lang="en-US" dirty="0" err="1">
+                <a:solidFill>
+                  <a:schemeClr val="accent5">
+                    <a:lumMod val="50000"/>
+                  </a:schemeClr>
+                </a:solidFill>
+              </a:rPr>
+              <a:t>Conda</a:t>
+            </a:r>
+            <a:endParaRPr lang="en-US" dirty="0">
+              <a:solidFill>
+                <a:schemeClr val="accent5">
+                  <a:lumMod val="50000"/>
+                </a:schemeClr>
+              </a:solidFill>
+            </a:endParaRPr>
+          </a:p>
+          <a:p>
+            <a:endParaRPr lang="en-US" dirty="0">
+              <a:solidFill>
+                <a:schemeClr val="accent5">
+                  <a:lumMod val="50000"/>
+                </a:schemeClr>
+              </a:solidFill>
+            </a:endParaRPr>
+          </a:p>
+          <a:p>
+            <a:r>
+              <a:rPr lang="en-US" dirty="0" err="1">
+                <a:solidFill>
+                  <a:schemeClr val="accent5">
+                    <a:lumMod val="50000"/>
+                  </a:schemeClr>
+                </a:solidFill>
+              </a:rPr>
+              <a:t>Keras</a:t>
+            </a:r>
+            <a:r>
+              <a:rPr lang="en-US" dirty="0">
+                <a:solidFill>
+                  <a:schemeClr val="accent5">
+                    <a:lumMod val="50000"/>
+                  </a:schemeClr>
+                </a:solidFill>
+              </a:rPr>
+              <a:t> Example:</a:t>
+            </a:r>
+          </a:p>
+          <a:p>
+            <a:endParaRPr lang="en-US" dirty="0">
+              <a:solidFill>
+                <a:schemeClr val="accent5">
+                  <a:lumMod val="50000"/>
+                </a:schemeClr>
+              </a:solidFill>
+            </a:endParaRPr>
+          </a:p>
+        </p:txBody>
+      </p:sp>
+      <p:pic>
+        <p:nvPicPr>
+          <p:cNvPr id="6" name="Picture 5">
+            <a:extLst>
+              <a:ext uri="{FF2B5EF4-FFF2-40B4-BE49-F238E27FC236}">
+                <a16:creationId xmlns:a16="http://schemas.microsoft.com/office/drawing/2014/main" id="{CD25D677-2E2D-5231-6989-097AE7D551AE}"/>
+              </a:ext>
+            </a:extLst>
+          </p:cNvPr>
+          <p:cNvPicPr>
+            <a:picLocks noChangeAspect="1"/>
+          </p:cNvPicPr>
+          <p:nvPr/>
+        </p:nvPicPr>
+        <p:blipFill>
+          <a:blip r:embed="rId3"/>
+          <a:stretch>
+            <a:fillRect/>
+          </a:stretch>
+        </p:blipFill>
+        <p:spPr>
+          <a:xfrm>
+            <a:off x="3897913" y="2394379"/>
+            <a:ext cx="5953125" cy="438150"/>
+          </a:xfrm>
+          <a:prstGeom prst="rect">
+            <a:avLst/>
+          </a:prstGeom>
+        </p:spPr>
+      </p:pic>
+      <p:pic>
+        <p:nvPicPr>
+          <p:cNvPr id="8" name="Picture 7">
+            <a:extLst>
+              <a:ext uri="{FF2B5EF4-FFF2-40B4-BE49-F238E27FC236}">
+                <a16:creationId xmlns:a16="http://schemas.microsoft.com/office/drawing/2014/main" id="{DD340AC7-CAB0-0225-53B5-4205BEB348C9}"/>
+              </a:ext>
+            </a:extLst>
+          </p:cNvPr>
+          <p:cNvPicPr>
+            <a:picLocks noChangeAspect="1"/>
+          </p:cNvPicPr>
+          <p:nvPr/>
+        </p:nvPicPr>
+        <p:blipFill>
+          <a:blip r:embed="rId4"/>
+          <a:stretch>
+            <a:fillRect/>
+          </a:stretch>
+        </p:blipFill>
+        <p:spPr>
+          <a:xfrm>
+            <a:off x="1275063" y="3358034"/>
+            <a:ext cx="3562350" cy="2733675"/>
+          </a:xfrm>
+          <a:prstGeom prst="rect">
+            <a:avLst/>
+          </a:prstGeom>
+        </p:spPr>
+      </p:pic>
+      <p:pic>
+        <p:nvPicPr>
+          <p:cNvPr id="10" name="Picture 9">
+            <a:extLst>
+              <a:ext uri="{FF2B5EF4-FFF2-40B4-BE49-F238E27FC236}">
+                <a16:creationId xmlns:a16="http://schemas.microsoft.com/office/drawing/2014/main" id="{7B136F85-37A0-1816-F604-AC91A44AC6A6}"/>
+              </a:ext>
+            </a:extLst>
+          </p:cNvPr>
+          <p:cNvPicPr>
+            <a:picLocks noChangeAspect="1"/>
+          </p:cNvPicPr>
+          <p:nvPr/>
+        </p:nvPicPr>
+        <p:blipFill>
+          <a:blip r:embed="rId5"/>
+          <a:stretch>
+            <a:fillRect/>
+          </a:stretch>
+        </p:blipFill>
+        <p:spPr>
+          <a:xfrm>
+            <a:off x="5410457" y="3358034"/>
+            <a:ext cx="5972175" cy="2162175"/>
+          </a:xfrm>
+          <a:prstGeom prst="rect">
+            <a:avLst/>
+          </a:prstGeom>
+        </p:spPr>
+      </p:pic>
+    </p:spTree>
+    <p:extLst>
+      <p:ext uri="{BB962C8B-B14F-4D97-AF65-F5344CB8AC3E}">
+        <p14:creationId xmlns:p14="http://schemas.microsoft.com/office/powerpoint/2010/main" val="777669889"/>
+      </p:ext>
+    </p:extLst>
+  </p:cSld>
+  <p:clrMapOvr>
+    <a:masterClrMapping/>
+  </p:clrMapOvr>
+</p:sld>
+</file>
+
+<file path=ppt/slides/slide16.xml><?xml version="1.0" encoding="utf-8"?>
+<p:sld xmlns:a="http://schemas.openxmlformats.org/drawingml/2006/main" xmlns:r="http://schemas.openxmlformats.org/officeDocument/2006/relationships" xmlns:p="http://schemas.openxmlformats.org/presentationml/2006/main">
+  <p:cSld>
+    <p:spTree>
+      <p:nvGrpSpPr>
+        <p:cNvPr id="1" name=""/>
+        <p:cNvGrpSpPr/>
+        <p:nvPr/>
+      </p:nvGrpSpPr>
+      <p:grpSpPr>
+        <a:xfrm>
+          <a:off x="0" y="0"/>
+          <a:ext cx="0" cy="0"/>
+          <a:chOff x="0" y="0"/>
+          <a:chExt cx="0" cy="0"/>
+        </a:xfrm>
+      </p:grpSpPr>
+      <p:sp>
+        <p:nvSpPr>
+          <p:cNvPr id="2" name="Title 1">
+            <a:extLst>
+              <a:ext uri="{FF2B5EF4-FFF2-40B4-BE49-F238E27FC236}">
+                <a16:creationId xmlns:a16="http://schemas.microsoft.com/office/drawing/2014/main" id="{DE3CDF8B-9B55-4731-A3D9-E0EE17213FF4}"/>
+              </a:ext>
+            </a:extLst>
+          </p:cNvPr>
+          <p:cNvSpPr>
+            <a:spLocks noGrp="1"/>
+          </p:cNvSpPr>
+          <p:nvPr>
+            <p:ph type="title"/>
+          </p:nvPr>
+        </p:nvSpPr>
+        <p:spPr/>
+        <p:txBody>
+          <a:bodyPr/>
+          <a:lstStyle/>
+          <a:p>
+            <a:r>
+              <a:rPr lang="en-US" dirty="0">
+                <a:solidFill>
+                  <a:schemeClr val="accent5">
+                    <a:lumMod val="50000"/>
+                  </a:schemeClr>
+                </a:solidFill>
+              </a:rPr>
+              <a:t>AzureML: Build A Job</a:t>
+            </a:r>
+          </a:p>
+        </p:txBody>
+      </p:sp>
+      <p:sp>
+        <p:nvSpPr>
+          <p:cNvPr id="3" name="Content Placeholder 2">
+            <a:extLst>
+              <a:ext uri="{FF2B5EF4-FFF2-40B4-BE49-F238E27FC236}">
+                <a16:creationId xmlns:a16="http://schemas.microsoft.com/office/drawing/2014/main" id="{9B6FFEAB-96DA-4594-8268-CFF457266D8E}"/>
+              </a:ext>
+            </a:extLst>
+          </p:cNvPr>
+          <p:cNvSpPr>
+            <a:spLocks noGrp="1"/>
+          </p:cNvSpPr>
+          <p:nvPr>
+            <p:ph idx="1"/>
+          </p:nvPr>
+        </p:nvSpPr>
+        <p:spPr/>
+        <p:txBody>
+          <a:bodyPr>
+            <a:normAutofit/>
+          </a:bodyPr>
+          <a:lstStyle/>
+          <a:p>
+            <a:r>
+              <a:rPr lang="en-US" dirty="0">
+                <a:solidFill>
+                  <a:schemeClr val="accent5">
+                    <a:lumMod val="50000"/>
+                  </a:schemeClr>
+                </a:solidFill>
+              </a:rPr>
+              <a:t>Command Job with all the details needed</a:t>
+            </a:r>
+          </a:p>
+          <a:p>
+            <a:r>
+              <a:rPr lang="en-US" dirty="0">
+                <a:solidFill>
+                  <a:schemeClr val="accent5">
+                    <a:lumMod val="50000"/>
+                  </a:schemeClr>
+                </a:solidFill>
+              </a:rPr>
+              <a:t>Using provided training script (tf_mnist.py)</a:t>
+            </a:r>
+          </a:p>
+          <a:p>
+            <a:endParaRPr lang="en-US" dirty="0">
+              <a:solidFill>
+                <a:schemeClr val="accent5">
+                  <a:lumMod val="50000"/>
+                </a:schemeClr>
+              </a:solidFill>
+            </a:endParaRPr>
+          </a:p>
+        </p:txBody>
+      </p:sp>
+      <p:pic>
+        <p:nvPicPr>
+          <p:cNvPr id="9" name="Picture 8">
+            <a:extLst>
+              <a:ext uri="{FF2B5EF4-FFF2-40B4-BE49-F238E27FC236}">
+                <a16:creationId xmlns:a16="http://schemas.microsoft.com/office/drawing/2014/main" id="{2969DF92-634D-1AD4-0B34-B045F780DDD2}"/>
+              </a:ext>
+            </a:extLst>
+          </p:cNvPr>
+          <p:cNvPicPr>
+            <a:picLocks noChangeAspect="1"/>
+          </p:cNvPicPr>
+          <p:nvPr/>
+        </p:nvPicPr>
+        <p:blipFill>
+          <a:blip r:embed="rId3"/>
+          <a:stretch>
+            <a:fillRect/>
+          </a:stretch>
+        </p:blipFill>
+        <p:spPr>
+          <a:xfrm>
+            <a:off x="3311376" y="2977978"/>
+            <a:ext cx="8197399" cy="3198985"/>
+          </a:xfrm>
+          <a:prstGeom prst="rect">
+            <a:avLst/>
+          </a:prstGeom>
+        </p:spPr>
+      </p:pic>
+    </p:spTree>
+    <p:extLst>
+      <p:ext uri="{BB962C8B-B14F-4D97-AF65-F5344CB8AC3E}">
+        <p14:creationId xmlns:p14="http://schemas.microsoft.com/office/powerpoint/2010/main" val="2772016874"/>
+      </p:ext>
+    </p:extLst>
+  </p:cSld>
+  <p:clrMapOvr>
+    <a:masterClrMapping/>
+  </p:clrMapOvr>
+</p:sld>
+</file>
+
+<file path=ppt/slides/slide17.xml><?xml version="1.0" encoding="utf-8"?>
+<p:sld xmlns:a="http://schemas.openxmlformats.org/drawingml/2006/main" xmlns:r="http://schemas.openxmlformats.org/officeDocument/2006/relationships" xmlns:p="http://schemas.openxmlformats.org/presentationml/2006/main">
+  <p:cSld>
+    <p:spTree>
+      <p:nvGrpSpPr>
+        <p:cNvPr id="1" name=""/>
+        <p:cNvGrpSpPr/>
+        <p:nvPr/>
+      </p:nvGrpSpPr>
+      <p:grpSpPr>
+        <a:xfrm>
+          <a:off x="0" y="0"/>
+          <a:ext cx="0" cy="0"/>
+          <a:chOff x="0" y="0"/>
+          <a:chExt cx="0" cy="0"/>
+        </a:xfrm>
+      </p:grpSpPr>
+      <p:sp>
+        <p:nvSpPr>
+          <p:cNvPr id="2" name="Title 1">
+            <a:extLst>
+              <a:ext uri="{FF2B5EF4-FFF2-40B4-BE49-F238E27FC236}">
+                <a16:creationId xmlns:a16="http://schemas.microsoft.com/office/drawing/2014/main" id="{DE3CDF8B-9B55-4731-A3D9-E0EE17213FF4}"/>
+              </a:ext>
+            </a:extLst>
+          </p:cNvPr>
+          <p:cNvSpPr>
+            <a:spLocks noGrp="1"/>
+          </p:cNvSpPr>
+          <p:nvPr>
+            <p:ph type="title"/>
+          </p:nvPr>
+        </p:nvSpPr>
+        <p:spPr/>
+        <p:txBody>
+          <a:bodyPr/>
+          <a:lstStyle/>
+          <a:p>
+            <a:r>
+              <a:rPr lang="en-US" dirty="0">
+                <a:solidFill>
+                  <a:schemeClr val="accent5">
+                    <a:lumMod val="50000"/>
+                  </a:schemeClr>
+                </a:solidFill>
+              </a:rPr>
+              <a:t>AzureML: Run A Job</a:t>
+            </a:r>
+          </a:p>
+        </p:txBody>
+      </p:sp>
+      <p:sp>
+        <p:nvSpPr>
+          <p:cNvPr id="3" name="Content Placeholder 2">
+            <a:extLst>
+              <a:ext uri="{FF2B5EF4-FFF2-40B4-BE49-F238E27FC236}">
+                <a16:creationId xmlns:a16="http://schemas.microsoft.com/office/drawing/2014/main" id="{9B6FFEAB-96DA-4594-8268-CFF457266D8E}"/>
+              </a:ext>
+            </a:extLst>
+          </p:cNvPr>
+          <p:cNvSpPr>
+            <a:spLocks noGrp="1"/>
+          </p:cNvSpPr>
+          <p:nvPr>
+            <p:ph idx="1"/>
+          </p:nvPr>
+        </p:nvSpPr>
+        <p:spPr/>
+        <p:txBody>
+          <a:bodyPr>
+            <a:normAutofit/>
+          </a:bodyPr>
+          <a:lstStyle/>
+          <a:p>
+            <a:r>
+              <a:rPr lang="en-US" dirty="0">
+                <a:solidFill>
+                  <a:schemeClr val="accent5">
+                    <a:lumMod val="50000"/>
+                  </a:schemeClr>
+                </a:solidFill>
+              </a:rPr>
+              <a:t>Submit Job</a:t>
+            </a:r>
+          </a:p>
+          <a:p>
+            <a:pPr lvl="1"/>
+            <a:r>
+              <a:rPr lang="en-US" dirty="0">
+                <a:solidFill>
+                  <a:schemeClr val="accent5">
+                    <a:lumMod val="50000"/>
+                  </a:schemeClr>
+                </a:solidFill>
+              </a:rPr>
+              <a:t>Registers the job</a:t>
+            </a:r>
+          </a:p>
+          <a:p>
+            <a:r>
+              <a:rPr lang="en-US" dirty="0">
+                <a:solidFill>
+                  <a:schemeClr val="accent5">
+                    <a:lumMod val="50000"/>
+                  </a:schemeClr>
+                </a:solidFill>
+              </a:rPr>
+              <a:t>Job:</a:t>
+            </a:r>
+          </a:p>
+          <a:p>
+            <a:pPr lvl="1"/>
+            <a:r>
+              <a:rPr lang="en-US" dirty="0">
+                <a:solidFill>
+                  <a:schemeClr val="accent5">
+                    <a:lumMod val="50000"/>
+                  </a:schemeClr>
+                </a:solidFill>
+              </a:rPr>
+              <a:t>Preparing: Docker image created and uploaded to the workspace</a:t>
+            </a:r>
+          </a:p>
+          <a:p>
+            <a:pPr lvl="1"/>
+            <a:r>
+              <a:rPr lang="en-US" dirty="0">
+                <a:solidFill>
+                  <a:schemeClr val="accent5">
+                    <a:lumMod val="50000"/>
+                  </a:schemeClr>
+                </a:solidFill>
+              </a:rPr>
+              <a:t>Scaling: The cluster attempts to scale up if it requires more nodes</a:t>
+            </a:r>
+          </a:p>
+          <a:p>
+            <a:pPr lvl="1"/>
+            <a:r>
+              <a:rPr lang="en-US" dirty="0">
+                <a:solidFill>
+                  <a:schemeClr val="accent5">
+                    <a:lumMod val="50000"/>
+                  </a:schemeClr>
+                </a:solidFill>
+              </a:rPr>
+              <a:t>Running: All the scripts in ‘</a:t>
+            </a:r>
+            <a:r>
+              <a:rPr lang="en-US" dirty="0" err="1">
+                <a:solidFill>
+                  <a:schemeClr val="accent5">
+                    <a:lumMod val="50000"/>
+                  </a:schemeClr>
+                </a:solidFill>
+              </a:rPr>
+              <a:t>src</a:t>
+            </a:r>
+            <a:r>
+              <a:rPr lang="en-US" dirty="0">
+                <a:solidFill>
+                  <a:schemeClr val="accent5">
+                    <a:lumMod val="50000"/>
+                  </a:schemeClr>
+                </a:solidFill>
+              </a:rPr>
+              <a:t>’ are uploaded and run</a:t>
+            </a:r>
+          </a:p>
+          <a:p>
+            <a:endParaRPr lang="en-US" dirty="0">
+              <a:solidFill>
+                <a:schemeClr val="accent5">
+                  <a:lumMod val="50000"/>
+                </a:schemeClr>
+              </a:solidFill>
+            </a:endParaRPr>
+          </a:p>
+        </p:txBody>
+      </p:sp>
+      <p:pic>
+        <p:nvPicPr>
+          <p:cNvPr id="5" name="Picture 4">
+            <a:extLst>
+              <a:ext uri="{FF2B5EF4-FFF2-40B4-BE49-F238E27FC236}">
+                <a16:creationId xmlns:a16="http://schemas.microsoft.com/office/drawing/2014/main" id="{D5DA82B8-7C94-B989-4EFC-0CDCDC550BD3}"/>
+              </a:ext>
+            </a:extLst>
+          </p:cNvPr>
+          <p:cNvPicPr>
+            <a:picLocks noChangeAspect="1"/>
+          </p:cNvPicPr>
+          <p:nvPr/>
+        </p:nvPicPr>
+        <p:blipFill>
+          <a:blip r:embed="rId3"/>
+          <a:stretch>
+            <a:fillRect/>
+          </a:stretch>
+        </p:blipFill>
+        <p:spPr>
+          <a:xfrm>
+            <a:off x="3654639" y="1944602"/>
+            <a:ext cx="4553857" cy="440252"/>
+          </a:xfrm>
+          <a:prstGeom prst="rect">
+            <a:avLst/>
+          </a:prstGeom>
+        </p:spPr>
+      </p:pic>
+    </p:spTree>
+    <p:extLst>
+      <p:ext uri="{BB962C8B-B14F-4D97-AF65-F5344CB8AC3E}">
+        <p14:creationId xmlns:p14="http://schemas.microsoft.com/office/powerpoint/2010/main" val="3255915884"/>
+      </p:ext>
+    </p:extLst>
+  </p:cSld>
+  <p:clrMapOvr>
+    <a:masterClrMapping/>
+  </p:clrMapOvr>
+</p:sld>
+</file>
+
+<file path=ppt/slides/slide18.xml><?xml version="1.0" encoding="utf-8"?>
+<p:sld xmlns:a="http://schemas.openxmlformats.org/drawingml/2006/main" xmlns:r="http://schemas.openxmlformats.org/officeDocument/2006/relationships" xmlns:p="http://schemas.openxmlformats.org/presentationml/2006/main">
+  <p:cSld>
+    <p:spTree>
+      <p:nvGrpSpPr>
+        <p:cNvPr id="1" name=""/>
+        <p:cNvGrpSpPr/>
+        <p:nvPr/>
+      </p:nvGrpSpPr>
+      <p:grpSpPr>
+        <a:xfrm>
+          <a:off x="0" y="0"/>
+          <a:ext cx="0" cy="0"/>
+          <a:chOff x="0" y="0"/>
+          <a:chExt cx="0" cy="0"/>
+        </a:xfrm>
+      </p:grpSpPr>
+      <p:sp>
+        <p:nvSpPr>
+          <p:cNvPr id="2" name="Title 1">
+            <a:extLst>
+              <a:ext uri="{FF2B5EF4-FFF2-40B4-BE49-F238E27FC236}">
+                <a16:creationId xmlns:a16="http://schemas.microsoft.com/office/drawing/2014/main" id="{DE3CDF8B-9B55-4731-A3D9-E0EE17213FF4}"/>
+              </a:ext>
+            </a:extLst>
+          </p:cNvPr>
+          <p:cNvSpPr>
+            <a:spLocks noGrp="1"/>
+          </p:cNvSpPr>
+          <p:nvPr>
+            <p:ph type="title"/>
+          </p:nvPr>
+        </p:nvSpPr>
+        <p:spPr/>
+        <p:txBody>
+          <a:bodyPr/>
+          <a:lstStyle/>
+          <a:p>
+            <a:r>
+              <a:rPr lang="en-US" dirty="0">
+                <a:solidFill>
+                  <a:schemeClr val="accent5">
+                    <a:lumMod val="50000"/>
+                  </a:schemeClr>
+                </a:solidFill>
+              </a:rPr>
+              <a:t>AzureML: Deploy The Model</a:t>
+            </a:r>
+          </a:p>
+        </p:txBody>
+      </p:sp>
+      <p:sp>
+        <p:nvSpPr>
+          <p:cNvPr id="3" name="Content Placeholder 2">
+            <a:extLst>
+              <a:ext uri="{FF2B5EF4-FFF2-40B4-BE49-F238E27FC236}">
+                <a16:creationId xmlns:a16="http://schemas.microsoft.com/office/drawing/2014/main" id="{9B6FFEAB-96DA-4594-8268-CFF457266D8E}"/>
+              </a:ext>
+            </a:extLst>
+          </p:cNvPr>
+          <p:cNvSpPr>
+            <a:spLocks noGrp="1"/>
+          </p:cNvSpPr>
+          <p:nvPr>
+            <p:ph idx="1"/>
+          </p:nvPr>
+        </p:nvSpPr>
+        <p:spPr/>
+        <p:txBody>
+          <a:bodyPr>
+            <a:normAutofit/>
+          </a:bodyPr>
+          <a:lstStyle/>
+          <a:p>
+            <a:r>
+              <a:rPr lang="en-US" dirty="0">
+                <a:solidFill>
+                  <a:schemeClr val="accent5">
+                    <a:lumMod val="50000"/>
+                  </a:schemeClr>
+                </a:solidFill>
+              </a:rPr>
+              <a:t>Create the model</a:t>
+            </a:r>
+          </a:p>
+          <a:p>
+            <a:endParaRPr lang="en-US" dirty="0">
+              <a:solidFill>
+                <a:schemeClr val="accent5">
+                  <a:lumMod val="50000"/>
+                </a:schemeClr>
+              </a:solidFill>
+            </a:endParaRPr>
+          </a:p>
+          <a:p>
+            <a:endParaRPr lang="en-US" dirty="0">
+              <a:solidFill>
+                <a:schemeClr val="accent5">
+                  <a:lumMod val="50000"/>
+                </a:schemeClr>
+              </a:solidFill>
+            </a:endParaRPr>
+          </a:p>
+          <a:p>
+            <a:endParaRPr lang="en-US" dirty="0">
+              <a:solidFill>
+                <a:schemeClr val="accent5">
+                  <a:lumMod val="50000"/>
+                </a:schemeClr>
+              </a:solidFill>
+            </a:endParaRPr>
+          </a:p>
+          <a:p>
+            <a:r>
+              <a:rPr lang="en-US" dirty="0">
+                <a:solidFill>
+                  <a:schemeClr val="accent5">
+                    <a:lumMod val="50000"/>
+                  </a:schemeClr>
+                </a:solidFill>
+              </a:rPr>
+              <a:t>Register the model</a:t>
+            </a:r>
+          </a:p>
+          <a:p>
+            <a:endParaRPr lang="en-US" dirty="0">
+              <a:solidFill>
+                <a:schemeClr val="accent5">
+                  <a:lumMod val="50000"/>
+                </a:schemeClr>
+              </a:solidFill>
+            </a:endParaRPr>
+          </a:p>
+          <a:p>
+            <a:r>
+              <a:rPr lang="en-US" dirty="0">
+                <a:solidFill>
+                  <a:schemeClr val="accent5">
+                    <a:lumMod val="50000"/>
+                  </a:schemeClr>
+                </a:solidFill>
+              </a:rPr>
+              <a:t>Deploy the model</a:t>
+            </a:r>
+          </a:p>
+        </p:txBody>
+      </p:sp>
+      <p:pic>
+        <p:nvPicPr>
+          <p:cNvPr id="6" name="Picture 5">
+            <a:extLst>
+              <a:ext uri="{FF2B5EF4-FFF2-40B4-BE49-F238E27FC236}">
+                <a16:creationId xmlns:a16="http://schemas.microsoft.com/office/drawing/2014/main" id="{A4EAF968-4833-4474-DB41-05F1EC6E5275}"/>
+              </a:ext>
+            </a:extLst>
+          </p:cNvPr>
+          <p:cNvPicPr>
+            <a:picLocks noChangeAspect="1"/>
+          </p:cNvPicPr>
+          <p:nvPr/>
+        </p:nvPicPr>
+        <p:blipFill>
+          <a:blip r:embed="rId3"/>
+          <a:stretch>
+            <a:fillRect/>
+          </a:stretch>
+        </p:blipFill>
+        <p:spPr>
+          <a:xfrm>
+            <a:off x="4717320" y="1825625"/>
+            <a:ext cx="5895975" cy="1885950"/>
+          </a:xfrm>
+          <a:prstGeom prst="rect">
+            <a:avLst/>
+          </a:prstGeom>
+        </p:spPr>
+      </p:pic>
+      <p:pic>
+        <p:nvPicPr>
+          <p:cNvPr id="8" name="Picture 7">
+            <a:extLst>
+              <a:ext uri="{FF2B5EF4-FFF2-40B4-BE49-F238E27FC236}">
+                <a16:creationId xmlns:a16="http://schemas.microsoft.com/office/drawing/2014/main" id="{2BB9C95E-B703-9D02-6D1C-E8D43BBDF1D8}"/>
+              </a:ext>
+            </a:extLst>
+          </p:cNvPr>
+          <p:cNvPicPr>
+            <a:picLocks noChangeAspect="1"/>
+          </p:cNvPicPr>
+          <p:nvPr/>
+        </p:nvPicPr>
+        <p:blipFill>
+          <a:blip r:embed="rId4"/>
+          <a:stretch>
+            <a:fillRect/>
+          </a:stretch>
+        </p:blipFill>
+        <p:spPr>
+          <a:xfrm>
+            <a:off x="4717320" y="4001294"/>
+            <a:ext cx="5210175" cy="390525"/>
+          </a:xfrm>
+          <a:prstGeom prst="rect">
+            <a:avLst/>
+          </a:prstGeom>
+        </p:spPr>
+      </p:pic>
+      <p:pic>
+        <p:nvPicPr>
+          <p:cNvPr id="10" name="Picture 9">
+            <a:extLst>
+              <a:ext uri="{FF2B5EF4-FFF2-40B4-BE49-F238E27FC236}">
+                <a16:creationId xmlns:a16="http://schemas.microsoft.com/office/drawing/2014/main" id="{E6CC1599-F170-0AE4-B5BE-F41B7C3325AA}"/>
+              </a:ext>
+            </a:extLst>
+          </p:cNvPr>
+          <p:cNvPicPr>
+            <a:picLocks noChangeAspect="1"/>
+          </p:cNvPicPr>
+          <p:nvPr/>
+        </p:nvPicPr>
+        <p:blipFill>
+          <a:blip r:embed="rId5"/>
+          <a:stretch>
+            <a:fillRect/>
+          </a:stretch>
+        </p:blipFill>
+        <p:spPr>
+          <a:xfrm>
+            <a:off x="4717320" y="4589248"/>
+            <a:ext cx="6181725" cy="2152650"/>
+          </a:xfrm>
+          <a:prstGeom prst="rect">
+            <a:avLst/>
+          </a:prstGeom>
+        </p:spPr>
+      </p:pic>
+    </p:spTree>
+    <p:extLst>
+      <p:ext uri="{BB962C8B-B14F-4D97-AF65-F5344CB8AC3E}">
+        <p14:creationId xmlns:p14="http://schemas.microsoft.com/office/powerpoint/2010/main" val="4124707760"/>
+      </p:ext>
+    </p:extLst>
+  </p:cSld>
+  <p:clrMapOvr>
+    <a:masterClrMapping/>
+  </p:clrMapOvr>
+</p:sld>
+</file>
+
+<file path=ppt/slides/slide19.xml><?xml version="1.0" encoding="utf-8"?>
+<p:sld xmlns:a="http://schemas.openxmlformats.org/drawingml/2006/main" xmlns:r="http://schemas.openxmlformats.org/officeDocument/2006/relationships" xmlns:p="http://schemas.openxmlformats.org/presentationml/2006/main">
+  <p:cSld>
+    <p:spTree>
+      <p:nvGrpSpPr>
+        <p:cNvPr id="1" name=""/>
+        <p:cNvGrpSpPr/>
+        <p:nvPr/>
+      </p:nvGrpSpPr>
+      <p:grpSpPr>
+        <a:xfrm>
+          <a:off x="0" y="0"/>
+          <a:ext cx="0" cy="0"/>
+          <a:chOff x="0" y="0"/>
+          <a:chExt cx="0" cy="0"/>
+        </a:xfrm>
+      </p:grpSpPr>
+      <p:sp>
+        <p:nvSpPr>
+          <p:cNvPr id="2" name="Title 1">
+            <a:extLst>
+              <a:ext uri="{FF2B5EF4-FFF2-40B4-BE49-F238E27FC236}">
+                <a16:creationId xmlns:a16="http://schemas.microsoft.com/office/drawing/2014/main" id="{DE3CDF8B-9B55-4731-A3D9-E0EE17213FF4}"/>
+              </a:ext>
+            </a:extLst>
+          </p:cNvPr>
+          <p:cNvSpPr>
+            <a:spLocks noGrp="1"/>
+          </p:cNvSpPr>
+          <p:nvPr>
+            <p:ph type="title"/>
+          </p:nvPr>
+        </p:nvSpPr>
+        <p:spPr/>
+        <p:txBody>
+          <a:bodyPr/>
+          <a:lstStyle/>
+          <a:p>
+            <a:r>
+              <a:rPr lang="en-US" dirty="0">
+                <a:solidFill>
+                  <a:schemeClr val="accent5">
+                    <a:lumMod val="50000"/>
+                  </a:schemeClr>
+                </a:solidFill>
+              </a:rPr>
+              <a:t>AzureML: Create Online Endpoint</a:t>
+            </a:r>
+          </a:p>
+        </p:txBody>
+      </p:sp>
+      <p:sp>
+        <p:nvSpPr>
+          <p:cNvPr id="3" name="Content Placeholder 2">
+            <a:extLst>
+              <a:ext uri="{FF2B5EF4-FFF2-40B4-BE49-F238E27FC236}">
+                <a16:creationId xmlns:a16="http://schemas.microsoft.com/office/drawing/2014/main" id="{9B6FFEAB-96DA-4594-8268-CFF457266D8E}"/>
+              </a:ext>
+            </a:extLst>
+          </p:cNvPr>
+          <p:cNvSpPr>
+            <a:spLocks noGrp="1"/>
+          </p:cNvSpPr>
+          <p:nvPr>
+            <p:ph idx="1"/>
+          </p:nvPr>
+        </p:nvSpPr>
+        <p:spPr/>
+        <p:txBody>
+          <a:bodyPr>
+            <a:normAutofit/>
+          </a:bodyPr>
+          <a:lstStyle/>
+          <a:p>
+            <a:r>
+              <a:rPr lang="en-US" dirty="0">
+                <a:solidFill>
+                  <a:schemeClr val="accent5">
+                    <a:lumMod val="50000"/>
+                  </a:schemeClr>
+                </a:solidFill>
+              </a:rPr>
+              <a:t>Create the endpoint</a:t>
+            </a:r>
+          </a:p>
+          <a:p>
+            <a:endParaRPr lang="en-US" dirty="0">
+              <a:solidFill>
+                <a:schemeClr val="accent5">
+                  <a:lumMod val="50000"/>
+                </a:schemeClr>
+              </a:solidFill>
+            </a:endParaRPr>
+          </a:p>
+          <a:p>
+            <a:endParaRPr lang="en-US" dirty="0">
+              <a:solidFill>
+                <a:schemeClr val="accent5">
+                  <a:lumMod val="50000"/>
+                </a:schemeClr>
+              </a:solidFill>
+            </a:endParaRPr>
+          </a:p>
+          <a:p>
+            <a:endParaRPr lang="en-US" dirty="0">
+              <a:solidFill>
+                <a:schemeClr val="accent5">
+                  <a:lumMod val="50000"/>
+                </a:schemeClr>
+              </a:solidFill>
+            </a:endParaRPr>
+          </a:p>
+          <a:p>
+            <a:endParaRPr lang="en-US" dirty="0">
+              <a:solidFill>
+                <a:schemeClr val="accent5">
+                  <a:lumMod val="50000"/>
+                </a:schemeClr>
+              </a:solidFill>
+            </a:endParaRPr>
+          </a:p>
+          <a:p>
+            <a:endParaRPr lang="en-US" dirty="0">
+              <a:solidFill>
+                <a:schemeClr val="accent5">
+                  <a:lumMod val="50000"/>
+                </a:schemeClr>
+              </a:solidFill>
+            </a:endParaRPr>
+          </a:p>
+          <a:p>
+            <a:r>
+              <a:rPr lang="en-US" dirty="0">
+                <a:solidFill>
+                  <a:schemeClr val="accent5">
+                    <a:lumMod val="50000"/>
+                  </a:schemeClr>
+                </a:solidFill>
+              </a:rPr>
+              <a:t>Retrieve the endpoint</a:t>
+            </a:r>
+          </a:p>
+        </p:txBody>
+      </p:sp>
+      <p:pic>
+        <p:nvPicPr>
+          <p:cNvPr id="6" name="Picture 5">
+            <a:extLst>
+              <a:ext uri="{FF2B5EF4-FFF2-40B4-BE49-F238E27FC236}">
+                <a16:creationId xmlns:a16="http://schemas.microsoft.com/office/drawing/2014/main" id="{8633C56B-CB29-A11E-74E2-544CA7B93777}"/>
+              </a:ext>
+            </a:extLst>
+          </p:cNvPr>
+          <p:cNvPicPr>
+            <a:picLocks noChangeAspect="1"/>
+          </p:cNvPicPr>
+          <p:nvPr/>
+        </p:nvPicPr>
+        <p:blipFill>
+          <a:blip r:embed="rId3"/>
+          <a:stretch>
+            <a:fillRect/>
+          </a:stretch>
+        </p:blipFill>
+        <p:spPr>
+          <a:xfrm>
+            <a:off x="1606506" y="2477014"/>
+            <a:ext cx="9657642" cy="1903971"/>
+          </a:xfrm>
+          <a:prstGeom prst="rect">
+            <a:avLst/>
+          </a:prstGeom>
+        </p:spPr>
+      </p:pic>
+      <p:pic>
+        <p:nvPicPr>
+          <p:cNvPr id="8" name="Picture 7">
+            <a:extLst>
+              <a:ext uri="{FF2B5EF4-FFF2-40B4-BE49-F238E27FC236}">
+                <a16:creationId xmlns:a16="http://schemas.microsoft.com/office/drawing/2014/main" id="{BBACF788-C4F8-4014-E09C-BD94E9276D71}"/>
+              </a:ext>
+            </a:extLst>
+          </p:cNvPr>
+          <p:cNvPicPr>
+            <a:picLocks noChangeAspect="1"/>
+          </p:cNvPicPr>
+          <p:nvPr/>
+        </p:nvPicPr>
+        <p:blipFill>
+          <a:blip r:embed="rId4"/>
+          <a:stretch>
+            <a:fillRect/>
+          </a:stretch>
+        </p:blipFill>
+        <p:spPr>
+          <a:xfrm>
+            <a:off x="1606506" y="5513085"/>
+            <a:ext cx="8098561" cy="528167"/>
+          </a:xfrm>
+          <a:prstGeom prst="rect">
+            <a:avLst/>
+          </a:prstGeom>
+        </p:spPr>
+      </p:pic>
+    </p:spTree>
+    <p:extLst>
+      <p:ext uri="{BB962C8B-B14F-4D97-AF65-F5344CB8AC3E}">
+        <p14:creationId xmlns:p14="http://schemas.microsoft.com/office/powerpoint/2010/main" val="2004595560"/>
+      </p:ext>
+    </p:extLst>
+  </p:cSld>
+  <p:clrMapOvr>
+    <a:masterClrMapping/>
+  </p:clrMapOvr>
+</p:sld>
+</file>
+
 <file path=ppt/slides/slide2.xml><?xml version="1.0" encoding="utf-8"?>
 <p:sld xmlns:a="http://schemas.openxmlformats.org/drawingml/2006/main" xmlns:r="http://schemas.openxmlformats.org/officeDocument/2006/relationships" xmlns:p="http://schemas.openxmlformats.org/presentationml/2006/main">
   <p:cSld>
@@ -4318,6 +7559,930 @@
     <p:extLst>
       <p:ext uri="{BB962C8B-B14F-4D97-AF65-F5344CB8AC3E}">
         <p14:creationId xmlns:p14="http://schemas.microsoft.com/office/powerpoint/2010/main" val="1739772145"/>
+      </p:ext>
+    </p:extLst>
+  </p:cSld>
+  <p:clrMapOvr>
+    <a:masterClrMapping/>
+  </p:clrMapOvr>
+</p:sld>
+</file>
+
+<file path=ppt/slides/slide20.xml><?xml version="1.0" encoding="utf-8"?>
+<p:sld xmlns:a="http://schemas.openxmlformats.org/drawingml/2006/main" xmlns:r="http://schemas.openxmlformats.org/officeDocument/2006/relationships" xmlns:p="http://schemas.openxmlformats.org/presentationml/2006/main">
+  <p:cSld>
+    <p:spTree>
+      <p:nvGrpSpPr>
+        <p:cNvPr id="1" name=""/>
+        <p:cNvGrpSpPr/>
+        <p:nvPr/>
+      </p:nvGrpSpPr>
+      <p:grpSpPr>
+        <a:xfrm>
+          <a:off x="0" y="0"/>
+          <a:ext cx="0" cy="0"/>
+          <a:chOff x="0" y="0"/>
+          <a:chExt cx="0" cy="0"/>
+        </a:xfrm>
+      </p:grpSpPr>
+      <p:sp>
+        <p:nvSpPr>
+          <p:cNvPr id="2" name="Title 1">
+            <a:extLst>
+              <a:ext uri="{FF2B5EF4-FFF2-40B4-BE49-F238E27FC236}">
+                <a16:creationId xmlns:a16="http://schemas.microsoft.com/office/drawing/2014/main" id="{DE3CDF8B-9B55-4731-A3D9-E0EE17213FF4}"/>
+              </a:ext>
+            </a:extLst>
+          </p:cNvPr>
+          <p:cNvSpPr>
+            <a:spLocks noGrp="1"/>
+          </p:cNvSpPr>
+          <p:nvPr>
+            <p:ph type="title"/>
+          </p:nvPr>
+        </p:nvSpPr>
+        <p:spPr/>
+        <p:txBody>
+          <a:bodyPr/>
+          <a:lstStyle/>
+          <a:p>
+            <a:r>
+              <a:rPr lang="en-US" dirty="0">
+                <a:solidFill>
+                  <a:schemeClr val="accent5">
+                    <a:lumMod val="50000"/>
+                  </a:schemeClr>
+                </a:solidFill>
+              </a:rPr>
+              <a:t>AzureML: Test The Model</a:t>
+            </a:r>
+          </a:p>
+        </p:txBody>
+      </p:sp>
+      <p:sp>
+        <p:nvSpPr>
+          <p:cNvPr id="3" name="Content Placeholder 2">
+            <a:extLst>
+              <a:ext uri="{FF2B5EF4-FFF2-40B4-BE49-F238E27FC236}">
+                <a16:creationId xmlns:a16="http://schemas.microsoft.com/office/drawing/2014/main" id="{9B6FFEAB-96DA-4594-8268-CFF457266D8E}"/>
+              </a:ext>
+            </a:extLst>
+          </p:cNvPr>
+          <p:cNvSpPr>
+            <a:spLocks noGrp="1"/>
+          </p:cNvSpPr>
+          <p:nvPr>
+            <p:ph idx="1"/>
+          </p:nvPr>
+        </p:nvSpPr>
+        <p:spPr/>
+        <p:txBody>
+          <a:bodyPr>
+            <a:normAutofit/>
+          </a:bodyPr>
+          <a:lstStyle/>
+          <a:p>
+            <a:r>
+              <a:rPr lang="en-US" dirty="0">
+                <a:solidFill>
+                  <a:schemeClr val="accent5">
+                    <a:lumMod val="50000"/>
+                  </a:schemeClr>
+                </a:solidFill>
+              </a:rPr>
+              <a:t>Download data (we download it from a public repo)</a:t>
+            </a:r>
+          </a:p>
+          <a:p>
+            <a:endParaRPr lang="en-US" dirty="0">
+              <a:solidFill>
+                <a:schemeClr val="accent5">
+                  <a:lumMod val="50000"/>
+                </a:schemeClr>
+              </a:solidFill>
+            </a:endParaRPr>
+          </a:p>
+          <a:p>
+            <a:endParaRPr lang="en-US" dirty="0">
+              <a:solidFill>
+                <a:schemeClr val="accent5">
+                  <a:lumMod val="50000"/>
+                </a:schemeClr>
+              </a:solidFill>
+            </a:endParaRPr>
+          </a:p>
+          <a:p>
+            <a:endParaRPr lang="en-US" dirty="0">
+              <a:solidFill>
+                <a:schemeClr val="accent5">
+                  <a:lumMod val="50000"/>
+                </a:schemeClr>
+              </a:solidFill>
+            </a:endParaRPr>
+          </a:p>
+          <a:p>
+            <a:r>
+              <a:rPr lang="en-US" dirty="0">
+                <a:solidFill>
+                  <a:schemeClr val="accent5">
+                    <a:lumMod val="50000"/>
+                  </a:schemeClr>
+                </a:solidFill>
+              </a:rPr>
+              <a:t>Create test data set</a:t>
+            </a:r>
+          </a:p>
+        </p:txBody>
+      </p:sp>
+      <p:pic>
+        <p:nvPicPr>
+          <p:cNvPr id="5" name="Picture 4">
+            <a:extLst>
+              <a:ext uri="{FF2B5EF4-FFF2-40B4-BE49-F238E27FC236}">
+                <a16:creationId xmlns:a16="http://schemas.microsoft.com/office/drawing/2014/main" id="{28E8933D-0FE1-D29D-BE06-9C8B62AD5C10}"/>
+              </a:ext>
+            </a:extLst>
+          </p:cNvPr>
+          <p:cNvPicPr>
+            <a:picLocks noChangeAspect="1"/>
+          </p:cNvPicPr>
+          <p:nvPr/>
+        </p:nvPicPr>
+        <p:blipFill>
+          <a:blip r:embed="rId3"/>
+          <a:stretch>
+            <a:fillRect/>
+          </a:stretch>
+        </p:blipFill>
+        <p:spPr>
+          <a:xfrm>
+            <a:off x="2699565" y="2459895"/>
+            <a:ext cx="6619875" cy="1419225"/>
+          </a:xfrm>
+          <a:prstGeom prst="rect">
+            <a:avLst/>
+          </a:prstGeom>
+        </p:spPr>
+      </p:pic>
+      <p:pic>
+        <p:nvPicPr>
+          <p:cNvPr id="7" name="Picture 6">
+            <a:extLst>
+              <a:ext uri="{FF2B5EF4-FFF2-40B4-BE49-F238E27FC236}">
+                <a16:creationId xmlns:a16="http://schemas.microsoft.com/office/drawing/2014/main" id="{1AA261D0-5879-627A-73CE-8245DAB5DCDA}"/>
+              </a:ext>
+            </a:extLst>
+          </p:cNvPr>
+          <p:cNvPicPr>
+            <a:picLocks noChangeAspect="1"/>
+          </p:cNvPicPr>
+          <p:nvPr/>
+        </p:nvPicPr>
+        <p:blipFill>
+          <a:blip r:embed="rId4"/>
+          <a:stretch>
+            <a:fillRect/>
+          </a:stretch>
+        </p:blipFill>
+        <p:spPr>
+          <a:xfrm>
+            <a:off x="2699565" y="4313666"/>
+            <a:ext cx="5076825" cy="1428750"/>
+          </a:xfrm>
+          <a:prstGeom prst="rect">
+            <a:avLst/>
+          </a:prstGeom>
+        </p:spPr>
+      </p:pic>
+    </p:spTree>
+    <p:extLst>
+      <p:ext uri="{BB962C8B-B14F-4D97-AF65-F5344CB8AC3E}">
+        <p14:creationId xmlns:p14="http://schemas.microsoft.com/office/powerpoint/2010/main" val="2157076358"/>
+      </p:ext>
+    </p:extLst>
+  </p:cSld>
+  <p:clrMapOvr>
+    <a:masterClrMapping/>
+  </p:clrMapOvr>
+</p:sld>
+</file>
+
+<file path=ppt/slides/slide21.xml><?xml version="1.0" encoding="utf-8"?>
+<p:sld xmlns:a="http://schemas.openxmlformats.org/drawingml/2006/main" xmlns:r="http://schemas.openxmlformats.org/officeDocument/2006/relationships" xmlns:p="http://schemas.openxmlformats.org/presentationml/2006/main">
+  <p:cSld>
+    <p:spTree>
+      <p:nvGrpSpPr>
+        <p:cNvPr id="1" name=""/>
+        <p:cNvGrpSpPr/>
+        <p:nvPr/>
+      </p:nvGrpSpPr>
+      <p:grpSpPr>
+        <a:xfrm>
+          <a:off x="0" y="0"/>
+          <a:ext cx="0" cy="0"/>
+          <a:chOff x="0" y="0"/>
+          <a:chExt cx="0" cy="0"/>
+        </a:xfrm>
+      </p:grpSpPr>
+      <p:sp>
+        <p:nvSpPr>
+          <p:cNvPr id="2" name="Title 1">
+            <a:extLst>
+              <a:ext uri="{FF2B5EF4-FFF2-40B4-BE49-F238E27FC236}">
+                <a16:creationId xmlns:a16="http://schemas.microsoft.com/office/drawing/2014/main" id="{DE3CDF8B-9B55-4731-A3D9-E0EE17213FF4}"/>
+              </a:ext>
+            </a:extLst>
+          </p:cNvPr>
+          <p:cNvSpPr>
+            <a:spLocks noGrp="1"/>
+          </p:cNvSpPr>
+          <p:nvPr>
+            <p:ph type="title"/>
+          </p:nvPr>
+        </p:nvSpPr>
+        <p:spPr/>
+        <p:txBody>
+          <a:bodyPr/>
+          <a:lstStyle/>
+          <a:p>
+            <a:r>
+              <a:rPr lang="en-US" dirty="0">
+                <a:solidFill>
+                  <a:schemeClr val="accent5">
+                    <a:lumMod val="50000"/>
+                  </a:schemeClr>
+                </a:solidFill>
+              </a:rPr>
+              <a:t>AzureML: Test The Model (</a:t>
+            </a:r>
+            <a:r>
+              <a:rPr lang="en-US" dirty="0" err="1">
+                <a:solidFill>
+                  <a:schemeClr val="accent5">
+                    <a:lumMod val="50000"/>
+                  </a:schemeClr>
+                </a:solidFill>
+              </a:rPr>
+              <a:t>cont</a:t>
+            </a:r>
+            <a:r>
+              <a:rPr lang="en-US" dirty="0">
+                <a:solidFill>
+                  <a:schemeClr val="accent5">
+                    <a:lumMod val="50000"/>
+                  </a:schemeClr>
+                </a:solidFill>
+              </a:rPr>
+              <a:t>)</a:t>
+            </a:r>
+          </a:p>
+        </p:txBody>
+      </p:sp>
+      <p:sp>
+        <p:nvSpPr>
+          <p:cNvPr id="3" name="Content Placeholder 2">
+            <a:extLst>
+              <a:ext uri="{FF2B5EF4-FFF2-40B4-BE49-F238E27FC236}">
+                <a16:creationId xmlns:a16="http://schemas.microsoft.com/office/drawing/2014/main" id="{9B6FFEAB-96DA-4594-8268-CFF457266D8E}"/>
+              </a:ext>
+            </a:extLst>
+          </p:cNvPr>
+          <p:cNvSpPr>
+            <a:spLocks noGrp="1"/>
+          </p:cNvSpPr>
+          <p:nvPr>
+            <p:ph idx="1"/>
+          </p:nvPr>
+        </p:nvSpPr>
+        <p:spPr/>
+        <p:txBody>
+          <a:bodyPr>
+            <a:normAutofit/>
+          </a:bodyPr>
+          <a:lstStyle/>
+          <a:p>
+            <a:r>
+              <a:rPr lang="en-US" dirty="0">
+                <a:solidFill>
+                  <a:schemeClr val="accent5">
+                    <a:lumMod val="50000"/>
+                  </a:schemeClr>
+                </a:solidFill>
+              </a:rPr>
+              <a:t>Invoke the endpoint</a:t>
+            </a:r>
+          </a:p>
+          <a:p>
+            <a:endParaRPr lang="en-US" dirty="0">
+              <a:solidFill>
+                <a:schemeClr val="accent5">
+                  <a:lumMod val="50000"/>
+                </a:schemeClr>
+              </a:solidFill>
+            </a:endParaRPr>
+          </a:p>
+          <a:p>
+            <a:endParaRPr lang="en-US" dirty="0">
+              <a:solidFill>
+                <a:schemeClr val="accent5">
+                  <a:lumMod val="50000"/>
+                </a:schemeClr>
+              </a:solidFill>
+            </a:endParaRPr>
+          </a:p>
+          <a:p>
+            <a:r>
+              <a:rPr lang="en-US" dirty="0">
+                <a:solidFill>
+                  <a:schemeClr val="accent5">
+                    <a:lumMod val="50000"/>
+                  </a:schemeClr>
+                </a:solidFill>
+              </a:rPr>
+              <a:t>Plot the results</a:t>
+            </a:r>
+          </a:p>
+        </p:txBody>
+      </p:sp>
+      <p:pic>
+        <p:nvPicPr>
+          <p:cNvPr id="6" name="Picture 5">
+            <a:extLst>
+              <a:ext uri="{FF2B5EF4-FFF2-40B4-BE49-F238E27FC236}">
+                <a16:creationId xmlns:a16="http://schemas.microsoft.com/office/drawing/2014/main" id="{61D8287E-3272-9AF9-547D-242E3052F6FE}"/>
+              </a:ext>
+            </a:extLst>
+          </p:cNvPr>
+          <p:cNvPicPr>
+            <a:picLocks noChangeAspect="1"/>
+          </p:cNvPicPr>
+          <p:nvPr/>
+        </p:nvPicPr>
+        <p:blipFill>
+          <a:blip r:embed="rId3"/>
+          <a:stretch>
+            <a:fillRect/>
+          </a:stretch>
+        </p:blipFill>
+        <p:spPr>
+          <a:xfrm>
+            <a:off x="4516780" y="1825625"/>
+            <a:ext cx="4048125" cy="1219200"/>
+          </a:xfrm>
+          <a:prstGeom prst="rect">
+            <a:avLst/>
+          </a:prstGeom>
+        </p:spPr>
+      </p:pic>
+      <p:pic>
+        <p:nvPicPr>
+          <p:cNvPr id="9" name="Picture 8">
+            <a:extLst>
+              <a:ext uri="{FF2B5EF4-FFF2-40B4-BE49-F238E27FC236}">
+                <a16:creationId xmlns:a16="http://schemas.microsoft.com/office/drawing/2014/main" id="{438D0186-C85C-0F27-6A28-1919D95B11CC}"/>
+              </a:ext>
+            </a:extLst>
+          </p:cNvPr>
+          <p:cNvPicPr>
+            <a:picLocks noChangeAspect="1"/>
+          </p:cNvPicPr>
+          <p:nvPr/>
+        </p:nvPicPr>
+        <p:blipFill>
+          <a:blip r:embed="rId4"/>
+          <a:stretch>
+            <a:fillRect/>
+          </a:stretch>
+        </p:blipFill>
+        <p:spPr>
+          <a:xfrm>
+            <a:off x="4333875" y="3553618"/>
+            <a:ext cx="3524250" cy="1057275"/>
+          </a:xfrm>
+          <a:prstGeom prst="rect">
+            <a:avLst/>
+          </a:prstGeom>
+        </p:spPr>
+      </p:pic>
+    </p:spTree>
+    <p:extLst>
+      <p:ext uri="{BB962C8B-B14F-4D97-AF65-F5344CB8AC3E}">
+        <p14:creationId xmlns:p14="http://schemas.microsoft.com/office/powerpoint/2010/main" val="2943471719"/>
+      </p:ext>
+    </p:extLst>
+  </p:cSld>
+  <p:clrMapOvr>
+    <a:masterClrMapping/>
+  </p:clrMapOvr>
+</p:sld>
+</file>
+
+<file path=ppt/slides/slide22.xml><?xml version="1.0" encoding="utf-8"?>
+<p:sld xmlns:a="http://schemas.openxmlformats.org/drawingml/2006/main" xmlns:r="http://schemas.openxmlformats.org/officeDocument/2006/relationships" xmlns:p="http://schemas.openxmlformats.org/presentationml/2006/main">
+  <p:cSld>
+    <p:spTree>
+      <p:nvGrpSpPr>
+        <p:cNvPr id="1" name=""/>
+        <p:cNvGrpSpPr/>
+        <p:nvPr/>
+      </p:nvGrpSpPr>
+      <p:grpSpPr>
+        <a:xfrm>
+          <a:off x="0" y="0"/>
+          <a:ext cx="0" cy="0"/>
+          <a:chOff x="0" y="0"/>
+          <a:chExt cx="0" cy="0"/>
+        </a:xfrm>
+      </p:grpSpPr>
+      <p:sp>
+        <p:nvSpPr>
+          <p:cNvPr id="2" name="Title 1">
+            <a:extLst>
+              <a:ext uri="{FF2B5EF4-FFF2-40B4-BE49-F238E27FC236}">
+                <a16:creationId xmlns:a16="http://schemas.microsoft.com/office/drawing/2014/main" id="{C5E8972D-19AF-4770-965A-06EA79781A2B}"/>
+              </a:ext>
+            </a:extLst>
+          </p:cNvPr>
+          <p:cNvSpPr>
+            <a:spLocks noGrp="1"/>
+          </p:cNvSpPr>
+          <p:nvPr>
+            <p:ph type="title"/>
+          </p:nvPr>
+        </p:nvSpPr>
+        <p:spPr/>
+        <p:txBody>
+          <a:bodyPr/>
+          <a:lstStyle/>
+          <a:p>
+            <a:r>
+              <a:rPr lang="en-US" dirty="0">
+                <a:solidFill>
+                  <a:schemeClr val="accent5">
+                    <a:lumMod val="50000"/>
+                  </a:schemeClr>
+                </a:solidFill>
+              </a:rPr>
+              <a:t>Conclusion</a:t>
+            </a:r>
+          </a:p>
+        </p:txBody>
+      </p:sp>
+      <p:sp>
+        <p:nvSpPr>
+          <p:cNvPr id="3" name="Content Placeholder 2">
+            <a:extLst>
+              <a:ext uri="{FF2B5EF4-FFF2-40B4-BE49-F238E27FC236}">
+                <a16:creationId xmlns:a16="http://schemas.microsoft.com/office/drawing/2014/main" id="{247EFD57-A438-4A13-8DBA-921614D65879}"/>
+              </a:ext>
+            </a:extLst>
+          </p:cNvPr>
+          <p:cNvSpPr>
+            <a:spLocks noGrp="1"/>
+          </p:cNvSpPr>
+          <p:nvPr>
+            <p:ph idx="1"/>
+          </p:nvPr>
+        </p:nvSpPr>
+        <p:spPr/>
+        <p:txBody>
+          <a:bodyPr>
+            <a:normAutofit/>
+          </a:bodyPr>
+          <a:lstStyle/>
+          <a:p>
+            <a:r>
+              <a:rPr lang="en-US" dirty="0">
+                <a:solidFill>
+                  <a:schemeClr val="accent5">
+                    <a:lumMod val="50000"/>
+                  </a:schemeClr>
+                </a:solidFill>
+              </a:rPr>
+              <a:t>Easy to follow sample code</a:t>
+            </a:r>
+          </a:p>
+          <a:p>
+            <a:r>
+              <a:rPr lang="en-US" dirty="0">
+                <a:solidFill>
+                  <a:schemeClr val="accent5">
+                    <a:lumMod val="50000"/>
+                  </a:schemeClr>
+                </a:solidFill>
+              </a:rPr>
+              <a:t>Offloads all of your expensive computer to the cloud</a:t>
+            </a:r>
+          </a:p>
+          <a:p>
+            <a:r>
+              <a:rPr lang="en-US" dirty="0">
+                <a:solidFill>
+                  <a:schemeClr val="accent5">
+                    <a:lumMod val="50000"/>
+                  </a:schemeClr>
+                </a:solidFill>
+              </a:rPr>
+              <a:t>Easily access your model</a:t>
+            </a:r>
+          </a:p>
+        </p:txBody>
+      </p:sp>
+    </p:spTree>
+    <p:extLst>
+      <p:ext uri="{BB962C8B-B14F-4D97-AF65-F5344CB8AC3E}">
+        <p14:creationId xmlns:p14="http://schemas.microsoft.com/office/powerpoint/2010/main" val="2148422421"/>
+      </p:ext>
+    </p:extLst>
+  </p:cSld>
+  <p:clrMapOvr>
+    <a:masterClrMapping/>
+  </p:clrMapOvr>
+</p:sld>
+</file>
+
+<file path=ppt/slides/slide23.xml><?xml version="1.0" encoding="utf-8"?>
+<p:sld xmlns:a="http://schemas.openxmlformats.org/drawingml/2006/main" xmlns:r="http://schemas.openxmlformats.org/officeDocument/2006/relationships" xmlns:p="http://schemas.openxmlformats.org/presentationml/2006/main">
+  <p:cSld>
+    <p:spTree>
+      <p:nvGrpSpPr>
+        <p:cNvPr id="1" name=""/>
+        <p:cNvGrpSpPr/>
+        <p:nvPr/>
+      </p:nvGrpSpPr>
+      <p:grpSpPr>
+        <a:xfrm>
+          <a:off x="0" y="0"/>
+          <a:ext cx="0" cy="0"/>
+          <a:chOff x="0" y="0"/>
+          <a:chExt cx="0" cy="0"/>
+        </a:xfrm>
+      </p:grpSpPr>
+      <p:sp>
+        <p:nvSpPr>
+          <p:cNvPr id="2" name="Title 1">
+            <a:extLst>
+              <a:ext uri="{FF2B5EF4-FFF2-40B4-BE49-F238E27FC236}">
+                <a16:creationId xmlns:a16="http://schemas.microsoft.com/office/drawing/2014/main" id="{8E184895-4B3D-4D82-9AF9-B36996CDB0D5}"/>
+              </a:ext>
+            </a:extLst>
+          </p:cNvPr>
+          <p:cNvSpPr>
+            <a:spLocks noGrp="1"/>
+          </p:cNvSpPr>
+          <p:nvPr>
+            <p:ph type="title"/>
+          </p:nvPr>
+        </p:nvSpPr>
+        <p:spPr/>
+        <p:txBody>
+          <a:bodyPr/>
+          <a:lstStyle/>
+          <a:p>
+            <a:r>
+              <a:rPr lang="en-US" dirty="0">
+                <a:solidFill>
+                  <a:srgbClr val="1F4E79"/>
+                </a:solidFill>
+              </a:rPr>
+              <a:t>Links</a:t>
+            </a:r>
+          </a:p>
+        </p:txBody>
+      </p:sp>
+      <p:sp>
+        <p:nvSpPr>
+          <p:cNvPr id="3" name="Content Placeholder 2">
+            <a:extLst>
+              <a:ext uri="{FF2B5EF4-FFF2-40B4-BE49-F238E27FC236}">
+                <a16:creationId xmlns:a16="http://schemas.microsoft.com/office/drawing/2014/main" id="{15C7FCC2-13FA-46CE-A8A6-BD77D14C2A8F}"/>
+              </a:ext>
+            </a:extLst>
+          </p:cNvPr>
+          <p:cNvSpPr>
+            <a:spLocks noGrp="1"/>
+          </p:cNvSpPr>
+          <p:nvPr>
+            <p:ph idx="1"/>
+          </p:nvPr>
+        </p:nvSpPr>
+        <p:spPr/>
+        <p:txBody>
+          <a:bodyPr>
+            <a:normAutofit/>
+          </a:bodyPr>
+          <a:lstStyle/>
+          <a:p>
+            <a:r>
+              <a:rPr lang="en-US" dirty="0">
+                <a:solidFill>
+                  <a:srgbClr val="1F4E79"/>
+                </a:solidFill>
+              </a:rPr>
+              <a:t>Presentation Repository: </a:t>
+            </a:r>
+            <a:r>
+              <a:rPr lang="en-US" dirty="0">
+                <a:solidFill>
+                  <a:srgbClr val="1F4E79"/>
+                </a:solidFill>
+                <a:hlinkClick r:id="rId2"/>
+              </a:rPr>
+              <a:t>https://github.com/ehennis/Blog/tree/master/AzureML</a:t>
+            </a:r>
+            <a:endParaRPr lang="en-US" dirty="0">
+              <a:solidFill>
+                <a:srgbClr val="1F4E79"/>
+              </a:solidFill>
+            </a:endParaRPr>
+          </a:p>
+          <a:p>
+            <a:r>
+              <a:rPr lang="en-US" dirty="0">
+                <a:solidFill>
+                  <a:schemeClr val="accent5">
+                    <a:lumMod val="50000"/>
+                  </a:schemeClr>
+                </a:solidFill>
+              </a:rPr>
+              <a:t>Completed Notebook: v2 &gt; </a:t>
+            </a:r>
+            <a:r>
+              <a:rPr lang="en-US" dirty="0" err="1">
+                <a:solidFill>
+                  <a:schemeClr val="accent5">
+                    <a:lumMod val="50000"/>
+                  </a:schemeClr>
+                </a:solidFill>
+              </a:rPr>
+              <a:t>sdk</a:t>
+            </a:r>
+            <a:r>
+              <a:rPr lang="en-US" dirty="0">
+                <a:solidFill>
+                  <a:schemeClr val="accent5">
+                    <a:lumMod val="50000"/>
+                  </a:schemeClr>
+                </a:solidFill>
+              </a:rPr>
+              <a:t> &gt; python &gt; jobs &gt; single-step &gt; </a:t>
+            </a:r>
+            <a:r>
+              <a:rPr lang="en-US" dirty="0" err="1">
+                <a:solidFill>
+                  <a:schemeClr val="accent5">
+                    <a:lumMod val="50000"/>
+                  </a:schemeClr>
+                </a:solidFill>
+              </a:rPr>
+              <a:t>tensorflow</a:t>
+            </a:r>
+            <a:r>
+              <a:rPr lang="en-US" dirty="0">
+                <a:solidFill>
+                  <a:schemeClr val="accent5">
+                    <a:lumMod val="50000"/>
+                  </a:schemeClr>
+                </a:solidFill>
+              </a:rPr>
+              <a:t> &gt; train-hyperparameter-tune-deploy-with-</a:t>
+            </a:r>
+            <a:r>
+              <a:rPr lang="en-US" dirty="0" err="1">
+                <a:solidFill>
+                  <a:schemeClr val="accent5">
+                    <a:lumMod val="50000"/>
+                  </a:schemeClr>
+                </a:solidFill>
+              </a:rPr>
+              <a:t>tensorflow</a:t>
+            </a:r>
+            <a:r>
+              <a:rPr lang="en-US" dirty="0">
+                <a:solidFill>
+                  <a:schemeClr val="accent5">
+                    <a:lumMod val="50000"/>
+                  </a:schemeClr>
+                </a:solidFill>
+              </a:rPr>
+              <a:t>.</a:t>
+            </a:r>
+          </a:p>
+          <a:p>
+            <a:endParaRPr lang="en-US" dirty="0">
+              <a:solidFill>
+                <a:srgbClr val="1F4E79"/>
+              </a:solidFill>
+            </a:endParaRPr>
+          </a:p>
+          <a:p>
+            <a:endParaRPr lang="en-US" dirty="0">
+              <a:solidFill>
+                <a:srgbClr val="1F4E79"/>
+              </a:solidFill>
+            </a:endParaRPr>
+          </a:p>
+          <a:p>
+            <a:endParaRPr lang="en-US" dirty="0"/>
+          </a:p>
+          <a:p>
+            <a:endParaRPr lang="en-US" dirty="0"/>
+          </a:p>
+        </p:txBody>
+      </p:sp>
+    </p:spTree>
+    <p:extLst>
+      <p:ext uri="{BB962C8B-B14F-4D97-AF65-F5344CB8AC3E}">
+        <p14:creationId xmlns:p14="http://schemas.microsoft.com/office/powerpoint/2010/main" val="4150764362"/>
+      </p:ext>
+    </p:extLst>
+  </p:cSld>
+  <p:clrMapOvr>
+    <a:masterClrMapping/>
+  </p:clrMapOvr>
+</p:sld>
+</file>
+
+<file path=ppt/slides/slide24.xml><?xml version="1.0" encoding="utf-8"?>
+<p:sld xmlns:a="http://schemas.openxmlformats.org/drawingml/2006/main" xmlns:r="http://schemas.openxmlformats.org/officeDocument/2006/relationships" xmlns:p="http://schemas.openxmlformats.org/presentationml/2006/main">
+  <p:cSld>
+    <p:spTree>
+      <p:nvGrpSpPr>
+        <p:cNvPr id="1" name=""/>
+        <p:cNvGrpSpPr/>
+        <p:nvPr/>
+      </p:nvGrpSpPr>
+      <p:grpSpPr>
+        <a:xfrm>
+          <a:off x="0" y="0"/>
+          <a:ext cx="0" cy="0"/>
+          <a:chOff x="0" y="0"/>
+          <a:chExt cx="0" cy="0"/>
+        </a:xfrm>
+      </p:grpSpPr>
+      <p:sp>
+        <p:nvSpPr>
+          <p:cNvPr id="2" name="Title 1">
+            <a:extLst>
+              <a:ext uri="{FF2B5EF4-FFF2-40B4-BE49-F238E27FC236}">
+                <a16:creationId xmlns:a16="http://schemas.microsoft.com/office/drawing/2014/main" id="{8E184895-4B3D-4D82-9AF9-B36996CDB0D5}"/>
+              </a:ext>
+            </a:extLst>
+          </p:cNvPr>
+          <p:cNvSpPr>
+            <a:spLocks noGrp="1"/>
+          </p:cNvSpPr>
+          <p:nvPr>
+            <p:ph type="title"/>
+          </p:nvPr>
+        </p:nvSpPr>
+        <p:spPr/>
+        <p:txBody>
+          <a:bodyPr/>
+          <a:lstStyle/>
+          <a:p>
+            <a:r>
+              <a:rPr lang="en-US" dirty="0">
+                <a:solidFill>
+                  <a:srgbClr val="1F4E79"/>
+                </a:solidFill>
+              </a:rPr>
+              <a:t>My Information</a:t>
+            </a:r>
+          </a:p>
+        </p:txBody>
+      </p:sp>
+      <p:sp>
+        <p:nvSpPr>
+          <p:cNvPr id="3" name="Content Placeholder 2">
+            <a:extLst>
+              <a:ext uri="{FF2B5EF4-FFF2-40B4-BE49-F238E27FC236}">
+                <a16:creationId xmlns:a16="http://schemas.microsoft.com/office/drawing/2014/main" id="{15C7FCC2-13FA-46CE-A8A6-BD77D14C2A8F}"/>
+              </a:ext>
+            </a:extLst>
+          </p:cNvPr>
+          <p:cNvSpPr>
+            <a:spLocks noGrp="1"/>
+          </p:cNvSpPr>
+          <p:nvPr>
+            <p:ph idx="1"/>
+          </p:nvPr>
+        </p:nvSpPr>
+        <p:spPr/>
+        <p:txBody>
+          <a:bodyPr/>
+          <a:lstStyle/>
+          <a:p>
+            <a:r>
+              <a:rPr lang="en-US" dirty="0">
+                <a:solidFill>
+                  <a:srgbClr val="1F4E79"/>
+                </a:solidFill>
+              </a:rPr>
+              <a:t>Twitter: @</a:t>
+            </a:r>
+            <a:r>
+              <a:rPr lang="en-US" dirty="0" err="1">
+                <a:solidFill>
+                  <a:srgbClr val="1F4E79"/>
+                </a:solidFill>
+              </a:rPr>
+              <a:t>TheNurl</a:t>
+            </a:r>
+            <a:endParaRPr lang="en-US" dirty="0">
+              <a:solidFill>
+                <a:srgbClr val="1F4E79"/>
+              </a:solidFill>
+            </a:endParaRPr>
+          </a:p>
+          <a:p>
+            <a:r>
+              <a:rPr lang="en-US" dirty="0">
+                <a:solidFill>
+                  <a:srgbClr val="1F4E79"/>
+                </a:solidFill>
+              </a:rPr>
+              <a:t>GitHub: </a:t>
+            </a:r>
+            <a:r>
+              <a:rPr lang="en-US" dirty="0">
+                <a:solidFill>
+                  <a:srgbClr val="1F4E79"/>
+                </a:solidFill>
+                <a:hlinkClick r:id="rId2"/>
+              </a:rPr>
+              <a:t>https://github.com/ehennis</a:t>
+            </a:r>
+            <a:endParaRPr lang="en-US" dirty="0">
+              <a:solidFill>
+                <a:srgbClr val="1F4E79"/>
+              </a:solidFill>
+            </a:endParaRPr>
+          </a:p>
+          <a:p>
+            <a:r>
+              <a:rPr lang="en-US" dirty="0">
+                <a:solidFill>
+                  <a:srgbClr val="1F4E79"/>
+                </a:solidFill>
+              </a:rPr>
+              <a:t>YouTube: Evan Hennis</a:t>
+            </a:r>
+          </a:p>
+          <a:p>
+            <a:r>
+              <a:rPr lang="en-US" dirty="0">
+                <a:solidFill>
+                  <a:srgbClr val="1F4E79"/>
+                </a:solidFill>
+              </a:rPr>
+              <a:t>Blog: </a:t>
+            </a:r>
+            <a:r>
+              <a:rPr lang="en-US" dirty="0">
+                <a:solidFill>
+                  <a:srgbClr val="1F4E79"/>
+                </a:solidFill>
+                <a:hlinkClick r:id="rId3"/>
+              </a:rPr>
+              <a:t>http://blog.eckronsoftware.com</a:t>
+            </a:r>
+            <a:endParaRPr lang="en-US" dirty="0">
+              <a:solidFill>
+                <a:srgbClr val="1F4E79"/>
+              </a:solidFill>
+            </a:endParaRPr>
+          </a:p>
+          <a:p>
+            <a:r>
+              <a:rPr lang="en-US" dirty="0">
+                <a:solidFill>
+                  <a:srgbClr val="1F4E79"/>
+                </a:solidFill>
+              </a:rPr>
+              <a:t>Email: </a:t>
+            </a:r>
+            <a:r>
+              <a:rPr lang="en-US" dirty="0">
+                <a:solidFill>
+                  <a:srgbClr val="1F4E79"/>
+                </a:solidFill>
+                <a:hlinkClick r:id="rId4"/>
+              </a:rPr>
+              <a:t>EvanHennis@gmail.com</a:t>
+            </a:r>
+            <a:endParaRPr lang="en-US" dirty="0">
+              <a:solidFill>
+                <a:srgbClr val="1F4E79"/>
+              </a:solidFill>
+            </a:endParaRPr>
+          </a:p>
+        </p:txBody>
+      </p:sp>
+    </p:spTree>
+    <p:extLst>
+      <p:ext uri="{BB962C8B-B14F-4D97-AF65-F5344CB8AC3E}">
+        <p14:creationId xmlns:p14="http://schemas.microsoft.com/office/powerpoint/2010/main" val="3640291696"/>
       </p:ext>
     </p:extLst>
   </p:cSld>
@@ -4746,7 +8911,7 @@
         <p:spPr/>
         <p:txBody>
           <a:bodyPr>
-            <a:normAutofit/>
+            <a:normAutofit fontScale="62500" lnSpcReduction="20000"/>
           </a:bodyPr>
           <a:lstStyle/>
           <a:p>
@@ -4770,7 +8935,7 @@
                   </a:schemeClr>
                 </a:solidFill>
               </a:rPr>
-              <a:t>Setting up a job</a:t>
+              <a:t>Create Workspace and Compute Instance</a:t>
             </a:r>
           </a:p>
           <a:p>
@@ -4782,10 +8947,11 @@
                   </a:schemeClr>
                 </a:solidFill>
               </a:rPr>
-              <a:t>Connecting a workspace</a:t>
-            </a:r>
-          </a:p>
-          <a:p>
+              <a:t>Manually Trained Model</a:t>
+            </a:r>
+          </a:p>
+          <a:p>
+            <a:pPr lvl="1"/>
             <a:r>
               <a:rPr lang="en-US" dirty="0">
                 <a:solidFill>
@@ -4794,10 +8960,11 @@
                   </a:schemeClr>
                 </a:solidFill>
               </a:rPr>
-              <a:t>Submit for training</a:t>
-            </a:r>
-          </a:p>
-          <a:p>
+              <a:t>Create a notebook</a:t>
+            </a:r>
+          </a:p>
+          <a:p>
+            <a:pPr lvl="1"/>
             <a:r>
               <a:rPr lang="en-US" dirty="0">
                 <a:solidFill>
@@ -4806,10 +8973,11 @@
                   </a:schemeClr>
                 </a:solidFill>
               </a:rPr>
-              <a:t>Validation</a:t>
-            </a:r>
-          </a:p>
-          <a:p>
+              <a:t>Build the training set</a:t>
+            </a:r>
+          </a:p>
+          <a:p>
+            <a:pPr lvl="1"/>
             <a:r>
               <a:rPr lang="en-US" dirty="0">
                 <a:solidFill>
@@ -4818,7 +8986,123 @@
                   </a:schemeClr>
                 </a:solidFill>
               </a:rPr>
-              <a:t>Deployment</a:t>
+              <a:t>Train the model</a:t>
+            </a:r>
+          </a:p>
+          <a:p>
+            <a:pPr lvl="1"/>
+            <a:r>
+              <a:rPr lang="en-US" dirty="0">
+                <a:solidFill>
+                  <a:schemeClr val="accent5">
+                    <a:lumMod val="50000"/>
+                  </a:schemeClr>
+                </a:solidFill>
+              </a:rPr>
+              <a:t>Deploy the model</a:t>
+            </a:r>
+          </a:p>
+          <a:p>
+            <a:r>
+              <a:rPr lang="en-US" dirty="0">
+                <a:solidFill>
+                  <a:schemeClr val="accent5">
+                    <a:lumMod val="50000"/>
+                  </a:schemeClr>
+                </a:solidFill>
+              </a:rPr>
+              <a:t>AzureML Trained Model</a:t>
+            </a:r>
+          </a:p>
+          <a:p>
+            <a:pPr lvl="1"/>
+            <a:r>
+              <a:rPr lang="en-US" dirty="0">
+                <a:solidFill>
+                  <a:schemeClr val="accent5">
+                    <a:lumMod val="50000"/>
+                  </a:schemeClr>
+                </a:solidFill>
+              </a:rPr>
+              <a:t>Create a compute resource</a:t>
+            </a:r>
+          </a:p>
+          <a:p>
+            <a:pPr lvl="1"/>
+            <a:r>
+              <a:rPr lang="en-US" dirty="0">
+                <a:solidFill>
+                  <a:schemeClr val="accent5">
+                    <a:lumMod val="50000"/>
+                  </a:schemeClr>
+                </a:solidFill>
+              </a:rPr>
+              <a:t>Create an environment</a:t>
+            </a:r>
+          </a:p>
+          <a:p>
+            <a:pPr lvl="1"/>
+            <a:r>
+              <a:rPr lang="en-US" dirty="0">
+                <a:solidFill>
+                  <a:schemeClr val="accent5">
+                    <a:lumMod val="50000"/>
+                  </a:schemeClr>
+                </a:solidFill>
+              </a:rPr>
+              <a:t>Build a job</a:t>
+            </a:r>
+          </a:p>
+          <a:p>
+            <a:pPr lvl="1"/>
+            <a:r>
+              <a:rPr lang="en-US" dirty="0">
+                <a:solidFill>
+                  <a:schemeClr val="accent5">
+                    <a:lumMod val="50000"/>
+                  </a:schemeClr>
+                </a:solidFill>
+              </a:rPr>
+              <a:t>Run the job</a:t>
+            </a:r>
+          </a:p>
+          <a:p>
+            <a:pPr lvl="1"/>
+            <a:r>
+              <a:rPr lang="en-US" dirty="0">
+                <a:solidFill>
+                  <a:schemeClr val="accent5">
+                    <a:lumMod val="50000"/>
+                  </a:schemeClr>
+                </a:solidFill>
+              </a:rPr>
+              <a:t>Deploy the best model</a:t>
+            </a:r>
+          </a:p>
+          <a:p>
+            <a:pPr lvl="1"/>
+            <a:r>
+              <a:rPr lang="en-US" dirty="0">
+                <a:solidFill>
+                  <a:schemeClr val="accent5">
+                    <a:lumMod val="50000"/>
+                  </a:schemeClr>
+                </a:solidFill>
+              </a:rPr>
+              <a:t>Create an online endpoint</a:t>
+            </a:r>
+          </a:p>
+          <a:p>
+            <a:pPr lvl="1"/>
+            <a:r>
+              <a:rPr lang="en-US" dirty="0">
+                <a:solidFill>
+                  <a:schemeClr val="accent5">
+                    <a:lumMod val="50000"/>
+                  </a:schemeClr>
+                </a:solidFill>
+              </a:rPr>
+              <a:t>Test the model</a:t>
             </a:r>
           </a:p>
           <a:p>
@@ -4891,7 +9175,7 @@
           <p:cNvPr id="2" name="Title 1">
             <a:extLst>
               <a:ext uri="{FF2B5EF4-FFF2-40B4-BE49-F238E27FC236}">
-                <a16:creationId xmlns:a16="http://schemas.microsoft.com/office/drawing/2014/main" id="{C5E8972D-19AF-4770-965A-06EA79781A2B}"/>
+                <a16:creationId xmlns:a16="http://schemas.microsoft.com/office/drawing/2014/main" id="{DE3CDF8B-9B55-4731-A3D9-E0EE17213FF4}"/>
               </a:ext>
             </a:extLst>
           </p:cNvPr>
@@ -4915,7 +9199,7 @@
                   </a:schemeClr>
                 </a:solidFill>
               </a:rPr>
-              <a:t>Conclusion</a:t>
+              <a:t>Introduction</a:t>
             </a:r>
           </a:p>
         </p:txBody>
@@ -4925,7 +9209,7 @@
           <p:cNvPr id="3" name="Content Placeholder 2">
             <a:extLst>
               <a:ext uri="{FF2B5EF4-FFF2-40B4-BE49-F238E27FC236}">
-                <a16:creationId xmlns:a16="http://schemas.microsoft.com/office/drawing/2014/main" id="{247EFD57-A438-4A13-8DBA-921614D65879}"/>
+                <a16:creationId xmlns:a16="http://schemas.microsoft.com/office/drawing/2014/main" id="{9B6FFEAB-96DA-4594-8268-CFF457266D8E}"/>
               </a:ext>
             </a:extLst>
           </p:cNvPr>
@@ -4951,17 +9235,13 @@
                   </a:schemeClr>
                 </a:solidFill>
               </a:rPr>
-              <a:t>Simple-</a:t>
-            </a:r>
-            <a:r>
-              <a:rPr lang="en-US" dirty="0" err="1">
-                <a:solidFill>
-                  <a:schemeClr val="accent5">
-                    <a:lumMod val="50000"/>
-                  </a:schemeClr>
-                </a:solidFill>
-              </a:rPr>
-              <a:t>ish</a:t>
+              <a:t>Setting up Azure Machine Learning: </a:t>
+            </a:r>
+            <a:r>
+              <a:rPr lang="en-US" dirty="0">
+                <a:hlinkClick r:id="rId3"/>
+              </a:rPr>
+              <a:t>https://ml.azure.com/</a:t>
             </a:r>
             <a:endParaRPr lang="en-US" dirty="0">
               <a:solidFill>
@@ -4980,11 +9260,10 @@
                   </a:schemeClr>
                 </a:solidFill>
               </a:rPr>
-              <a:t>Enables end to end testing in Visual Studio</a:t>
-            </a:r>
-          </a:p>
-          <a:p>
-            <a:pPr lvl="1"/>
+              <a:t>Run a hosted notebook to create our own model</a:t>
+            </a:r>
+          </a:p>
+          <a:p>
             <a:r>
               <a:rPr lang="en-US" dirty="0">
                 <a:solidFill>
@@ -4993,20 +9272,7 @@
                   </a:schemeClr>
                 </a:solidFill>
               </a:rPr>
-              <a:t>Allows debugging</a:t>
-            </a:r>
-          </a:p>
-          <a:p>
-            <a:pPr lvl="1"/>
-            <a:r>
-              <a:rPr lang="en-US" dirty="0">
-                <a:solidFill>
-                  <a:schemeClr val="accent5">
-                    <a:lumMod val="50000"/>
-                  </a:schemeClr>
-                </a:solidFill>
-              </a:rPr>
-              <a:t>Don’t have to start VS and then run your test software</a:t>
+              <a:t>Utilize Azure Machine Learning to run our machine learning tasks</a:t>
             </a:r>
           </a:p>
           <a:p>
@@ -5023,7 +9289,7 @@
     </p:spTree>
     <p:extLst>
       <p:ext uri="{BB962C8B-B14F-4D97-AF65-F5344CB8AC3E}">
-        <p14:creationId xmlns:p14="http://schemas.microsoft.com/office/powerpoint/2010/main" val="2148422421"/>
+        <p14:creationId xmlns:p14="http://schemas.microsoft.com/office/powerpoint/2010/main" val="3473369445"/>
       </p:ext>
     </p:extLst>
   </p:cSld>
@@ -5055,7 +9321,7 @@
           <p:cNvPr id="2" name="Title 1">
             <a:extLst>
               <a:ext uri="{FF2B5EF4-FFF2-40B4-BE49-F238E27FC236}">
-                <a16:creationId xmlns:a16="http://schemas.microsoft.com/office/drawing/2014/main" id="{8E184895-4B3D-4D82-9AF9-B36996CDB0D5}"/>
+                <a16:creationId xmlns:a16="http://schemas.microsoft.com/office/drawing/2014/main" id="{DE3CDF8B-9B55-4731-A3D9-E0EE17213FF4}"/>
               </a:ext>
             </a:extLst>
           </p:cNvPr>
@@ -5074,10 +9340,12 @@
             <a:r>
               <a:rPr lang="en-US" dirty="0">
                 <a:solidFill>
-                  <a:srgbClr val="1F4E79"/>
-                </a:solidFill>
-              </a:rPr>
-              <a:t>Links</a:t>
+                  <a:schemeClr val="accent5">
+                    <a:lumMod val="50000"/>
+                  </a:schemeClr>
+                </a:solidFill>
+              </a:rPr>
+              <a:t>Create Workspace and Compute Instance</a:t>
             </a:r>
           </a:p>
         </p:txBody>
@@ -5087,7 +9355,7 @@
           <p:cNvPr id="3" name="Content Placeholder 2">
             <a:extLst>
               <a:ext uri="{FF2B5EF4-FFF2-40B4-BE49-F238E27FC236}">
-                <a16:creationId xmlns:a16="http://schemas.microsoft.com/office/drawing/2014/main" id="{15C7FCC2-13FA-46CE-A8A6-BD77D14C2A8F}"/>
+                <a16:creationId xmlns:a16="http://schemas.microsoft.com/office/drawing/2014/main" id="{9B6FFEAB-96DA-4594-8268-CFF457266D8E}"/>
               </a:ext>
             </a:extLst>
           </p:cNvPr>
@@ -5106,111 +9374,146 @@
           <a:lstStyle/>
           <a:p>
             <a:r>
-              <a:rPr lang="en-US" dirty="0" err="1">
-                <a:solidFill>
-                  <a:srgbClr val="1F4E79"/>
-                </a:solidFill>
-              </a:rPr>
-              <a:t>WebApplicationFactory</a:t>
-            </a:r>
-            <a:r>
               <a:rPr lang="en-US" dirty="0">
                 <a:solidFill>
-                  <a:srgbClr val="1F4E79"/>
-                </a:solidFill>
-              </a:rPr>
-              <a:t>: </a:t>
-            </a:r>
-            <a:r>
-              <a:rPr lang="en-US" dirty="0">
-                <a:solidFill>
-                  <a:srgbClr val="1F4E79"/>
-                </a:solidFill>
-                <a:hlinkClick r:id="rId2"/>
-              </a:rPr>
-              <a:t>https://docs.microsoft.com/en-us/dotnet/api/microsoft.aspnetcore.mvc.testing.webapplicationfactory-1?view=aspnetcore-5.0</a:t>
-            </a:r>
+                  <a:schemeClr val="accent5">
+                    <a:lumMod val="50000"/>
+                  </a:schemeClr>
+                </a:solidFill>
+              </a:rPr>
+              <a:t>Create Workspace</a:t>
+            </a:r>
+          </a:p>
+          <a:p>
             <a:endParaRPr lang="en-US" dirty="0">
               <a:solidFill>
-                <a:srgbClr val="1F4E79"/>
+                <a:schemeClr val="accent5">
+                  <a:lumMod val="50000"/>
+                </a:schemeClr>
               </a:solidFill>
             </a:endParaRPr>
           </a:p>
           <a:p>
             <a:r>
-              <a:rPr lang="en-US" dirty="0" err="1">
-                <a:solidFill>
-                  <a:srgbClr val="1F4E79"/>
-                </a:solidFill>
-              </a:rPr>
-              <a:t>IClassFixture</a:t>
-            </a:r>
-            <a:r>
               <a:rPr lang="en-US" dirty="0">
                 <a:solidFill>
-                  <a:srgbClr val="1F4E79"/>
-                </a:solidFill>
-              </a:rPr>
-              <a:t>: </a:t>
-            </a:r>
+                  <a:schemeClr val="accent5">
+                    <a:lumMod val="50000"/>
+                  </a:schemeClr>
+                </a:solidFill>
+              </a:rPr>
+              <a:t>Create Compute Instance</a:t>
+            </a:r>
+          </a:p>
+          <a:p>
+            <a:pPr lvl="1"/>
             <a:r>
               <a:rPr lang="en-US" dirty="0">
                 <a:solidFill>
-                  <a:srgbClr val="1F4E79"/>
-                </a:solidFill>
-                <a:hlinkClick r:id="rId3"/>
-              </a:rPr>
-              <a:t>https://xunit.net/docs/shared-context</a:t>
-            </a:r>
+                  <a:schemeClr val="accent5">
+                    <a:lumMod val="50000"/>
+                  </a:schemeClr>
+                </a:solidFill>
+              </a:rPr>
+              <a:t>Set computer name</a:t>
+            </a:r>
+          </a:p>
+          <a:p>
+            <a:pPr lvl="1"/>
+            <a:r>
+              <a:rPr lang="en-US" dirty="0">
+                <a:solidFill>
+                  <a:schemeClr val="accent5">
+                    <a:lumMod val="50000"/>
+                  </a:schemeClr>
+                </a:solidFill>
+              </a:rPr>
+              <a:t>Set VM Type</a:t>
+            </a:r>
+          </a:p>
+          <a:p>
+            <a:pPr lvl="2"/>
+            <a:r>
+              <a:rPr lang="en-US" dirty="0">
+                <a:solidFill>
+                  <a:schemeClr val="accent5">
+                    <a:lumMod val="50000"/>
+                  </a:schemeClr>
+                </a:solidFill>
+              </a:rPr>
+              <a:t>Quotas…..</a:t>
+            </a:r>
+          </a:p>
+          <a:p>
+            <a:pPr lvl="1"/>
+            <a:r>
+              <a:rPr lang="en-US" dirty="0">
+                <a:solidFill>
+                  <a:schemeClr val="accent5">
+                    <a:lumMod val="50000"/>
+                  </a:schemeClr>
+                </a:solidFill>
+              </a:rPr>
+              <a:t>Set VM Size</a:t>
+            </a:r>
+          </a:p>
+          <a:p>
+            <a:pPr marL="0" indent="0">
+              <a:buNone/>
+            </a:pPr>
             <a:endParaRPr lang="en-US" dirty="0">
               <a:solidFill>
-                <a:srgbClr val="1F4E79"/>
+                <a:schemeClr val="accent5">
+                  <a:lumMod val="50000"/>
+                </a:schemeClr>
               </a:solidFill>
             </a:endParaRPr>
           </a:p>
           <a:p>
-            <a:r>
-              <a:rPr lang="en-US" dirty="0">
-                <a:solidFill>
-                  <a:srgbClr val="1F4E79"/>
-                </a:solidFill>
-              </a:rPr>
-              <a:t>Code Repository: </a:t>
-            </a:r>
-            <a:r>
-              <a:rPr lang="en-US" dirty="0">
-                <a:solidFill>
-                  <a:srgbClr val="1F4E79"/>
-                </a:solidFill>
-                <a:hlinkClick r:id="rId4"/>
-              </a:rPr>
-              <a:t>https://github.com/ehennis/Blog/tree/master/WebApplicationFactory/NCode</a:t>
-            </a:r>
             <a:endParaRPr lang="en-US" dirty="0">
               <a:solidFill>
-                <a:srgbClr val="1F4E79"/>
+                <a:schemeClr val="accent5">
+                  <a:lumMod val="50000"/>
+                </a:schemeClr>
               </a:solidFill>
             </a:endParaRPr>
           </a:p>
-          <a:p>
-            <a:endParaRPr lang="en-US" dirty="0">
-              <a:solidFill>
-                <a:srgbClr val="1F4E79"/>
-              </a:solidFill>
-            </a:endParaRPr>
-          </a:p>
-          <a:p>
-            <a:endParaRPr lang="en-US" dirty="0"/>
-          </a:p>
-          <a:p>
-            <a:endParaRPr lang="en-US" dirty="0"/>
-          </a:p>
-        </p:txBody>
-      </p:sp>
+        </p:txBody>
+      </p:sp>
+      <p:pic>
+        <p:nvPicPr>
+          <p:cNvPr id="5" name="Picture 4">
+            <a:extLst>
+              <a:ext uri="{FF2B5EF4-FFF2-40B4-BE49-F238E27FC236}">
+                <a16:creationId xmlns:a16="http://schemas.microsoft.com/office/drawing/2014/main" id="{7AB879F3-9F63-5996-B95D-B3509D791809}"/>
+              </a:ext>
+            </a:extLst>
+          </p:cNvPr>
+          <p:cNvPicPr>
+            <a:picLocks noChangeAspect="1"/>
+          </p:cNvPicPr>
+          <p:nvPr/>
+        </p:nvPicPr>
+        <p:blipFill>
+          <a:blip r:embed="rId3"/>
+          <a:stretch>
+            <a:fillRect/>
+          </a:stretch>
+        </p:blipFill>
+        <p:spPr>
+          <a:xfrm>
+            <a:off x="6096000" y="1690688"/>
+            <a:ext cx="5876925" cy="4905375"/>
+          </a:xfrm>
+          <a:prstGeom prst="rect">
+            <a:avLst/>
+          </a:prstGeom>
+        </p:spPr>
+      </p:pic>
     </p:spTree>
     <p:extLst>
       <p:ext uri="{BB962C8B-B14F-4D97-AF65-F5344CB8AC3E}">
-        <p14:creationId xmlns:p14="http://schemas.microsoft.com/office/powerpoint/2010/main" val="4150764362"/>
+        <p14:creationId xmlns:p14="http://schemas.microsoft.com/office/powerpoint/2010/main" val="1890278541"/>
       </p:ext>
     </p:extLst>
   </p:cSld>
@@ -5242,7 +9545,7 @@
           <p:cNvPr id="2" name="Title 1">
             <a:extLst>
               <a:ext uri="{FF2B5EF4-FFF2-40B4-BE49-F238E27FC236}">
-                <a16:creationId xmlns:a16="http://schemas.microsoft.com/office/drawing/2014/main" id="{8E184895-4B3D-4D82-9AF9-B36996CDB0D5}"/>
+                <a16:creationId xmlns:a16="http://schemas.microsoft.com/office/drawing/2014/main" id="{DE3CDF8B-9B55-4731-A3D9-E0EE17213FF4}"/>
               </a:ext>
             </a:extLst>
           </p:cNvPr>
@@ -5261,10 +9564,12 @@
             <a:r>
               <a:rPr lang="en-US" dirty="0">
                 <a:solidFill>
-                  <a:srgbClr val="1F4E79"/>
-                </a:solidFill>
-              </a:rPr>
-              <a:t>My Information</a:t>
+                  <a:schemeClr val="accent5">
+                    <a:lumMod val="50000"/>
+                  </a:schemeClr>
+                </a:solidFill>
+              </a:rPr>
+              <a:t>Manually Trained Model</a:t>
             </a:r>
           </a:p>
         </p:txBody>
@@ -5274,7 +9579,7 @@
           <p:cNvPr id="3" name="Content Placeholder 2">
             <a:extLst>
               <a:ext uri="{FF2B5EF4-FFF2-40B4-BE49-F238E27FC236}">
-                <a16:creationId xmlns:a16="http://schemas.microsoft.com/office/drawing/2014/main" id="{15C7FCC2-13FA-46CE-A8A6-BD77D14C2A8F}"/>
+                <a16:creationId xmlns:a16="http://schemas.microsoft.com/office/drawing/2014/main" id="{9B6FFEAB-96DA-4594-8268-CFF457266D8E}"/>
               </a:ext>
             </a:extLst>
           </p:cNvPr>
@@ -5287,110 +9592,57 @@
         </p:nvSpPr>
         <p:spPr/>
         <p:txBody>
-          <a:bodyPr/>
+          <a:bodyPr>
+            <a:normAutofit/>
+          </a:bodyPr>
           <a:lstStyle/>
           <a:p>
             <a:r>
               <a:rPr lang="en-US" dirty="0">
                 <a:solidFill>
-                  <a:srgbClr val="1F4E79"/>
-                </a:solidFill>
-              </a:rPr>
-              <a:t>Twitter: @</a:t>
+                  <a:schemeClr val="accent5">
+                    <a:lumMod val="50000"/>
+                  </a:schemeClr>
+                </a:solidFill>
+              </a:rPr>
+              <a:t>Convert Celsius to </a:t>
             </a:r>
             <a:r>
               <a:rPr lang="en-US" dirty="0" err="1">
                 <a:solidFill>
-                  <a:srgbClr val="1F4E79"/>
-                </a:solidFill>
-              </a:rPr>
-              <a:t>TheNurl</a:t>
+                  <a:schemeClr val="accent5">
+                    <a:lumMod val="50000"/>
+                  </a:schemeClr>
+                </a:solidFill>
+              </a:rPr>
+              <a:t>Farhrenheit</a:t>
             </a:r>
             <a:endParaRPr lang="en-US" dirty="0">
               <a:solidFill>
-                <a:srgbClr val="1F4E79"/>
+                <a:schemeClr val="accent5">
+                  <a:lumMod val="50000"/>
+                </a:schemeClr>
               </a:solidFill>
             </a:endParaRPr>
           </a:p>
           <a:p>
-            <a:r>
-              <a:rPr lang="en-US" dirty="0">
-                <a:solidFill>
-                  <a:srgbClr val="1F4E79"/>
-                </a:solidFill>
-              </a:rPr>
-              <a:t>GitHub: </a:t>
-            </a:r>
-            <a:r>
-              <a:rPr lang="en-US" dirty="0">
-                <a:solidFill>
-                  <a:srgbClr val="1F4E79"/>
-                </a:solidFill>
-                <a:hlinkClick r:id="rId2"/>
-              </a:rPr>
-              <a:t>https://github.com/ehennis</a:t>
-            </a:r>
+            <a:pPr marL="0" indent="0">
+              <a:buNone/>
+            </a:pPr>
             <a:endParaRPr lang="en-US" dirty="0">
               <a:solidFill>
-                <a:srgbClr val="1F4E79"/>
+                <a:schemeClr val="accent5">
+                  <a:lumMod val="50000"/>
+                </a:schemeClr>
               </a:solidFill>
             </a:endParaRPr>
           </a:p>
           <a:p>
-            <a:r>
-              <a:rPr lang="en-US" dirty="0">
-                <a:solidFill>
-                  <a:srgbClr val="1F4E79"/>
-                </a:solidFill>
-              </a:rPr>
-              <a:t>YouTube: Evan Hennis</a:t>
-            </a:r>
-          </a:p>
-          <a:p>
-            <a:r>
-              <a:rPr lang="en-US" dirty="0">
-                <a:solidFill>
-                  <a:srgbClr val="1F4E79"/>
-                </a:solidFill>
-              </a:rPr>
-              <a:t>Blog: </a:t>
-            </a:r>
-            <a:r>
-              <a:rPr lang="en-US" dirty="0">
-                <a:solidFill>
-                  <a:srgbClr val="1F4E79"/>
-                </a:solidFill>
-                <a:hlinkClick r:id="rId3"/>
-              </a:rPr>
-              <a:t>http://blog.eckronsoftware.com</a:t>
-            </a:r>
             <a:endParaRPr lang="en-US" dirty="0">
               <a:solidFill>
-                <a:srgbClr val="1F4E79"/>
-              </a:solidFill>
-            </a:endParaRPr>
-          </a:p>
-          <a:p>
-            <a:r>
-              <a:rPr lang="en-US" dirty="0">
-                <a:solidFill>
-                  <a:srgbClr val="1F4E79"/>
-                </a:solidFill>
-              </a:rPr>
-              <a:t>Email: </a:t>
-            </a:r>
-            <a:r>
-              <a:rPr lang="en-US" dirty="0">
-                <a:solidFill>
-                  <a:srgbClr val="1F4E79"/>
-                </a:solidFill>
-                <a:hlinkClick r:id="rId4"/>
-              </a:rPr>
-              <a:t>EvanHennis@gmail.com</a:t>
-            </a:r>
-            <a:endParaRPr lang="en-US" dirty="0">
-              <a:solidFill>
-                <a:srgbClr val="1F4E79"/>
+                <a:schemeClr val="accent5">
+                  <a:lumMod val="50000"/>
+                </a:schemeClr>
               </a:solidFill>
             </a:endParaRPr>
           </a:p>
@@ -5399,7 +9651,135 @@
     </p:spTree>
     <p:extLst>
       <p:ext uri="{BB962C8B-B14F-4D97-AF65-F5344CB8AC3E}">
-        <p14:creationId xmlns:p14="http://schemas.microsoft.com/office/powerpoint/2010/main" val="3640291696"/>
+        <p14:creationId xmlns:p14="http://schemas.microsoft.com/office/powerpoint/2010/main" val="690751750"/>
+      </p:ext>
+    </p:extLst>
+  </p:cSld>
+  <p:clrMapOvr>
+    <a:masterClrMapping/>
+  </p:clrMapOvr>
+</p:sld>
+</file>
+
+<file path=ppt/slides/slide9.xml><?xml version="1.0" encoding="utf-8"?>
+<p:sld xmlns:a="http://schemas.openxmlformats.org/drawingml/2006/main" xmlns:r="http://schemas.openxmlformats.org/officeDocument/2006/relationships" xmlns:p="http://schemas.openxmlformats.org/presentationml/2006/main">
+  <p:cSld>
+    <p:spTree>
+      <p:nvGrpSpPr>
+        <p:cNvPr id="1" name=""/>
+        <p:cNvGrpSpPr/>
+        <p:nvPr/>
+      </p:nvGrpSpPr>
+      <p:grpSpPr>
+        <a:xfrm>
+          <a:off x="0" y="0"/>
+          <a:ext cx="0" cy="0"/>
+          <a:chOff x="0" y="0"/>
+          <a:chExt cx="0" cy="0"/>
+        </a:xfrm>
+      </p:grpSpPr>
+      <p:sp>
+        <p:nvSpPr>
+          <p:cNvPr id="2" name="Title 1">
+            <a:extLst>
+              <a:ext uri="{FF2B5EF4-FFF2-40B4-BE49-F238E27FC236}">
+                <a16:creationId xmlns:a16="http://schemas.microsoft.com/office/drawing/2014/main" id="{DE3CDF8B-9B55-4731-A3D9-E0EE17213FF4}"/>
+              </a:ext>
+            </a:extLst>
+          </p:cNvPr>
+          <p:cNvSpPr>
+            <a:spLocks noGrp="1"/>
+          </p:cNvSpPr>
+          <p:nvPr>
+            <p:ph type="title"/>
+          </p:nvPr>
+        </p:nvSpPr>
+        <p:spPr/>
+        <p:txBody>
+          <a:bodyPr/>
+          <a:lstStyle/>
+          <a:p>
+            <a:r>
+              <a:rPr lang="en-US" dirty="0">
+                <a:solidFill>
+                  <a:schemeClr val="accent5">
+                    <a:lumMod val="50000"/>
+                  </a:schemeClr>
+                </a:solidFill>
+              </a:rPr>
+              <a:t>Manual Model: Create Notebook</a:t>
+            </a:r>
+          </a:p>
+        </p:txBody>
+      </p:sp>
+      <p:sp>
+        <p:nvSpPr>
+          <p:cNvPr id="3" name="Content Placeholder 2">
+            <a:extLst>
+              <a:ext uri="{FF2B5EF4-FFF2-40B4-BE49-F238E27FC236}">
+                <a16:creationId xmlns:a16="http://schemas.microsoft.com/office/drawing/2014/main" id="{9B6FFEAB-96DA-4594-8268-CFF457266D8E}"/>
+              </a:ext>
+            </a:extLst>
+          </p:cNvPr>
+          <p:cNvSpPr>
+            <a:spLocks noGrp="1"/>
+          </p:cNvSpPr>
+          <p:nvPr>
+            <p:ph idx="1"/>
+          </p:nvPr>
+        </p:nvSpPr>
+        <p:spPr/>
+        <p:txBody>
+          <a:bodyPr>
+            <a:normAutofit/>
+          </a:bodyPr>
+          <a:lstStyle/>
+          <a:p>
+            <a:r>
+              <a:rPr lang="en-US" dirty="0" err="1">
+                <a:solidFill>
+                  <a:schemeClr val="accent5">
+                    <a:lumMod val="50000"/>
+                  </a:schemeClr>
+                </a:solidFill>
+              </a:rPr>
+              <a:t>ToDo</a:t>
+            </a:r>
+            <a:endParaRPr lang="en-US" dirty="0">
+              <a:solidFill>
+                <a:schemeClr val="accent5">
+                  <a:lumMod val="50000"/>
+                </a:schemeClr>
+              </a:solidFill>
+            </a:endParaRPr>
+          </a:p>
+          <a:p>
+            <a:pPr marL="0" indent="0">
+              <a:buNone/>
+            </a:pPr>
+            <a:endParaRPr lang="en-US" dirty="0">
+              <a:solidFill>
+                <a:schemeClr val="accent5">
+                  <a:lumMod val="50000"/>
+                </a:schemeClr>
+              </a:solidFill>
+            </a:endParaRPr>
+          </a:p>
+          <a:p>
+            <a:endParaRPr lang="en-US" dirty="0">
+              <a:solidFill>
+                <a:schemeClr val="accent5">
+                  <a:lumMod val="50000"/>
+                </a:schemeClr>
+              </a:solidFill>
+            </a:endParaRPr>
+          </a:p>
+        </p:txBody>
+      </p:sp>
+    </p:spTree>
+    <p:extLst>
+      <p:ext uri="{BB962C8B-B14F-4D97-AF65-F5344CB8AC3E}">
+        <p14:creationId xmlns:p14="http://schemas.microsoft.com/office/powerpoint/2010/main" val="48192955"/>
       </p:ext>
     </p:extLst>
   </p:cSld>

--- a/AzureML/NebraskaCode.pptx
+++ b/AzureML/NebraskaCode.pptx
@@ -5,7 +5,7 @@
     <p:sldMasterId id="2147483648" r:id="rId1"/>
   </p:sldMasterIdLst>
   <p:notesMasterIdLst>
-    <p:notesMasterId r:id="rId26"/>
+    <p:notesMasterId r:id="rId33"/>
   </p:notesMasterIdLst>
   <p:sldIdLst>
     <p:sldId id="270" r:id="rId2"/>
@@ -19,19 +19,26 @@
     <p:sldId id="330" r:id="rId10"/>
     <p:sldId id="331" r:id="rId11"/>
     <p:sldId id="332" r:id="rId12"/>
-    <p:sldId id="333" r:id="rId13"/>
-    <p:sldId id="322" r:id="rId14"/>
-    <p:sldId id="323" r:id="rId15"/>
-    <p:sldId id="324" r:id="rId16"/>
-    <p:sldId id="325" r:id="rId17"/>
-    <p:sldId id="326" r:id="rId18"/>
-    <p:sldId id="327" r:id="rId19"/>
-    <p:sldId id="328" r:id="rId20"/>
-    <p:sldId id="320" r:id="rId21"/>
-    <p:sldId id="321" r:id="rId22"/>
-    <p:sldId id="288" r:id="rId23"/>
-    <p:sldId id="274" r:id="rId24"/>
-    <p:sldId id="282" r:id="rId25"/>
+    <p:sldId id="334" r:id="rId13"/>
+    <p:sldId id="333" r:id="rId14"/>
+    <p:sldId id="335" r:id="rId15"/>
+    <p:sldId id="336" r:id="rId16"/>
+    <p:sldId id="337" r:id="rId17"/>
+    <p:sldId id="338" r:id="rId18"/>
+    <p:sldId id="339" r:id="rId19"/>
+    <p:sldId id="340" r:id="rId20"/>
+    <p:sldId id="322" r:id="rId21"/>
+    <p:sldId id="323" r:id="rId22"/>
+    <p:sldId id="324" r:id="rId23"/>
+    <p:sldId id="325" r:id="rId24"/>
+    <p:sldId id="326" r:id="rId25"/>
+    <p:sldId id="327" r:id="rId26"/>
+    <p:sldId id="328" r:id="rId27"/>
+    <p:sldId id="320" r:id="rId28"/>
+    <p:sldId id="321" r:id="rId29"/>
+    <p:sldId id="288" r:id="rId30"/>
+    <p:sldId id="274" r:id="rId31"/>
+    <p:sldId id="282" r:id="rId32"/>
   </p:sldIdLst>
   <p:sldSz cx="12192000" cy="6858000"/>
   <p:notesSz cx="6858000" cy="9144000"/>
@@ -648,7 +655,7 @@
     </p:spTree>
     <p:extLst>
       <p:ext uri="{BB962C8B-B14F-4D97-AF65-F5344CB8AC3E}">
-        <p14:creationId xmlns:p14="http://schemas.microsoft.com/office/powerpoint/2010/main" val="1268593285"/>
+        <p14:creationId xmlns:p14="http://schemas.microsoft.com/office/powerpoint/2010/main" val="4040926792"/>
       </p:ext>
     </p:extLst>
   </p:cSld>
@@ -732,7 +739,7 @@
     </p:spTree>
     <p:extLst>
       <p:ext uri="{BB962C8B-B14F-4D97-AF65-F5344CB8AC3E}">
-        <p14:creationId xmlns:p14="http://schemas.microsoft.com/office/powerpoint/2010/main" val="1263162688"/>
+        <p14:creationId xmlns:p14="http://schemas.microsoft.com/office/powerpoint/2010/main" val="3644832565"/>
       </p:ext>
     </p:extLst>
   </p:cSld>
@@ -816,7 +823,7 @@
     </p:spTree>
     <p:extLst>
       <p:ext uri="{BB962C8B-B14F-4D97-AF65-F5344CB8AC3E}">
-        <p14:creationId xmlns:p14="http://schemas.microsoft.com/office/powerpoint/2010/main" val="1486869160"/>
+        <p14:creationId xmlns:p14="http://schemas.microsoft.com/office/powerpoint/2010/main" val="3712928674"/>
       </p:ext>
     </p:extLst>
   </p:cSld>
@@ -900,7 +907,7 @@
     </p:spTree>
     <p:extLst>
       <p:ext uri="{BB962C8B-B14F-4D97-AF65-F5344CB8AC3E}">
-        <p14:creationId xmlns:p14="http://schemas.microsoft.com/office/powerpoint/2010/main" val="680728942"/>
+        <p14:creationId xmlns:p14="http://schemas.microsoft.com/office/powerpoint/2010/main" val="1957925578"/>
       </p:ext>
     </p:extLst>
   </p:cSld>
@@ -984,7 +991,7 @@
     </p:spTree>
     <p:extLst>
       <p:ext uri="{BB962C8B-B14F-4D97-AF65-F5344CB8AC3E}">
-        <p14:creationId xmlns:p14="http://schemas.microsoft.com/office/powerpoint/2010/main" val="891150640"/>
+        <p14:creationId xmlns:p14="http://schemas.microsoft.com/office/powerpoint/2010/main" val="1402039490"/>
       </p:ext>
     </p:extLst>
   </p:cSld>
@@ -1068,7 +1075,7 @@
     </p:spTree>
     <p:extLst>
       <p:ext uri="{BB962C8B-B14F-4D97-AF65-F5344CB8AC3E}">
-        <p14:creationId xmlns:p14="http://schemas.microsoft.com/office/powerpoint/2010/main" val="2943135420"/>
+        <p14:creationId xmlns:p14="http://schemas.microsoft.com/office/powerpoint/2010/main" val="3413394857"/>
       </p:ext>
     </p:extLst>
   </p:cSld>
@@ -1152,7 +1159,7 @@
     </p:spTree>
     <p:extLst>
       <p:ext uri="{BB962C8B-B14F-4D97-AF65-F5344CB8AC3E}">
-        <p14:creationId xmlns:p14="http://schemas.microsoft.com/office/powerpoint/2010/main" val="1433111018"/>
+        <p14:creationId xmlns:p14="http://schemas.microsoft.com/office/powerpoint/2010/main" val="3790111828"/>
       </p:ext>
     </p:extLst>
   </p:cSld>
@@ -1236,7 +1243,7 @@
     </p:spTree>
     <p:extLst>
       <p:ext uri="{BB962C8B-B14F-4D97-AF65-F5344CB8AC3E}">
-        <p14:creationId xmlns:p14="http://schemas.microsoft.com/office/powerpoint/2010/main" val="1101605027"/>
+        <p14:creationId xmlns:p14="http://schemas.microsoft.com/office/powerpoint/2010/main" val="1268593285"/>
       </p:ext>
     </p:extLst>
   </p:cSld>
@@ -1320,7 +1327,91 @@
     </p:spTree>
     <p:extLst>
       <p:ext uri="{BB962C8B-B14F-4D97-AF65-F5344CB8AC3E}">
-        <p14:creationId xmlns:p14="http://schemas.microsoft.com/office/powerpoint/2010/main" val="3118113497"/>
+        <p14:creationId xmlns:p14="http://schemas.microsoft.com/office/powerpoint/2010/main" val="1263162688"/>
+      </p:ext>
+    </p:extLst>
+  </p:cSld>
+  <p:clrMapOvr>
+    <a:masterClrMapping/>
+  </p:clrMapOvr>
+</p:notes>
+</file>
+
+<file path=ppt/notesSlides/notesSlide19.xml><?xml version="1.0" encoding="utf-8"?>
+<p:notes xmlns:a="http://schemas.openxmlformats.org/drawingml/2006/main" xmlns:r="http://schemas.openxmlformats.org/officeDocument/2006/relationships" xmlns:p="http://schemas.openxmlformats.org/presentationml/2006/main">
+  <p:cSld>
+    <p:spTree>
+      <p:nvGrpSpPr>
+        <p:cNvPr id="1" name=""/>
+        <p:cNvGrpSpPr/>
+        <p:nvPr/>
+      </p:nvGrpSpPr>
+      <p:grpSpPr>
+        <a:xfrm>
+          <a:off x="0" y="0"/>
+          <a:ext cx="0" cy="0"/>
+          <a:chOff x="0" y="0"/>
+          <a:chExt cx="0" cy="0"/>
+        </a:xfrm>
+      </p:grpSpPr>
+      <p:sp>
+        <p:nvSpPr>
+          <p:cNvPr id="2" name="Slide Image Placeholder 1"/>
+          <p:cNvSpPr>
+            <a:spLocks noGrp="1" noRot="1" noChangeAspect="1"/>
+          </p:cNvSpPr>
+          <p:nvPr>
+            <p:ph type="sldImg"/>
+          </p:nvPr>
+        </p:nvSpPr>
+        <p:spPr/>
+      </p:sp>
+      <p:sp>
+        <p:nvSpPr>
+          <p:cNvPr id="3" name="Notes Placeholder 2"/>
+          <p:cNvSpPr>
+            <a:spLocks noGrp="1"/>
+          </p:cNvSpPr>
+          <p:nvPr>
+            <p:ph type="body" idx="1"/>
+          </p:nvPr>
+        </p:nvSpPr>
+        <p:spPr/>
+        <p:txBody>
+          <a:bodyPr/>
+          <a:lstStyle/>
+          <a:p>
+            <a:endParaRPr lang="en-US" dirty="0"/>
+          </a:p>
+        </p:txBody>
+      </p:sp>
+      <p:sp>
+        <p:nvSpPr>
+          <p:cNvPr id="4" name="Slide Number Placeholder 3"/>
+          <p:cNvSpPr>
+            <a:spLocks noGrp="1"/>
+          </p:cNvSpPr>
+          <p:nvPr>
+            <p:ph type="sldNum" sz="quarter" idx="5"/>
+          </p:nvPr>
+        </p:nvSpPr>
+        <p:spPr/>
+        <p:txBody>
+          <a:bodyPr/>
+          <a:lstStyle/>
+          <a:p>
+            <a:fld id="{49A70453-7C67-4726-B763-ED32EAAD6684}" type="slidenum">
+              <a:rPr lang="en-US" smtClean="0"/>
+              <a:t>22</a:t>
+            </a:fld>
+            <a:endParaRPr lang="en-US"/>
+          </a:p>
+        </p:txBody>
+      </p:sp>
+    </p:spTree>
+    <p:extLst>
+      <p:ext uri="{BB962C8B-B14F-4D97-AF65-F5344CB8AC3E}">
+        <p14:creationId xmlns:p14="http://schemas.microsoft.com/office/powerpoint/2010/main" val="1486869160"/>
       </p:ext>
     </p:extLst>
   </p:cSld>
@@ -1405,6 +1496,510 @@
     <p:extLst>
       <p:ext uri="{BB962C8B-B14F-4D97-AF65-F5344CB8AC3E}">
         <p14:creationId xmlns:p14="http://schemas.microsoft.com/office/powerpoint/2010/main" val="2597515831"/>
+      </p:ext>
+    </p:extLst>
+  </p:cSld>
+  <p:clrMapOvr>
+    <a:masterClrMapping/>
+  </p:clrMapOvr>
+</p:notes>
+</file>
+
+<file path=ppt/notesSlides/notesSlide20.xml><?xml version="1.0" encoding="utf-8"?>
+<p:notes xmlns:a="http://schemas.openxmlformats.org/drawingml/2006/main" xmlns:r="http://schemas.openxmlformats.org/officeDocument/2006/relationships" xmlns:p="http://schemas.openxmlformats.org/presentationml/2006/main">
+  <p:cSld>
+    <p:spTree>
+      <p:nvGrpSpPr>
+        <p:cNvPr id="1" name=""/>
+        <p:cNvGrpSpPr/>
+        <p:nvPr/>
+      </p:nvGrpSpPr>
+      <p:grpSpPr>
+        <a:xfrm>
+          <a:off x="0" y="0"/>
+          <a:ext cx="0" cy="0"/>
+          <a:chOff x="0" y="0"/>
+          <a:chExt cx="0" cy="0"/>
+        </a:xfrm>
+      </p:grpSpPr>
+      <p:sp>
+        <p:nvSpPr>
+          <p:cNvPr id="2" name="Slide Image Placeholder 1"/>
+          <p:cNvSpPr>
+            <a:spLocks noGrp="1" noRot="1" noChangeAspect="1"/>
+          </p:cNvSpPr>
+          <p:nvPr>
+            <p:ph type="sldImg"/>
+          </p:nvPr>
+        </p:nvSpPr>
+        <p:spPr/>
+      </p:sp>
+      <p:sp>
+        <p:nvSpPr>
+          <p:cNvPr id="3" name="Notes Placeholder 2"/>
+          <p:cNvSpPr>
+            <a:spLocks noGrp="1"/>
+          </p:cNvSpPr>
+          <p:nvPr>
+            <p:ph type="body" idx="1"/>
+          </p:nvPr>
+        </p:nvSpPr>
+        <p:spPr/>
+        <p:txBody>
+          <a:bodyPr/>
+          <a:lstStyle/>
+          <a:p>
+            <a:endParaRPr lang="en-US" dirty="0"/>
+          </a:p>
+        </p:txBody>
+      </p:sp>
+      <p:sp>
+        <p:nvSpPr>
+          <p:cNvPr id="4" name="Slide Number Placeholder 3"/>
+          <p:cNvSpPr>
+            <a:spLocks noGrp="1"/>
+          </p:cNvSpPr>
+          <p:nvPr>
+            <p:ph type="sldNum" sz="quarter" idx="5"/>
+          </p:nvPr>
+        </p:nvSpPr>
+        <p:spPr/>
+        <p:txBody>
+          <a:bodyPr/>
+          <a:lstStyle/>
+          <a:p>
+            <a:fld id="{49A70453-7C67-4726-B763-ED32EAAD6684}" type="slidenum">
+              <a:rPr lang="en-US" smtClean="0"/>
+              <a:t>23</a:t>
+            </a:fld>
+            <a:endParaRPr lang="en-US"/>
+          </a:p>
+        </p:txBody>
+      </p:sp>
+    </p:spTree>
+    <p:extLst>
+      <p:ext uri="{BB962C8B-B14F-4D97-AF65-F5344CB8AC3E}">
+        <p14:creationId xmlns:p14="http://schemas.microsoft.com/office/powerpoint/2010/main" val="680728942"/>
+      </p:ext>
+    </p:extLst>
+  </p:cSld>
+  <p:clrMapOvr>
+    <a:masterClrMapping/>
+  </p:clrMapOvr>
+</p:notes>
+</file>
+
+<file path=ppt/notesSlides/notesSlide21.xml><?xml version="1.0" encoding="utf-8"?>
+<p:notes xmlns:a="http://schemas.openxmlformats.org/drawingml/2006/main" xmlns:r="http://schemas.openxmlformats.org/officeDocument/2006/relationships" xmlns:p="http://schemas.openxmlformats.org/presentationml/2006/main">
+  <p:cSld>
+    <p:spTree>
+      <p:nvGrpSpPr>
+        <p:cNvPr id="1" name=""/>
+        <p:cNvGrpSpPr/>
+        <p:nvPr/>
+      </p:nvGrpSpPr>
+      <p:grpSpPr>
+        <a:xfrm>
+          <a:off x="0" y="0"/>
+          <a:ext cx="0" cy="0"/>
+          <a:chOff x="0" y="0"/>
+          <a:chExt cx="0" cy="0"/>
+        </a:xfrm>
+      </p:grpSpPr>
+      <p:sp>
+        <p:nvSpPr>
+          <p:cNvPr id="2" name="Slide Image Placeholder 1"/>
+          <p:cNvSpPr>
+            <a:spLocks noGrp="1" noRot="1" noChangeAspect="1"/>
+          </p:cNvSpPr>
+          <p:nvPr>
+            <p:ph type="sldImg"/>
+          </p:nvPr>
+        </p:nvSpPr>
+        <p:spPr/>
+      </p:sp>
+      <p:sp>
+        <p:nvSpPr>
+          <p:cNvPr id="3" name="Notes Placeholder 2"/>
+          <p:cNvSpPr>
+            <a:spLocks noGrp="1"/>
+          </p:cNvSpPr>
+          <p:nvPr>
+            <p:ph type="body" idx="1"/>
+          </p:nvPr>
+        </p:nvSpPr>
+        <p:spPr/>
+        <p:txBody>
+          <a:bodyPr/>
+          <a:lstStyle/>
+          <a:p>
+            <a:endParaRPr lang="en-US" dirty="0"/>
+          </a:p>
+        </p:txBody>
+      </p:sp>
+      <p:sp>
+        <p:nvSpPr>
+          <p:cNvPr id="4" name="Slide Number Placeholder 3"/>
+          <p:cNvSpPr>
+            <a:spLocks noGrp="1"/>
+          </p:cNvSpPr>
+          <p:nvPr>
+            <p:ph type="sldNum" sz="quarter" idx="5"/>
+          </p:nvPr>
+        </p:nvSpPr>
+        <p:spPr/>
+        <p:txBody>
+          <a:bodyPr/>
+          <a:lstStyle/>
+          <a:p>
+            <a:fld id="{49A70453-7C67-4726-B763-ED32EAAD6684}" type="slidenum">
+              <a:rPr lang="en-US" smtClean="0"/>
+              <a:t>24</a:t>
+            </a:fld>
+            <a:endParaRPr lang="en-US"/>
+          </a:p>
+        </p:txBody>
+      </p:sp>
+    </p:spTree>
+    <p:extLst>
+      <p:ext uri="{BB962C8B-B14F-4D97-AF65-F5344CB8AC3E}">
+        <p14:creationId xmlns:p14="http://schemas.microsoft.com/office/powerpoint/2010/main" val="891150640"/>
+      </p:ext>
+    </p:extLst>
+  </p:cSld>
+  <p:clrMapOvr>
+    <a:masterClrMapping/>
+  </p:clrMapOvr>
+</p:notes>
+</file>
+
+<file path=ppt/notesSlides/notesSlide22.xml><?xml version="1.0" encoding="utf-8"?>
+<p:notes xmlns:a="http://schemas.openxmlformats.org/drawingml/2006/main" xmlns:r="http://schemas.openxmlformats.org/officeDocument/2006/relationships" xmlns:p="http://schemas.openxmlformats.org/presentationml/2006/main">
+  <p:cSld>
+    <p:spTree>
+      <p:nvGrpSpPr>
+        <p:cNvPr id="1" name=""/>
+        <p:cNvGrpSpPr/>
+        <p:nvPr/>
+      </p:nvGrpSpPr>
+      <p:grpSpPr>
+        <a:xfrm>
+          <a:off x="0" y="0"/>
+          <a:ext cx="0" cy="0"/>
+          <a:chOff x="0" y="0"/>
+          <a:chExt cx="0" cy="0"/>
+        </a:xfrm>
+      </p:grpSpPr>
+      <p:sp>
+        <p:nvSpPr>
+          <p:cNvPr id="2" name="Slide Image Placeholder 1"/>
+          <p:cNvSpPr>
+            <a:spLocks noGrp="1" noRot="1" noChangeAspect="1"/>
+          </p:cNvSpPr>
+          <p:nvPr>
+            <p:ph type="sldImg"/>
+          </p:nvPr>
+        </p:nvSpPr>
+        <p:spPr/>
+      </p:sp>
+      <p:sp>
+        <p:nvSpPr>
+          <p:cNvPr id="3" name="Notes Placeholder 2"/>
+          <p:cNvSpPr>
+            <a:spLocks noGrp="1"/>
+          </p:cNvSpPr>
+          <p:nvPr>
+            <p:ph type="body" idx="1"/>
+          </p:nvPr>
+        </p:nvSpPr>
+        <p:spPr/>
+        <p:txBody>
+          <a:bodyPr/>
+          <a:lstStyle/>
+          <a:p>
+            <a:endParaRPr lang="en-US" dirty="0"/>
+          </a:p>
+        </p:txBody>
+      </p:sp>
+      <p:sp>
+        <p:nvSpPr>
+          <p:cNvPr id="4" name="Slide Number Placeholder 3"/>
+          <p:cNvSpPr>
+            <a:spLocks noGrp="1"/>
+          </p:cNvSpPr>
+          <p:nvPr>
+            <p:ph type="sldNum" sz="quarter" idx="5"/>
+          </p:nvPr>
+        </p:nvSpPr>
+        <p:spPr/>
+        <p:txBody>
+          <a:bodyPr/>
+          <a:lstStyle/>
+          <a:p>
+            <a:fld id="{49A70453-7C67-4726-B763-ED32EAAD6684}" type="slidenum">
+              <a:rPr lang="en-US" smtClean="0"/>
+              <a:t>25</a:t>
+            </a:fld>
+            <a:endParaRPr lang="en-US"/>
+          </a:p>
+        </p:txBody>
+      </p:sp>
+    </p:spTree>
+    <p:extLst>
+      <p:ext uri="{BB962C8B-B14F-4D97-AF65-F5344CB8AC3E}">
+        <p14:creationId xmlns:p14="http://schemas.microsoft.com/office/powerpoint/2010/main" val="2943135420"/>
+      </p:ext>
+    </p:extLst>
+  </p:cSld>
+  <p:clrMapOvr>
+    <a:masterClrMapping/>
+  </p:clrMapOvr>
+</p:notes>
+</file>
+
+<file path=ppt/notesSlides/notesSlide23.xml><?xml version="1.0" encoding="utf-8"?>
+<p:notes xmlns:a="http://schemas.openxmlformats.org/drawingml/2006/main" xmlns:r="http://schemas.openxmlformats.org/officeDocument/2006/relationships" xmlns:p="http://schemas.openxmlformats.org/presentationml/2006/main">
+  <p:cSld>
+    <p:spTree>
+      <p:nvGrpSpPr>
+        <p:cNvPr id="1" name=""/>
+        <p:cNvGrpSpPr/>
+        <p:nvPr/>
+      </p:nvGrpSpPr>
+      <p:grpSpPr>
+        <a:xfrm>
+          <a:off x="0" y="0"/>
+          <a:ext cx="0" cy="0"/>
+          <a:chOff x="0" y="0"/>
+          <a:chExt cx="0" cy="0"/>
+        </a:xfrm>
+      </p:grpSpPr>
+      <p:sp>
+        <p:nvSpPr>
+          <p:cNvPr id="2" name="Slide Image Placeholder 1"/>
+          <p:cNvSpPr>
+            <a:spLocks noGrp="1" noRot="1" noChangeAspect="1"/>
+          </p:cNvSpPr>
+          <p:nvPr>
+            <p:ph type="sldImg"/>
+          </p:nvPr>
+        </p:nvSpPr>
+        <p:spPr/>
+      </p:sp>
+      <p:sp>
+        <p:nvSpPr>
+          <p:cNvPr id="3" name="Notes Placeholder 2"/>
+          <p:cNvSpPr>
+            <a:spLocks noGrp="1"/>
+          </p:cNvSpPr>
+          <p:nvPr>
+            <p:ph type="body" idx="1"/>
+          </p:nvPr>
+        </p:nvSpPr>
+        <p:spPr/>
+        <p:txBody>
+          <a:bodyPr/>
+          <a:lstStyle/>
+          <a:p>
+            <a:endParaRPr lang="en-US" dirty="0"/>
+          </a:p>
+        </p:txBody>
+      </p:sp>
+      <p:sp>
+        <p:nvSpPr>
+          <p:cNvPr id="4" name="Slide Number Placeholder 3"/>
+          <p:cNvSpPr>
+            <a:spLocks noGrp="1"/>
+          </p:cNvSpPr>
+          <p:nvPr>
+            <p:ph type="sldNum" sz="quarter" idx="5"/>
+          </p:nvPr>
+        </p:nvSpPr>
+        <p:spPr/>
+        <p:txBody>
+          <a:bodyPr/>
+          <a:lstStyle/>
+          <a:p>
+            <a:fld id="{49A70453-7C67-4726-B763-ED32EAAD6684}" type="slidenum">
+              <a:rPr lang="en-US" smtClean="0"/>
+              <a:t>26</a:t>
+            </a:fld>
+            <a:endParaRPr lang="en-US"/>
+          </a:p>
+        </p:txBody>
+      </p:sp>
+    </p:spTree>
+    <p:extLst>
+      <p:ext uri="{BB962C8B-B14F-4D97-AF65-F5344CB8AC3E}">
+        <p14:creationId xmlns:p14="http://schemas.microsoft.com/office/powerpoint/2010/main" val="1433111018"/>
+      </p:ext>
+    </p:extLst>
+  </p:cSld>
+  <p:clrMapOvr>
+    <a:masterClrMapping/>
+  </p:clrMapOvr>
+</p:notes>
+</file>
+
+<file path=ppt/notesSlides/notesSlide24.xml><?xml version="1.0" encoding="utf-8"?>
+<p:notes xmlns:a="http://schemas.openxmlformats.org/drawingml/2006/main" xmlns:r="http://schemas.openxmlformats.org/officeDocument/2006/relationships" xmlns:p="http://schemas.openxmlformats.org/presentationml/2006/main">
+  <p:cSld>
+    <p:spTree>
+      <p:nvGrpSpPr>
+        <p:cNvPr id="1" name=""/>
+        <p:cNvGrpSpPr/>
+        <p:nvPr/>
+      </p:nvGrpSpPr>
+      <p:grpSpPr>
+        <a:xfrm>
+          <a:off x="0" y="0"/>
+          <a:ext cx="0" cy="0"/>
+          <a:chOff x="0" y="0"/>
+          <a:chExt cx="0" cy="0"/>
+        </a:xfrm>
+      </p:grpSpPr>
+      <p:sp>
+        <p:nvSpPr>
+          <p:cNvPr id="2" name="Slide Image Placeholder 1"/>
+          <p:cNvSpPr>
+            <a:spLocks noGrp="1" noRot="1" noChangeAspect="1"/>
+          </p:cNvSpPr>
+          <p:nvPr>
+            <p:ph type="sldImg"/>
+          </p:nvPr>
+        </p:nvSpPr>
+        <p:spPr/>
+      </p:sp>
+      <p:sp>
+        <p:nvSpPr>
+          <p:cNvPr id="3" name="Notes Placeholder 2"/>
+          <p:cNvSpPr>
+            <a:spLocks noGrp="1"/>
+          </p:cNvSpPr>
+          <p:nvPr>
+            <p:ph type="body" idx="1"/>
+          </p:nvPr>
+        </p:nvSpPr>
+        <p:spPr/>
+        <p:txBody>
+          <a:bodyPr/>
+          <a:lstStyle/>
+          <a:p>
+            <a:endParaRPr lang="en-US" dirty="0"/>
+          </a:p>
+        </p:txBody>
+      </p:sp>
+      <p:sp>
+        <p:nvSpPr>
+          <p:cNvPr id="4" name="Slide Number Placeholder 3"/>
+          <p:cNvSpPr>
+            <a:spLocks noGrp="1"/>
+          </p:cNvSpPr>
+          <p:nvPr>
+            <p:ph type="sldNum" sz="quarter" idx="5"/>
+          </p:nvPr>
+        </p:nvSpPr>
+        <p:spPr/>
+        <p:txBody>
+          <a:bodyPr/>
+          <a:lstStyle/>
+          <a:p>
+            <a:fld id="{49A70453-7C67-4726-B763-ED32EAAD6684}" type="slidenum">
+              <a:rPr lang="en-US" smtClean="0"/>
+              <a:t>27</a:t>
+            </a:fld>
+            <a:endParaRPr lang="en-US"/>
+          </a:p>
+        </p:txBody>
+      </p:sp>
+    </p:spTree>
+    <p:extLst>
+      <p:ext uri="{BB962C8B-B14F-4D97-AF65-F5344CB8AC3E}">
+        <p14:creationId xmlns:p14="http://schemas.microsoft.com/office/powerpoint/2010/main" val="1101605027"/>
+      </p:ext>
+    </p:extLst>
+  </p:cSld>
+  <p:clrMapOvr>
+    <a:masterClrMapping/>
+  </p:clrMapOvr>
+</p:notes>
+</file>
+
+<file path=ppt/notesSlides/notesSlide25.xml><?xml version="1.0" encoding="utf-8"?>
+<p:notes xmlns:a="http://schemas.openxmlformats.org/drawingml/2006/main" xmlns:r="http://schemas.openxmlformats.org/officeDocument/2006/relationships" xmlns:p="http://schemas.openxmlformats.org/presentationml/2006/main">
+  <p:cSld>
+    <p:spTree>
+      <p:nvGrpSpPr>
+        <p:cNvPr id="1" name=""/>
+        <p:cNvGrpSpPr/>
+        <p:nvPr/>
+      </p:nvGrpSpPr>
+      <p:grpSpPr>
+        <a:xfrm>
+          <a:off x="0" y="0"/>
+          <a:ext cx="0" cy="0"/>
+          <a:chOff x="0" y="0"/>
+          <a:chExt cx="0" cy="0"/>
+        </a:xfrm>
+      </p:grpSpPr>
+      <p:sp>
+        <p:nvSpPr>
+          <p:cNvPr id="2" name="Slide Image Placeholder 1"/>
+          <p:cNvSpPr>
+            <a:spLocks noGrp="1" noRot="1" noChangeAspect="1"/>
+          </p:cNvSpPr>
+          <p:nvPr>
+            <p:ph type="sldImg"/>
+          </p:nvPr>
+        </p:nvSpPr>
+        <p:spPr/>
+      </p:sp>
+      <p:sp>
+        <p:nvSpPr>
+          <p:cNvPr id="3" name="Notes Placeholder 2"/>
+          <p:cNvSpPr>
+            <a:spLocks noGrp="1"/>
+          </p:cNvSpPr>
+          <p:nvPr>
+            <p:ph type="body" idx="1"/>
+          </p:nvPr>
+        </p:nvSpPr>
+        <p:spPr/>
+        <p:txBody>
+          <a:bodyPr/>
+          <a:lstStyle/>
+          <a:p>
+            <a:endParaRPr lang="en-US" dirty="0"/>
+          </a:p>
+        </p:txBody>
+      </p:sp>
+      <p:sp>
+        <p:nvSpPr>
+          <p:cNvPr id="4" name="Slide Number Placeholder 3"/>
+          <p:cNvSpPr>
+            <a:spLocks noGrp="1"/>
+          </p:cNvSpPr>
+          <p:nvPr>
+            <p:ph type="sldNum" sz="quarter" idx="5"/>
+          </p:nvPr>
+        </p:nvSpPr>
+        <p:spPr/>
+        <p:txBody>
+          <a:bodyPr/>
+          <a:lstStyle/>
+          <a:p>
+            <a:fld id="{49A70453-7C67-4726-B763-ED32EAAD6684}" type="slidenum">
+              <a:rPr lang="en-US" smtClean="0"/>
+              <a:t>28</a:t>
+            </a:fld>
+            <a:endParaRPr lang="en-US"/>
+          </a:p>
+        </p:txBody>
+      </p:sp>
+    </p:spTree>
+    <p:extLst>
+      <p:ext uri="{BB962C8B-B14F-4D97-AF65-F5344CB8AC3E}">
+        <p14:creationId xmlns:p14="http://schemas.microsoft.com/office/powerpoint/2010/main" val="3118113497"/>
       </p:ext>
     </p:extLst>
   </p:cSld>
@@ -1992,7 +2587,7 @@
     </p:spTree>
     <p:extLst>
       <p:ext uri="{BB962C8B-B14F-4D97-AF65-F5344CB8AC3E}">
-        <p14:creationId xmlns:p14="http://schemas.microsoft.com/office/powerpoint/2010/main" val="4040926792"/>
+        <p14:creationId xmlns:p14="http://schemas.microsoft.com/office/powerpoint/2010/main" val="3186131511"/>
       </p:ext>
     </p:extLst>
   </p:cSld>
@@ -5514,22 +6109,15 @@
           <a:lstStyle/>
           <a:p>
             <a:r>
-              <a:rPr lang="en-US" dirty="0" err="1">
-                <a:solidFill>
-                  <a:schemeClr val="accent5">
-                    <a:lumMod val="50000"/>
-                  </a:schemeClr>
-                </a:solidFill>
-              </a:rPr>
-              <a:t>ToDo</a:t>
-            </a:r>
-            <a:endParaRPr lang="en-US" dirty="0">
-              <a:solidFill>
-                <a:schemeClr val="accent5">
-                  <a:lumMod val="50000"/>
-                </a:schemeClr>
-              </a:solidFill>
-            </a:endParaRPr>
+              <a:rPr lang="en-US" dirty="0">
+                <a:solidFill>
+                  <a:schemeClr val="accent5">
+                    <a:lumMod val="50000"/>
+                  </a:schemeClr>
+                </a:solidFill>
+              </a:rPr>
+              <a:t>Generate the test data</a:t>
+            </a:r>
           </a:p>
           <a:p>
             <a:pPr marL="0" indent="0">
@@ -5554,6 +6142,36 @@
           </a:p>
         </p:txBody>
       </p:sp>
+      <p:pic>
+        <p:nvPicPr>
+          <p:cNvPr id="5" name="Picture 4">
+            <a:extLst>
+              <a:ext uri="{FF2B5EF4-FFF2-40B4-BE49-F238E27FC236}">
+                <a16:creationId xmlns:a16="http://schemas.microsoft.com/office/drawing/2014/main" id="{03CC565A-7AA9-29A3-193E-9B7E5A2E5F88}"/>
+              </a:ext>
+            </a:extLst>
+          </p:cNvPr>
+          <p:cNvPicPr>
+            <a:picLocks noChangeAspect="1"/>
+          </p:cNvPicPr>
+          <p:nvPr/>
+        </p:nvPicPr>
+        <p:blipFill>
+          <a:blip r:embed="rId3"/>
+          <a:stretch>
+            <a:fillRect/>
+          </a:stretch>
+        </p:blipFill>
+        <p:spPr>
+          <a:xfrm>
+            <a:off x="3701621" y="2315369"/>
+            <a:ext cx="8248650" cy="1685925"/>
+          </a:xfrm>
+          <a:prstGeom prst="rect">
+            <a:avLst/>
+          </a:prstGeom>
+        </p:spPr>
+      </p:pic>
     </p:spTree>
     <p:extLst>
       <p:ext uri="{BB962C8B-B14F-4D97-AF65-F5344CB8AC3E}">
@@ -5642,15 +6260,17 @@
           <a:lstStyle/>
           <a:p>
             <a:r>
-              <a:rPr lang="en-US" dirty="0" err="1">
-                <a:solidFill>
-                  <a:schemeClr val="accent5">
-                    <a:lumMod val="50000"/>
-                  </a:schemeClr>
-                </a:solidFill>
-              </a:rPr>
-              <a:t>ToDo</a:t>
-            </a:r>
+              <a:rPr lang="en-US" dirty="0">
+                <a:solidFill>
+                  <a:schemeClr val="accent5">
+                    <a:lumMod val="50000"/>
+                  </a:schemeClr>
+                </a:solidFill>
+              </a:rPr>
+              <a:t>Fit the training data</a:t>
+            </a:r>
+          </a:p>
+          <a:p>
             <a:endParaRPr lang="en-US" dirty="0">
               <a:solidFill>
                 <a:schemeClr val="accent5">
@@ -5658,6 +6278,66 @@
                 </a:schemeClr>
               </a:solidFill>
             </a:endParaRPr>
+          </a:p>
+          <a:p>
+            <a:endParaRPr lang="en-US" dirty="0">
+              <a:solidFill>
+                <a:schemeClr val="accent5">
+                  <a:lumMod val="50000"/>
+                </a:schemeClr>
+              </a:solidFill>
+            </a:endParaRPr>
+          </a:p>
+          <a:p>
+            <a:r>
+              <a:rPr lang="en-US" dirty="0">
+                <a:solidFill>
+                  <a:schemeClr val="accent5">
+                    <a:lumMod val="50000"/>
+                  </a:schemeClr>
+                </a:solidFill>
+              </a:rPr>
+              <a:t>Test</a:t>
+            </a:r>
+          </a:p>
+          <a:p>
+            <a:endParaRPr lang="en-US" dirty="0">
+              <a:solidFill>
+                <a:schemeClr val="accent5">
+                  <a:lumMod val="50000"/>
+                </a:schemeClr>
+              </a:solidFill>
+            </a:endParaRPr>
+          </a:p>
+          <a:p>
+            <a:endParaRPr lang="en-US" dirty="0">
+              <a:solidFill>
+                <a:schemeClr val="accent5">
+                  <a:lumMod val="50000"/>
+                </a:schemeClr>
+              </a:solidFill>
+            </a:endParaRPr>
+          </a:p>
+          <a:p>
+            <a:endParaRPr lang="en-US" dirty="0">
+              <a:solidFill>
+                <a:schemeClr val="accent5">
+                  <a:lumMod val="50000"/>
+                </a:schemeClr>
+              </a:solidFill>
+            </a:endParaRPr>
+          </a:p>
+          <a:p>
+            <a:r>
+              <a:rPr lang="en-US" dirty="0">
+                <a:solidFill>
+                  <a:schemeClr val="accent5">
+                    <a:lumMod val="50000"/>
+                  </a:schemeClr>
+                </a:solidFill>
+              </a:rPr>
+              <a:t>Save</a:t>
+            </a:r>
           </a:p>
           <a:p>
             <a:pPr marL="0" indent="0">
@@ -5682,6 +6362,96 @@
           </a:p>
         </p:txBody>
       </p:sp>
+      <p:pic>
+        <p:nvPicPr>
+          <p:cNvPr id="5" name="Picture 4">
+            <a:extLst>
+              <a:ext uri="{FF2B5EF4-FFF2-40B4-BE49-F238E27FC236}">
+                <a16:creationId xmlns:a16="http://schemas.microsoft.com/office/drawing/2014/main" id="{A87E60BA-2120-5A99-093C-04337B110219}"/>
+              </a:ext>
+            </a:extLst>
+          </p:cNvPr>
+          <p:cNvPicPr>
+            <a:picLocks noChangeAspect="1"/>
+          </p:cNvPicPr>
+          <p:nvPr/>
+        </p:nvPicPr>
+        <p:blipFill>
+          <a:blip r:embed="rId3"/>
+          <a:stretch>
+            <a:fillRect/>
+          </a:stretch>
+        </p:blipFill>
+        <p:spPr>
+          <a:xfrm>
+            <a:off x="3643312" y="2505032"/>
+            <a:ext cx="8189686" cy="1049552"/>
+          </a:xfrm>
+          <a:prstGeom prst="rect">
+            <a:avLst/>
+          </a:prstGeom>
+        </p:spPr>
+      </p:pic>
+      <p:pic>
+        <p:nvPicPr>
+          <p:cNvPr id="7" name="Picture 6">
+            <a:extLst>
+              <a:ext uri="{FF2B5EF4-FFF2-40B4-BE49-F238E27FC236}">
+                <a16:creationId xmlns:a16="http://schemas.microsoft.com/office/drawing/2014/main" id="{1260B574-94FA-40F2-A17E-90DF824A1670}"/>
+              </a:ext>
+            </a:extLst>
+          </p:cNvPr>
+          <p:cNvPicPr>
+            <a:picLocks noChangeAspect="1"/>
+          </p:cNvPicPr>
+          <p:nvPr/>
+        </p:nvPicPr>
+        <p:blipFill>
+          <a:blip r:embed="rId4"/>
+          <a:stretch>
+            <a:fillRect/>
+          </a:stretch>
+        </p:blipFill>
+        <p:spPr>
+          <a:xfrm>
+            <a:off x="2234185" y="3771642"/>
+            <a:ext cx="9598813" cy="1511901"/>
+          </a:xfrm>
+          <a:prstGeom prst="rect">
+            <a:avLst/>
+          </a:prstGeom>
+        </p:spPr>
+      </p:pic>
+      <p:pic>
+        <p:nvPicPr>
+          <p:cNvPr id="9" name="Picture 8">
+            <a:extLst>
+              <a:ext uri="{FF2B5EF4-FFF2-40B4-BE49-F238E27FC236}">
+                <a16:creationId xmlns:a16="http://schemas.microsoft.com/office/drawing/2014/main" id="{6C1C6798-A60B-AC53-C6E8-436EE963B084}"/>
+              </a:ext>
+            </a:extLst>
+          </p:cNvPr>
+          <p:cNvPicPr>
+            <a:picLocks noChangeAspect="1"/>
+          </p:cNvPicPr>
+          <p:nvPr/>
+        </p:nvPicPr>
+        <p:blipFill>
+          <a:blip r:embed="rId5"/>
+          <a:stretch>
+            <a:fillRect/>
+          </a:stretch>
+        </p:blipFill>
+        <p:spPr>
+          <a:xfrm>
+            <a:off x="3643312" y="5610847"/>
+            <a:ext cx="5732977" cy="1012826"/>
+          </a:xfrm>
+          <a:prstGeom prst="rect">
+            <a:avLst/>
+          </a:prstGeom>
+        </p:spPr>
+      </p:pic>
     </p:spTree>
     <p:extLst>
       <p:ext uri="{BB962C8B-B14F-4D97-AF65-F5344CB8AC3E}">
@@ -5741,25 +6511,8 @@
                   </a:schemeClr>
                 </a:solidFill>
               </a:rPr>
-              <a:t>Manual Model</a:t>
-            </a:r>
-            <a:r>
-              <a:rPr lang="en-US">
-                <a:solidFill>
-                  <a:schemeClr val="accent5">
-                    <a:lumMod val="50000"/>
-                  </a:schemeClr>
-                </a:solidFill>
-              </a:rPr>
-              <a:t>: Deploy The Model</a:t>
-            </a:r>
-            <a:endParaRPr lang="en-US" dirty="0">
-              <a:solidFill>
-                <a:schemeClr val="accent5">
-                  <a:lumMod val="50000"/>
-                </a:schemeClr>
-              </a:solidFill>
-            </a:endParaRPr>
+              <a:t>Manual Model: Switch Kernels</a:t>
+            </a:r>
           </a:p>
         </p:txBody>
       </p:sp>
@@ -5787,15 +6540,29 @@
           <a:lstStyle/>
           <a:p>
             <a:r>
-              <a:rPr lang="en-US" dirty="0" err="1">
-                <a:solidFill>
-                  <a:schemeClr val="accent5">
-                    <a:lumMod val="50000"/>
-                  </a:schemeClr>
-                </a:solidFill>
-              </a:rPr>
-              <a:t>ToDo</a:t>
-            </a:r>
+              <a:rPr lang="en-US" dirty="0">
+                <a:solidFill>
+                  <a:schemeClr val="accent5">
+                    <a:lumMod val="50000"/>
+                  </a:schemeClr>
+                </a:solidFill>
+              </a:rPr>
+              <a:t>Create a new notebook</a:t>
+            </a:r>
+          </a:p>
+          <a:p>
+            <a:r>
+              <a:rPr lang="en-US" dirty="0">
+                <a:solidFill>
+                  <a:schemeClr val="accent5">
+                    <a:lumMod val="50000"/>
+                  </a:schemeClr>
+                </a:solidFill>
+              </a:rPr>
+              <a:t>Ensure Kernal is “Python 3.10 – SDK v2”</a:t>
+            </a:r>
+          </a:p>
+          <a:p>
             <a:endParaRPr lang="en-US" dirty="0">
               <a:solidFill>
                 <a:schemeClr val="accent5">
@@ -5830,7 +6597,7 @@
     </p:spTree>
     <p:extLst>
       <p:ext uri="{BB962C8B-B14F-4D97-AF65-F5344CB8AC3E}">
-        <p14:creationId xmlns:p14="http://schemas.microsoft.com/office/powerpoint/2010/main" val="4274637471"/>
+        <p14:creationId xmlns:p14="http://schemas.microsoft.com/office/powerpoint/2010/main" val="401202901"/>
       </p:ext>
     </p:extLst>
   </p:cSld>
@@ -5886,7 +6653,7 @@
                   </a:schemeClr>
                 </a:solidFill>
               </a:rPr>
-              <a:t>AzureML Trained Model</a:t>
+              <a:t>Manual Model: Load The Model</a:t>
             </a:r>
           </a:p>
         </p:txBody>
@@ -5922,71 +6689,13 @@
                   </a:schemeClr>
                 </a:solidFill>
               </a:rPr>
-              <a:t>Start with a sample</a:t>
-            </a:r>
-          </a:p>
-          <a:p>
-            <a:pPr lvl="1"/>
-            <a:r>
-              <a:rPr lang="en-US" dirty="0">
-                <a:solidFill>
-                  <a:schemeClr val="accent5">
-                    <a:lumMod val="50000"/>
-                  </a:schemeClr>
-                </a:solidFill>
-              </a:rPr>
-              <a:t>Notebooks -&gt; Samples -&gt; v2 &gt; </a:t>
-            </a:r>
-            <a:r>
-              <a:rPr lang="en-US" dirty="0" err="1">
-                <a:solidFill>
-                  <a:schemeClr val="accent5">
-                    <a:lumMod val="50000"/>
-                  </a:schemeClr>
-                </a:solidFill>
-              </a:rPr>
-              <a:t>sdk</a:t>
-            </a:r>
-            <a:r>
-              <a:rPr lang="en-US" dirty="0">
-                <a:solidFill>
-                  <a:schemeClr val="accent5">
-                    <a:lumMod val="50000"/>
-                  </a:schemeClr>
-                </a:solidFill>
-              </a:rPr>
-              <a:t> &gt; python &gt; jobs &gt; single-step &gt; </a:t>
-            </a:r>
-            <a:r>
-              <a:rPr lang="en-US" dirty="0" err="1">
-                <a:solidFill>
-                  <a:schemeClr val="accent5">
-                    <a:lumMod val="50000"/>
-                  </a:schemeClr>
-                </a:solidFill>
-              </a:rPr>
-              <a:t>tensorflow</a:t>
-            </a:r>
-            <a:r>
-              <a:rPr lang="en-US" dirty="0">
-                <a:solidFill>
-                  <a:schemeClr val="accent5">
-                    <a:lumMod val="50000"/>
-                  </a:schemeClr>
-                </a:solidFill>
-              </a:rPr>
-              <a:t> &gt; train-hyperparameter-tune-deploy-with-</a:t>
-            </a:r>
-            <a:r>
-              <a:rPr lang="en-US" dirty="0" err="1">
-                <a:solidFill>
-                  <a:schemeClr val="accent5">
-                    <a:lumMod val="50000"/>
-                  </a:schemeClr>
-                </a:solidFill>
-              </a:rPr>
-              <a:t>tensorflow</a:t>
-            </a:r>
+              <a:t>Load the saved model</a:t>
+            </a:r>
+          </a:p>
+          <a:p>
+            <a:pPr marL="0" indent="0">
+              <a:buNone/>
+            </a:pPr>
             <a:endParaRPr lang="en-US" dirty="0">
               <a:solidFill>
                 <a:schemeClr val="accent5">
@@ -5996,42 +6705,6 @@
             </a:endParaRPr>
           </a:p>
           <a:p>
-            <a:r>
-              <a:rPr lang="en-US" dirty="0">
-                <a:solidFill>
-                  <a:schemeClr val="accent5">
-                    <a:lumMod val="50000"/>
-                  </a:schemeClr>
-                </a:solidFill>
-              </a:rPr>
-              <a:t>Clone Notebook</a:t>
-            </a:r>
-          </a:p>
-          <a:p>
-            <a:r>
-              <a:rPr lang="en-US" dirty="0">
-                <a:solidFill>
-                  <a:schemeClr val="accent5">
-                    <a:lumMod val="50000"/>
-                  </a:schemeClr>
-                </a:solidFill>
-              </a:rPr>
-              <a:t>Set Compute to your created compute instance</a:t>
-            </a:r>
-          </a:p>
-          <a:p>
-            <a:r>
-              <a:rPr lang="en-US" dirty="0">
-                <a:solidFill>
-                  <a:schemeClr val="accent5">
-                    <a:lumMod val="50000"/>
-                  </a:schemeClr>
-                </a:solidFill>
-              </a:rPr>
-              <a:t>Ensure Kernal is “Python 3.10 – SDK v2”</a:t>
-            </a:r>
-          </a:p>
-          <a:p>
             <a:endParaRPr lang="en-US" dirty="0">
               <a:solidFill>
                 <a:schemeClr val="accent5">
@@ -6042,10 +6715,40 @@
           </a:p>
         </p:txBody>
       </p:sp>
+      <p:pic>
+        <p:nvPicPr>
+          <p:cNvPr id="5" name="Picture 4">
+            <a:extLst>
+              <a:ext uri="{FF2B5EF4-FFF2-40B4-BE49-F238E27FC236}">
+                <a16:creationId xmlns:a16="http://schemas.microsoft.com/office/drawing/2014/main" id="{CD6A60BF-6633-BF79-89D4-38EFE5B25D86}"/>
+              </a:ext>
+            </a:extLst>
+          </p:cNvPr>
+          <p:cNvPicPr>
+            <a:picLocks noChangeAspect="1"/>
+          </p:cNvPicPr>
+          <p:nvPr/>
+        </p:nvPicPr>
+        <p:blipFill>
+          <a:blip r:embed="rId3"/>
+          <a:stretch>
+            <a:fillRect/>
+          </a:stretch>
+        </p:blipFill>
+        <p:spPr>
+          <a:xfrm>
+            <a:off x="5047091" y="2380606"/>
+            <a:ext cx="6306709" cy="2858436"/>
+          </a:xfrm>
+          <a:prstGeom prst="rect">
+            <a:avLst/>
+          </a:prstGeom>
+        </p:spPr>
+      </p:pic>
     </p:spTree>
     <p:extLst>
       <p:ext uri="{BB962C8B-B14F-4D97-AF65-F5344CB8AC3E}">
-        <p14:creationId xmlns:p14="http://schemas.microsoft.com/office/powerpoint/2010/main" val="1315747692"/>
+        <p14:creationId xmlns:p14="http://schemas.microsoft.com/office/powerpoint/2010/main" val="4274637471"/>
       </p:ext>
     </p:extLst>
   </p:cSld>
@@ -6101,7 +6804,7 @@
                   </a:schemeClr>
                 </a:solidFill>
               </a:rPr>
-              <a:t>AzureML: Create A Compute Resource</a:t>
+              <a:t>Manual Model: Load The Model</a:t>
             </a:r>
           </a:p>
         </p:txBody>
@@ -6137,45 +6840,7 @@
                   </a:schemeClr>
                 </a:solidFill>
               </a:rPr>
-              <a:t>Create a compute instance</a:t>
-            </a:r>
-          </a:p>
-          <a:p>
-            <a:pPr lvl="1"/>
-            <a:r>
-              <a:rPr lang="en-US" dirty="0">
-                <a:solidFill>
-                  <a:schemeClr val="accent5">
-                    <a:lumMod val="50000"/>
-                  </a:schemeClr>
-                </a:solidFill>
-              </a:rPr>
-              <a:t>Standard GPUs are getting removed 7/31/2023 (this was a nightmare)</a:t>
-            </a:r>
-          </a:p>
-          <a:p>
-            <a:r>
-              <a:rPr lang="en-US" dirty="0">
-                <a:solidFill>
-                  <a:schemeClr val="accent5">
-                    <a:lumMod val="50000"/>
-                  </a:schemeClr>
-                </a:solidFill>
-              </a:rPr>
-              <a:t>Using “Standard_DS3” CPU</a:t>
-            </a:r>
-          </a:p>
-          <a:p>
-            <a:pPr lvl="1"/>
-            <a:r>
-              <a:rPr lang="en-US" dirty="0">
-                <a:solidFill>
-                  <a:schemeClr val="accent5">
-                    <a:lumMod val="50000"/>
-                  </a:schemeClr>
-                </a:solidFill>
-              </a:rPr>
-              <a:t>I am cheap</a:t>
+              <a:t>Load the saved model</a:t>
             </a:r>
           </a:p>
           <a:p>
@@ -6187,6 +6852,75 @@
               </a:solidFill>
             </a:endParaRPr>
           </a:p>
+          <a:p>
+            <a:endParaRPr lang="en-US" dirty="0">
+              <a:solidFill>
+                <a:schemeClr val="accent5">
+                  <a:lumMod val="50000"/>
+                </a:schemeClr>
+              </a:solidFill>
+            </a:endParaRPr>
+          </a:p>
+          <a:p>
+            <a:endParaRPr lang="en-US" dirty="0">
+              <a:solidFill>
+                <a:schemeClr val="accent5">
+                  <a:lumMod val="50000"/>
+                </a:schemeClr>
+              </a:solidFill>
+            </a:endParaRPr>
+          </a:p>
+          <a:p>
+            <a:endParaRPr lang="en-US" dirty="0">
+              <a:solidFill>
+                <a:schemeClr val="accent5">
+                  <a:lumMod val="50000"/>
+                </a:schemeClr>
+              </a:solidFill>
+            </a:endParaRPr>
+          </a:p>
+          <a:p>
+            <a:endParaRPr lang="en-US" dirty="0">
+              <a:solidFill>
+                <a:schemeClr val="accent5">
+                  <a:lumMod val="50000"/>
+                </a:schemeClr>
+              </a:solidFill>
+            </a:endParaRPr>
+          </a:p>
+          <a:p>
+            <a:r>
+              <a:rPr lang="en-US" dirty="0">
+                <a:solidFill>
+                  <a:schemeClr val="accent5">
+                    <a:lumMod val="50000"/>
+                  </a:schemeClr>
+                </a:solidFill>
+              </a:rPr>
+              <a:t>Register the model</a:t>
+            </a:r>
+          </a:p>
+          <a:p>
+            <a:pPr marL="0" indent="0">
+              <a:buNone/>
+            </a:pPr>
+            <a:endParaRPr lang="en-US" dirty="0">
+              <a:solidFill>
+                <a:schemeClr val="accent5">
+                  <a:lumMod val="50000"/>
+                </a:schemeClr>
+              </a:solidFill>
+            </a:endParaRPr>
+          </a:p>
+          <a:p>
+            <a:endParaRPr lang="en-US" dirty="0">
+              <a:solidFill>
+                <a:schemeClr val="accent5">
+                  <a:lumMod val="50000"/>
+                </a:schemeClr>
+              </a:solidFill>
+            </a:endParaRPr>
+          </a:p>
         </p:txBody>
       </p:sp>
       <p:pic>
@@ -6194,7 +6928,7 @@
           <p:cNvPr id="5" name="Picture 4">
             <a:extLst>
               <a:ext uri="{FF2B5EF4-FFF2-40B4-BE49-F238E27FC236}">
-                <a16:creationId xmlns:a16="http://schemas.microsoft.com/office/drawing/2014/main" id="{180E34D6-FD09-0209-F7B4-6930730985BA}"/>
+                <a16:creationId xmlns:a16="http://schemas.microsoft.com/office/drawing/2014/main" id="{CD6A60BF-6633-BF79-89D4-38EFE5B25D86}"/>
               </a:ext>
             </a:extLst>
           </p:cNvPr>
@@ -6211,8 +6945,38 @@
         </p:blipFill>
         <p:spPr>
           <a:xfrm>
-            <a:off x="6096000" y="2768600"/>
-            <a:ext cx="5391150" cy="3543300"/>
+            <a:off x="5399903" y="2121740"/>
+            <a:ext cx="5768546" cy="2614520"/>
+          </a:xfrm>
+          <a:prstGeom prst="rect">
+            <a:avLst/>
+          </a:prstGeom>
+        </p:spPr>
+      </p:pic>
+      <p:pic>
+        <p:nvPicPr>
+          <p:cNvPr id="6" name="Picture 5">
+            <a:extLst>
+              <a:ext uri="{FF2B5EF4-FFF2-40B4-BE49-F238E27FC236}">
+                <a16:creationId xmlns:a16="http://schemas.microsoft.com/office/drawing/2014/main" id="{F14FA23E-10F2-3B8B-2F15-FC437B89EDD9}"/>
+              </a:ext>
+            </a:extLst>
+          </p:cNvPr>
+          <p:cNvPicPr>
+            <a:picLocks noChangeAspect="1"/>
+          </p:cNvPicPr>
+          <p:nvPr/>
+        </p:nvPicPr>
+        <p:blipFill>
+          <a:blip r:embed="rId4"/>
+          <a:stretch>
+            <a:fillRect/>
+          </a:stretch>
+        </p:blipFill>
+        <p:spPr>
+          <a:xfrm>
+            <a:off x="2864037" y="5560541"/>
+            <a:ext cx="8489763" cy="926156"/>
           </a:xfrm>
           <a:prstGeom prst="rect">
             <a:avLst/>
@@ -6222,7 +6986,7 @@
     </p:spTree>
     <p:extLst>
       <p:ext uri="{BB962C8B-B14F-4D97-AF65-F5344CB8AC3E}">
-        <p14:creationId xmlns:p14="http://schemas.microsoft.com/office/powerpoint/2010/main" val="2754437247"/>
+        <p14:creationId xmlns:p14="http://schemas.microsoft.com/office/powerpoint/2010/main" val="620822834"/>
       </p:ext>
     </p:extLst>
   </p:cSld>
@@ -6278,7 +7042,7 @@
                   </a:schemeClr>
                 </a:solidFill>
               </a:rPr>
-              <a:t>AzureML: Create An Environment</a:t>
+              <a:t>Manual Model: Create Endpoint</a:t>
             </a:r>
           </a:p>
         </p:txBody>
@@ -6314,18 +7078,10 @@
                   </a:schemeClr>
                 </a:solidFill>
               </a:rPr>
-              <a:t>Existing environment or custom environment using Docker or </a:t>
-            </a:r>
-            <a:r>
-              <a:rPr lang="en-US" dirty="0" err="1">
-                <a:solidFill>
-                  <a:schemeClr val="accent5">
-                    <a:lumMod val="50000"/>
-                  </a:schemeClr>
-                </a:solidFill>
-              </a:rPr>
-              <a:t>Conda</a:t>
-            </a:r>
+              <a:t>Create the endpoint</a:t>
+            </a:r>
+          </a:p>
+          <a:p>
             <a:endParaRPr lang="en-US" dirty="0">
               <a:solidFill>
                 <a:schemeClr val="accent5">
@@ -6344,28 +7100,6 @@
             </a:endParaRPr>
           </a:p>
           <a:p>
-            <a:r>
-              <a:rPr lang="en-US" dirty="0" err="1">
-                <a:solidFill>
-                  <a:schemeClr val="accent5">
-                    <a:lumMod val="50000"/>
-                  </a:schemeClr>
-                </a:solidFill>
-              </a:rPr>
-              <a:t>Keras</a:t>
-            </a:r>
-            <a:r>
-              <a:rPr lang="en-US" dirty="0">
-                <a:solidFill>
-                  <a:schemeClr val="accent5">
-                    <a:lumMod val="50000"/>
-                  </a:schemeClr>
-                </a:solidFill>
-              </a:rPr>
-              <a:t> Example:</a:t>
-            </a:r>
-          </a:p>
-          <a:p>
             <a:endParaRPr lang="en-US" dirty="0">
               <a:solidFill>
                 <a:schemeClr val="accent5">
@@ -6374,14 +7108,44 @@
               </a:solidFill>
             </a:endParaRPr>
           </a:p>
+          <a:p>
+            <a:endParaRPr lang="en-US" dirty="0">
+              <a:solidFill>
+                <a:schemeClr val="accent5">
+                  <a:lumMod val="50000"/>
+                </a:schemeClr>
+              </a:solidFill>
+            </a:endParaRPr>
+          </a:p>
+          <a:p>
+            <a:pPr marL="0" indent="0">
+              <a:buNone/>
+            </a:pPr>
+            <a:endParaRPr lang="en-US" dirty="0">
+              <a:solidFill>
+                <a:schemeClr val="accent5">
+                  <a:lumMod val="50000"/>
+                </a:schemeClr>
+              </a:solidFill>
+            </a:endParaRPr>
+          </a:p>
+          <a:p>
+            <a:endParaRPr lang="en-US" dirty="0">
+              <a:solidFill>
+                <a:schemeClr val="accent5">
+                  <a:lumMod val="50000"/>
+                </a:schemeClr>
+              </a:solidFill>
+            </a:endParaRPr>
+          </a:p>
         </p:txBody>
       </p:sp>
       <p:pic>
         <p:nvPicPr>
-          <p:cNvPr id="6" name="Picture 5">
-            <a:extLst>
-              <a:ext uri="{FF2B5EF4-FFF2-40B4-BE49-F238E27FC236}">
-                <a16:creationId xmlns:a16="http://schemas.microsoft.com/office/drawing/2014/main" id="{CD25D677-2E2D-5231-6989-097AE7D551AE}"/>
+          <p:cNvPr id="7" name="Picture 6">
+            <a:extLst>
+              <a:ext uri="{FF2B5EF4-FFF2-40B4-BE49-F238E27FC236}">
+                <a16:creationId xmlns:a16="http://schemas.microsoft.com/office/drawing/2014/main" id="{0481D314-97D1-D349-01D6-9B1959F4C7E4}"/>
               </a:ext>
             </a:extLst>
           </p:cNvPr>
@@ -6398,68 +7162,8 @@
         </p:blipFill>
         <p:spPr>
           <a:xfrm>
-            <a:off x="3897913" y="2394379"/>
-            <a:ext cx="5953125" cy="438150"/>
-          </a:xfrm>
-          <a:prstGeom prst="rect">
-            <a:avLst/>
-          </a:prstGeom>
-        </p:spPr>
-      </p:pic>
-      <p:pic>
-        <p:nvPicPr>
-          <p:cNvPr id="8" name="Picture 7">
-            <a:extLst>
-              <a:ext uri="{FF2B5EF4-FFF2-40B4-BE49-F238E27FC236}">
-                <a16:creationId xmlns:a16="http://schemas.microsoft.com/office/drawing/2014/main" id="{DD340AC7-CAB0-0225-53B5-4205BEB348C9}"/>
-              </a:ext>
-            </a:extLst>
-          </p:cNvPr>
-          <p:cNvPicPr>
-            <a:picLocks noChangeAspect="1"/>
-          </p:cNvPicPr>
-          <p:nvPr/>
-        </p:nvPicPr>
-        <p:blipFill>
-          <a:blip r:embed="rId4"/>
-          <a:stretch>
-            <a:fillRect/>
-          </a:stretch>
-        </p:blipFill>
-        <p:spPr>
-          <a:xfrm>
-            <a:off x="1275063" y="3358034"/>
-            <a:ext cx="3562350" cy="2733675"/>
-          </a:xfrm>
-          <a:prstGeom prst="rect">
-            <a:avLst/>
-          </a:prstGeom>
-        </p:spPr>
-      </p:pic>
-      <p:pic>
-        <p:nvPicPr>
-          <p:cNvPr id="10" name="Picture 9">
-            <a:extLst>
-              <a:ext uri="{FF2B5EF4-FFF2-40B4-BE49-F238E27FC236}">
-                <a16:creationId xmlns:a16="http://schemas.microsoft.com/office/drawing/2014/main" id="{7B136F85-37A0-1816-F604-AC91A44AC6A6}"/>
-              </a:ext>
-            </a:extLst>
-          </p:cNvPr>
-          <p:cNvPicPr>
-            <a:picLocks noChangeAspect="1"/>
-          </p:cNvPicPr>
-          <p:nvPr/>
-        </p:nvPicPr>
-        <p:blipFill>
-          <a:blip r:embed="rId5"/>
-          <a:stretch>
-            <a:fillRect/>
-          </a:stretch>
-        </p:blipFill>
-        <p:spPr>
-          <a:xfrm>
-            <a:off x="5410457" y="3358034"/>
-            <a:ext cx="5972175" cy="2162175"/>
+            <a:off x="4873066" y="1978025"/>
+            <a:ext cx="6943725" cy="4514850"/>
           </a:xfrm>
           <a:prstGeom prst="rect">
             <a:avLst/>
@@ -6469,7 +7173,7 @@
     </p:spTree>
     <p:extLst>
       <p:ext uri="{BB962C8B-B14F-4D97-AF65-F5344CB8AC3E}">
-        <p14:creationId xmlns:p14="http://schemas.microsoft.com/office/powerpoint/2010/main" val="777669889"/>
+        <p14:creationId xmlns:p14="http://schemas.microsoft.com/office/powerpoint/2010/main" val="1970745348"/>
       </p:ext>
     </p:extLst>
   </p:cSld>
@@ -6525,7 +7229,7 @@
                   </a:schemeClr>
                 </a:solidFill>
               </a:rPr>
-              <a:t>AzureML: Build A Job</a:t>
+              <a:t>Manual Model: Create Environment</a:t>
             </a:r>
           </a:p>
         </p:txBody>
@@ -6561,19 +7265,27 @@
                   </a:schemeClr>
                 </a:solidFill>
               </a:rPr>
-              <a:t>Command Job with all the details needed</a:t>
-            </a:r>
-          </a:p>
-          <a:p>
-            <a:r>
-              <a:rPr lang="en-US" dirty="0">
-                <a:solidFill>
-                  <a:schemeClr val="accent5">
-                    <a:lumMod val="50000"/>
-                  </a:schemeClr>
-                </a:solidFill>
-              </a:rPr>
-              <a:t>Using provided training script (tf_mnist.py)</a:t>
+              <a:t>Create </a:t>
+            </a:r>
+            <a:r>
+              <a:rPr lang="en-US" dirty="0" err="1">
+                <a:solidFill>
+                  <a:schemeClr val="accent5">
+                    <a:lumMod val="50000"/>
+                  </a:schemeClr>
+                </a:solidFill>
+              </a:rPr>
+              <a:t>Conda</a:t>
+            </a:r>
+            <a:r>
+              <a:rPr lang="en-US" dirty="0">
+                <a:solidFill>
+                  <a:schemeClr val="accent5">
+                    <a:lumMod val="50000"/>
+                  </a:schemeClr>
+                </a:solidFill>
+              </a:rPr>
+              <a:t> file</a:t>
             </a:r>
           </a:p>
           <a:p>
@@ -6585,14 +7297,62 @@
               </a:solidFill>
             </a:endParaRPr>
           </a:p>
+          <a:p>
+            <a:endParaRPr lang="en-US" dirty="0">
+              <a:solidFill>
+                <a:schemeClr val="accent5">
+                  <a:lumMod val="50000"/>
+                </a:schemeClr>
+              </a:solidFill>
+            </a:endParaRPr>
+          </a:p>
+          <a:p>
+            <a:endParaRPr lang="en-US" dirty="0">
+              <a:solidFill>
+                <a:schemeClr val="accent5">
+                  <a:lumMod val="50000"/>
+                </a:schemeClr>
+              </a:solidFill>
+            </a:endParaRPr>
+          </a:p>
+          <a:p>
+            <a:endParaRPr lang="en-US" dirty="0">
+              <a:solidFill>
+                <a:schemeClr val="accent5">
+                  <a:lumMod val="50000"/>
+                </a:schemeClr>
+              </a:solidFill>
+            </a:endParaRPr>
+          </a:p>
+          <a:p>
+            <a:pPr marL="0" indent="0">
+              <a:buNone/>
+            </a:pPr>
+            <a:endParaRPr lang="en-US" dirty="0">
+              <a:solidFill>
+                <a:schemeClr val="accent5">
+                  <a:lumMod val="50000"/>
+                </a:schemeClr>
+              </a:solidFill>
+            </a:endParaRPr>
+          </a:p>
+          <a:p>
+            <a:endParaRPr lang="en-US" dirty="0">
+              <a:solidFill>
+                <a:schemeClr val="accent5">
+                  <a:lumMod val="50000"/>
+                </a:schemeClr>
+              </a:solidFill>
+            </a:endParaRPr>
+          </a:p>
         </p:txBody>
       </p:sp>
       <p:pic>
         <p:nvPicPr>
-          <p:cNvPr id="9" name="Picture 8">
-            <a:extLst>
-              <a:ext uri="{FF2B5EF4-FFF2-40B4-BE49-F238E27FC236}">
-                <a16:creationId xmlns:a16="http://schemas.microsoft.com/office/drawing/2014/main" id="{2969DF92-634D-1AD4-0B34-B045F780DDD2}"/>
+          <p:cNvPr id="5" name="Picture 4">
+            <a:extLst>
+              <a:ext uri="{FF2B5EF4-FFF2-40B4-BE49-F238E27FC236}">
+                <a16:creationId xmlns:a16="http://schemas.microsoft.com/office/drawing/2014/main" id="{6C9DEF54-55B1-B4F7-9A0A-DD7A306CD92C}"/>
               </a:ext>
             </a:extLst>
           </p:cNvPr>
@@ -6609,8 +7369,8 @@
         </p:blipFill>
         <p:spPr>
           <a:xfrm>
-            <a:off x="3311376" y="2977978"/>
-            <a:ext cx="8197399" cy="3198985"/>
+            <a:off x="6096001" y="1491509"/>
+            <a:ext cx="5427318" cy="4820392"/>
           </a:xfrm>
           <a:prstGeom prst="rect">
             <a:avLst/>
@@ -6620,7 +7380,7 @@
     </p:spTree>
     <p:extLst>
       <p:ext uri="{BB962C8B-B14F-4D97-AF65-F5344CB8AC3E}">
-        <p14:creationId xmlns:p14="http://schemas.microsoft.com/office/powerpoint/2010/main" val="2772016874"/>
+        <p14:creationId xmlns:p14="http://schemas.microsoft.com/office/powerpoint/2010/main" val="862057762"/>
       </p:ext>
     </p:extLst>
   </p:cSld>
@@ -6676,7 +7436,27 @@
                   </a:schemeClr>
                 </a:solidFill>
               </a:rPr>
-              <a:t>AzureML: Run A Job</a:t>
+              <a:t>Manual Model: Create Environment (</a:t>
+            </a:r>
+            <a:r>
+              <a:rPr lang="en-US" dirty="0" err="1">
+                <a:solidFill>
+                  <a:schemeClr val="accent5">
+                    <a:lumMod val="50000"/>
+                  </a:schemeClr>
+                </a:solidFill>
+              </a:rPr>
+              <a:t>cont</a:t>
+            </a:r>
+            <a:r>
+              <a:rPr lang="en-US" dirty="0">
+                <a:solidFill>
+                  <a:schemeClr val="accent5">
+                    <a:lumMod val="50000"/>
+                  </a:schemeClr>
+                </a:solidFill>
+              </a:rPr>
+              <a:t>)</a:t>
             </a:r>
           </a:p>
         </p:txBody>
@@ -6712,91 +7492,7 @@
                   </a:schemeClr>
                 </a:solidFill>
               </a:rPr>
-              <a:t>Submit Job</a:t>
-            </a:r>
-          </a:p>
-          <a:p>
-            <a:pPr lvl="1"/>
-            <a:r>
-              <a:rPr lang="en-US" dirty="0">
-                <a:solidFill>
-                  <a:schemeClr val="accent5">
-                    <a:lumMod val="50000"/>
-                  </a:schemeClr>
-                </a:solidFill>
-              </a:rPr>
-              <a:t>Registers the job</a:t>
-            </a:r>
-          </a:p>
-          <a:p>
-            <a:r>
-              <a:rPr lang="en-US" dirty="0">
-                <a:solidFill>
-                  <a:schemeClr val="accent5">
-                    <a:lumMod val="50000"/>
-                  </a:schemeClr>
-                </a:solidFill>
-              </a:rPr>
-              <a:t>Job:</a:t>
-            </a:r>
-          </a:p>
-          <a:p>
-            <a:pPr lvl="1"/>
-            <a:r>
-              <a:rPr lang="en-US" dirty="0">
-                <a:solidFill>
-                  <a:schemeClr val="accent5">
-                    <a:lumMod val="50000"/>
-                  </a:schemeClr>
-                </a:solidFill>
-              </a:rPr>
-              <a:t>Preparing: Docker image created and uploaded to the workspace</a:t>
-            </a:r>
-          </a:p>
-          <a:p>
-            <a:pPr lvl="1"/>
-            <a:r>
-              <a:rPr lang="en-US" dirty="0">
-                <a:solidFill>
-                  <a:schemeClr val="accent5">
-                    <a:lumMod val="50000"/>
-                  </a:schemeClr>
-                </a:solidFill>
-              </a:rPr>
-              <a:t>Scaling: The cluster attempts to scale up if it requires more nodes</a:t>
-            </a:r>
-          </a:p>
-          <a:p>
-            <a:pPr lvl="1"/>
-            <a:r>
-              <a:rPr lang="en-US" dirty="0">
-                <a:solidFill>
-                  <a:schemeClr val="accent5">
-                    <a:lumMod val="50000"/>
-                  </a:schemeClr>
-                </a:solidFill>
-              </a:rPr>
-              <a:t>Running: All the scripts in ‘</a:t>
-            </a:r>
-            <a:r>
-              <a:rPr lang="en-US" dirty="0" err="1">
-                <a:solidFill>
-                  <a:schemeClr val="accent5">
-                    <a:lumMod val="50000"/>
-                  </a:schemeClr>
-                </a:solidFill>
-              </a:rPr>
-              <a:t>src</a:t>
-            </a:r>
-            <a:r>
-              <a:rPr lang="en-US" dirty="0">
-                <a:solidFill>
-                  <a:schemeClr val="accent5">
-                    <a:lumMod val="50000"/>
-                  </a:schemeClr>
-                </a:solidFill>
-              </a:rPr>
-              <a:t>’ are uploaded and run</a:t>
+              <a:t>Create the environment</a:t>
             </a:r>
           </a:p>
           <a:p>
@@ -6808,14 +7504,71 @@
               </a:solidFill>
             </a:endParaRPr>
           </a:p>
+          <a:p>
+            <a:endParaRPr lang="en-US" dirty="0">
+              <a:solidFill>
+                <a:schemeClr val="accent5">
+                  <a:lumMod val="50000"/>
+                </a:schemeClr>
+              </a:solidFill>
+            </a:endParaRPr>
+          </a:p>
+          <a:p>
+            <a:endParaRPr lang="en-US" dirty="0">
+              <a:solidFill>
+                <a:schemeClr val="accent5">
+                  <a:lumMod val="50000"/>
+                </a:schemeClr>
+              </a:solidFill>
+            </a:endParaRPr>
+          </a:p>
+          <a:p>
+            <a:endParaRPr lang="en-US" dirty="0">
+              <a:solidFill>
+                <a:schemeClr val="accent5">
+                  <a:lumMod val="50000"/>
+                </a:schemeClr>
+              </a:solidFill>
+            </a:endParaRPr>
+          </a:p>
+          <a:p>
+            <a:endParaRPr lang="en-US" dirty="0">
+              <a:solidFill>
+                <a:schemeClr val="accent5">
+                  <a:lumMod val="50000"/>
+                </a:schemeClr>
+              </a:solidFill>
+            </a:endParaRPr>
+          </a:p>
+          <a:p>
+            <a:pPr marL="0" indent="0">
+              <a:buNone/>
+            </a:pPr>
+            <a:endParaRPr lang="en-US" dirty="0">
+              <a:solidFill>
+                <a:schemeClr val="accent5">
+                  <a:lumMod val="50000"/>
+                </a:schemeClr>
+              </a:solidFill>
+            </a:endParaRPr>
+          </a:p>
+          <a:p>
+            <a:endParaRPr lang="en-US" dirty="0">
+              <a:solidFill>
+                <a:schemeClr val="accent5">
+                  <a:lumMod val="50000"/>
+                </a:schemeClr>
+              </a:solidFill>
+            </a:endParaRPr>
+          </a:p>
         </p:txBody>
       </p:sp>
       <p:pic>
         <p:nvPicPr>
-          <p:cNvPr id="5" name="Picture 4">
-            <a:extLst>
-              <a:ext uri="{FF2B5EF4-FFF2-40B4-BE49-F238E27FC236}">
-                <a16:creationId xmlns:a16="http://schemas.microsoft.com/office/drawing/2014/main" id="{D5DA82B8-7C94-B989-4EFC-0CDCDC550BD3}"/>
+          <p:cNvPr id="6" name="Picture 5">
+            <a:extLst>
+              <a:ext uri="{FF2B5EF4-FFF2-40B4-BE49-F238E27FC236}">
+                <a16:creationId xmlns:a16="http://schemas.microsoft.com/office/drawing/2014/main" id="{5D76795C-A84E-9916-4418-57E4D1F385A1}"/>
               </a:ext>
             </a:extLst>
           </p:cNvPr>
@@ -6832,8 +7585,8 @@
         </p:blipFill>
         <p:spPr>
           <a:xfrm>
-            <a:off x="3654639" y="1944602"/>
-            <a:ext cx="4553857" cy="440252"/>
+            <a:off x="1914590" y="2669059"/>
+            <a:ext cx="9439210" cy="3823816"/>
           </a:xfrm>
           <a:prstGeom prst="rect">
             <a:avLst/>
@@ -6843,7 +7596,7 @@
     </p:spTree>
     <p:extLst>
       <p:ext uri="{BB962C8B-B14F-4D97-AF65-F5344CB8AC3E}">
-        <p14:creationId xmlns:p14="http://schemas.microsoft.com/office/powerpoint/2010/main" val="3255915884"/>
+        <p14:creationId xmlns:p14="http://schemas.microsoft.com/office/powerpoint/2010/main" val="240552104"/>
       </p:ext>
     </p:extLst>
   </p:cSld>
@@ -6899,7 +7652,7 @@
                   </a:schemeClr>
                 </a:solidFill>
               </a:rPr>
-              <a:t>AzureML: Deploy The Model</a:t>
+              <a:t>Manual Model: Create Deployment</a:t>
             </a:r>
           </a:p>
         </p:txBody>
@@ -6935,7 +7688,7 @@
                   </a:schemeClr>
                 </a:solidFill>
               </a:rPr>
-              <a:t>Create the model</a:t>
+              <a:t>Create the deployment</a:t>
             </a:r>
           </a:p>
           <a:p>
@@ -6966,18 +7719,6 @@
             </a:endParaRPr>
           </a:p>
           <a:p>
-            <a:r>
-              <a:rPr lang="en-US" dirty="0">
-                <a:solidFill>
-                  <a:schemeClr val="accent5">
-                    <a:lumMod val="50000"/>
-                  </a:schemeClr>
-                </a:solidFill>
-              </a:rPr>
-              <a:t>Register the model</a:t>
-            </a:r>
-          </a:p>
-          <a:p>
             <a:endParaRPr lang="en-US" dirty="0">
               <a:solidFill>
                 <a:schemeClr val="accent5">
@@ -6987,25 +7728,43 @@
             </a:endParaRPr>
           </a:p>
           <a:p>
-            <a:r>
-              <a:rPr lang="en-US" dirty="0">
-                <a:solidFill>
-                  <a:schemeClr val="accent5">
-                    <a:lumMod val="50000"/>
-                  </a:schemeClr>
-                </a:solidFill>
-              </a:rPr>
-              <a:t>Deploy the model</a:t>
-            </a:r>
+            <a:endParaRPr lang="en-US" dirty="0">
+              <a:solidFill>
+                <a:schemeClr val="accent5">
+                  <a:lumMod val="50000"/>
+                </a:schemeClr>
+              </a:solidFill>
+            </a:endParaRPr>
+          </a:p>
+          <a:p>
+            <a:pPr marL="0" indent="0">
+              <a:buNone/>
+            </a:pPr>
+            <a:endParaRPr lang="en-US" dirty="0">
+              <a:solidFill>
+                <a:schemeClr val="accent5">
+                  <a:lumMod val="50000"/>
+                </a:schemeClr>
+              </a:solidFill>
+            </a:endParaRPr>
+          </a:p>
+          <a:p>
+            <a:endParaRPr lang="en-US" dirty="0">
+              <a:solidFill>
+                <a:schemeClr val="accent5">
+                  <a:lumMod val="50000"/>
+                </a:schemeClr>
+              </a:solidFill>
+            </a:endParaRPr>
           </a:p>
         </p:txBody>
       </p:sp>
       <p:pic>
         <p:nvPicPr>
-          <p:cNvPr id="6" name="Picture 5">
-            <a:extLst>
-              <a:ext uri="{FF2B5EF4-FFF2-40B4-BE49-F238E27FC236}">
-                <a16:creationId xmlns:a16="http://schemas.microsoft.com/office/drawing/2014/main" id="{A4EAF968-4833-4474-DB41-05F1EC6E5275}"/>
+          <p:cNvPr id="5" name="Picture 4">
+            <a:extLst>
+              <a:ext uri="{FF2B5EF4-FFF2-40B4-BE49-F238E27FC236}">
+                <a16:creationId xmlns:a16="http://schemas.microsoft.com/office/drawing/2014/main" id="{4D53470D-E452-6B2B-AC5E-1D364EB32714}"/>
               </a:ext>
             </a:extLst>
           </p:cNvPr>
@@ -7022,68 +7781,8 @@
         </p:blipFill>
         <p:spPr>
           <a:xfrm>
-            <a:off x="4717320" y="1825625"/>
-            <a:ext cx="5895975" cy="1885950"/>
-          </a:xfrm>
-          <a:prstGeom prst="rect">
-            <a:avLst/>
-          </a:prstGeom>
-        </p:spPr>
-      </p:pic>
-      <p:pic>
-        <p:nvPicPr>
-          <p:cNvPr id="8" name="Picture 7">
-            <a:extLst>
-              <a:ext uri="{FF2B5EF4-FFF2-40B4-BE49-F238E27FC236}">
-                <a16:creationId xmlns:a16="http://schemas.microsoft.com/office/drawing/2014/main" id="{2BB9C95E-B703-9D02-6D1C-E8D43BBDF1D8}"/>
-              </a:ext>
-            </a:extLst>
-          </p:cNvPr>
-          <p:cNvPicPr>
-            <a:picLocks noChangeAspect="1"/>
-          </p:cNvPicPr>
-          <p:nvPr/>
-        </p:nvPicPr>
-        <p:blipFill>
-          <a:blip r:embed="rId4"/>
-          <a:stretch>
-            <a:fillRect/>
-          </a:stretch>
-        </p:blipFill>
-        <p:spPr>
-          <a:xfrm>
-            <a:off x="4717320" y="4001294"/>
-            <a:ext cx="5210175" cy="390525"/>
-          </a:xfrm>
-          <a:prstGeom prst="rect">
-            <a:avLst/>
-          </a:prstGeom>
-        </p:spPr>
-      </p:pic>
-      <p:pic>
-        <p:nvPicPr>
-          <p:cNvPr id="10" name="Picture 9">
-            <a:extLst>
-              <a:ext uri="{FF2B5EF4-FFF2-40B4-BE49-F238E27FC236}">
-                <a16:creationId xmlns:a16="http://schemas.microsoft.com/office/drawing/2014/main" id="{E6CC1599-F170-0AE4-B5BE-F41B7C3325AA}"/>
-              </a:ext>
-            </a:extLst>
-          </p:cNvPr>
-          <p:cNvPicPr>
-            <a:picLocks noChangeAspect="1"/>
-          </p:cNvPicPr>
-          <p:nvPr/>
-        </p:nvPicPr>
-        <p:blipFill>
-          <a:blip r:embed="rId5"/>
-          <a:stretch>
-            <a:fillRect/>
-          </a:stretch>
-        </p:blipFill>
-        <p:spPr>
-          <a:xfrm>
-            <a:off x="4717320" y="4589248"/>
-            <a:ext cx="6181725" cy="2152650"/>
+            <a:off x="2697923" y="2483708"/>
+            <a:ext cx="8655877" cy="4009167"/>
           </a:xfrm>
           <a:prstGeom prst="rect">
             <a:avLst/>
@@ -7093,7 +7792,7 @@
     </p:spTree>
     <p:extLst>
       <p:ext uri="{BB962C8B-B14F-4D97-AF65-F5344CB8AC3E}">
-        <p14:creationId xmlns:p14="http://schemas.microsoft.com/office/powerpoint/2010/main" val="4124707760"/>
+        <p14:creationId xmlns:p14="http://schemas.microsoft.com/office/powerpoint/2010/main" val="3589956204"/>
       </p:ext>
     </p:extLst>
   </p:cSld>
@@ -7149,7 +7848,7 @@
                   </a:schemeClr>
                 </a:solidFill>
               </a:rPr>
-              <a:t>AzureML: Create Online Endpoint</a:t>
+              <a:t>Manual Model: Test</a:t>
             </a:r>
           </a:p>
         </p:txBody>
@@ -7185,7 +7884,7 @@
                   </a:schemeClr>
                 </a:solidFill>
               </a:rPr>
-              <a:t>Create the endpoint</a:t>
+              <a:t>Test the endpoint</a:t>
             </a:r>
           </a:p>
           <a:p>
@@ -7234,16 +7933,25 @@
             </a:endParaRPr>
           </a:p>
           <a:p>
-            <a:r>
-              <a:rPr lang="en-US" dirty="0">
-                <a:solidFill>
-                  <a:schemeClr val="accent5">
-                    <a:lumMod val="50000"/>
-                  </a:schemeClr>
-                </a:solidFill>
-              </a:rPr>
-              <a:t>Retrieve the endpoint</a:t>
-            </a:r>
+            <a:pPr marL="0" indent="0">
+              <a:buNone/>
+            </a:pPr>
+            <a:endParaRPr lang="en-US" dirty="0">
+              <a:solidFill>
+                <a:schemeClr val="accent5">
+                  <a:lumMod val="50000"/>
+                </a:schemeClr>
+              </a:solidFill>
+            </a:endParaRPr>
+          </a:p>
+          <a:p>
+            <a:endParaRPr lang="en-US" dirty="0">
+              <a:solidFill>
+                <a:schemeClr val="accent5">
+                  <a:lumMod val="50000"/>
+                </a:schemeClr>
+              </a:solidFill>
+            </a:endParaRPr>
           </a:p>
         </p:txBody>
       </p:sp>
@@ -7252,7 +7960,7 @@
           <p:cNvPr id="6" name="Picture 5">
             <a:extLst>
               <a:ext uri="{FF2B5EF4-FFF2-40B4-BE49-F238E27FC236}">
-                <a16:creationId xmlns:a16="http://schemas.microsoft.com/office/drawing/2014/main" id="{8633C56B-CB29-A11E-74E2-544CA7B93777}"/>
+                <a16:creationId xmlns:a16="http://schemas.microsoft.com/office/drawing/2014/main" id="{9DBF5FD1-47AE-A868-9AC8-89B554C251A2}"/>
               </a:ext>
             </a:extLst>
           </p:cNvPr>
@@ -7269,38 +7977,8 @@
         </p:blipFill>
         <p:spPr>
           <a:xfrm>
-            <a:off x="1606506" y="2477014"/>
-            <a:ext cx="9657642" cy="1903971"/>
-          </a:xfrm>
-          <a:prstGeom prst="rect">
-            <a:avLst/>
-          </a:prstGeom>
-        </p:spPr>
-      </p:pic>
-      <p:pic>
-        <p:nvPicPr>
-          <p:cNvPr id="8" name="Picture 7">
-            <a:extLst>
-              <a:ext uri="{FF2B5EF4-FFF2-40B4-BE49-F238E27FC236}">
-                <a16:creationId xmlns:a16="http://schemas.microsoft.com/office/drawing/2014/main" id="{BBACF788-C4F8-4014-E09C-BD94E9276D71}"/>
-              </a:ext>
-            </a:extLst>
-          </p:cNvPr>
-          <p:cNvPicPr>
-            <a:picLocks noChangeAspect="1"/>
-          </p:cNvPicPr>
-          <p:nvPr/>
-        </p:nvPicPr>
-        <p:blipFill>
-          <a:blip r:embed="rId4"/>
-          <a:stretch>
-            <a:fillRect/>
-          </a:stretch>
-        </p:blipFill>
-        <p:spPr>
-          <a:xfrm>
-            <a:off x="1606506" y="5513085"/>
-            <a:ext cx="8098561" cy="528167"/>
+            <a:off x="4116420" y="3163330"/>
+            <a:ext cx="7147665" cy="3329545"/>
           </a:xfrm>
           <a:prstGeom prst="rect">
             <a:avLst/>
@@ -7310,7 +7988,7 @@
     </p:spTree>
     <p:extLst>
       <p:ext uri="{BB962C8B-B14F-4D97-AF65-F5344CB8AC3E}">
-        <p14:creationId xmlns:p14="http://schemas.microsoft.com/office/powerpoint/2010/main" val="2004595560"/>
+        <p14:creationId xmlns:p14="http://schemas.microsoft.com/office/powerpoint/2010/main" val="3207808528"/>
       </p:ext>
     </p:extLst>
   </p:cSld>
@@ -7614,6 +8292,1486 @@
                   </a:schemeClr>
                 </a:solidFill>
               </a:rPr>
+              <a:t>AzureML Trained Model</a:t>
+            </a:r>
+          </a:p>
+        </p:txBody>
+      </p:sp>
+      <p:sp>
+        <p:nvSpPr>
+          <p:cNvPr id="3" name="Content Placeholder 2">
+            <a:extLst>
+              <a:ext uri="{FF2B5EF4-FFF2-40B4-BE49-F238E27FC236}">
+                <a16:creationId xmlns:a16="http://schemas.microsoft.com/office/drawing/2014/main" id="{9B6FFEAB-96DA-4594-8268-CFF457266D8E}"/>
+              </a:ext>
+            </a:extLst>
+          </p:cNvPr>
+          <p:cNvSpPr>
+            <a:spLocks noGrp="1"/>
+          </p:cNvSpPr>
+          <p:nvPr>
+            <p:ph idx="1"/>
+          </p:nvPr>
+        </p:nvSpPr>
+        <p:spPr/>
+        <p:txBody>
+          <a:bodyPr>
+            <a:normAutofit/>
+          </a:bodyPr>
+          <a:lstStyle/>
+          <a:p>
+            <a:r>
+              <a:rPr lang="en-US" dirty="0">
+                <a:solidFill>
+                  <a:schemeClr val="accent5">
+                    <a:lumMod val="50000"/>
+                  </a:schemeClr>
+                </a:solidFill>
+              </a:rPr>
+              <a:t>Start with a sample</a:t>
+            </a:r>
+          </a:p>
+          <a:p>
+            <a:pPr lvl="1"/>
+            <a:r>
+              <a:rPr lang="en-US" dirty="0">
+                <a:solidFill>
+                  <a:schemeClr val="accent5">
+                    <a:lumMod val="50000"/>
+                  </a:schemeClr>
+                </a:solidFill>
+              </a:rPr>
+              <a:t>Notebooks -&gt; Samples -&gt; v2 &gt; </a:t>
+            </a:r>
+            <a:r>
+              <a:rPr lang="en-US" dirty="0" err="1">
+                <a:solidFill>
+                  <a:schemeClr val="accent5">
+                    <a:lumMod val="50000"/>
+                  </a:schemeClr>
+                </a:solidFill>
+              </a:rPr>
+              <a:t>sdk</a:t>
+            </a:r>
+            <a:r>
+              <a:rPr lang="en-US" dirty="0">
+                <a:solidFill>
+                  <a:schemeClr val="accent5">
+                    <a:lumMod val="50000"/>
+                  </a:schemeClr>
+                </a:solidFill>
+              </a:rPr>
+              <a:t> &gt; python &gt; jobs &gt; single-step &gt; </a:t>
+            </a:r>
+            <a:r>
+              <a:rPr lang="en-US" dirty="0" err="1">
+                <a:solidFill>
+                  <a:schemeClr val="accent5">
+                    <a:lumMod val="50000"/>
+                  </a:schemeClr>
+                </a:solidFill>
+              </a:rPr>
+              <a:t>tensorflow</a:t>
+            </a:r>
+            <a:r>
+              <a:rPr lang="en-US" dirty="0">
+                <a:solidFill>
+                  <a:schemeClr val="accent5">
+                    <a:lumMod val="50000"/>
+                  </a:schemeClr>
+                </a:solidFill>
+              </a:rPr>
+              <a:t> &gt; train-hyperparameter-tune-deploy-with-</a:t>
+            </a:r>
+            <a:r>
+              <a:rPr lang="en-US" dirty="0" err="1">
+                <a:solidFill>
+                  <a:schemeClr val="accent5">
+                    <a:lumMod val="50000"/>
+                  </a:schemeClr>
+                </a:solidFill>
+              </a:rPr>
+              <a:t>tensorflow</a:t>
+            </a:r>
+            <a:endParaRPr lang="en-US" dirty="0">
+              <a:solidFill>
+                <a:schemeClr val="accent5">
+                  <a:lumMod val="50000"/>
+                </a:schemeClr>
+              </a:solidFill>
+            </a:endParaRPr>
+          </a:p>
+          <a:p>
+            <a:r>
+              <a:rPr lang="en-US" dirty="0">
+                <a:solidFill>
+                  <a:schemeClr val="accent5">
+                    <a:lumMod val="50000"/>
+                  </a:schemeClr>
+                </a:solidFill>
+              </a:rPr>
+              <a:t>Clone Notebook</a:t>
+            </a:r>
+          </a:p>
+          <a:p>
+            <a:r>
+              <a:rPr lang="en-US" dirty="0">
+                <a:solidFill>
+                  <a:schemeClr val="accent5">
+                    <a:lumMod val="50000"/>
+                  </a:schemeClr>
+                </a:solidFill>
+              </a:rPr>
+              <a:t>Set Compute to your created compute instance</a:t>
+            </a:r>
+          </a:p>
+          <a:p>
+            <a:r>
+              <a:rPr lang="en-US" dirty="0">
+                <a:solidFill>
+                  <a:schemeClr val="accent5">
+                    <a:lumMod val="50000"/>
+                  </a:schemeClr>
+                </a:solidFill>
+              </a:rPr>
+              <a:t>Ensure Kernal is “Python 3.10 – SDK v2”</a:t>
+            </a:r>
+          </a:p>
+          <a:p>
+            <a:endParaRPr lang="en-US" dirty="0">
+              <a:solidFill>
+                <a:schemeClr val="accent5">
+                  <a:lumMod val="50000"/>
+                </a:schemeClr>
+              </a:solidFill>
+            </a:endParaRPr>
+          </a:p>
+        </p:txBody>
+      </p:sp>
+    </p:spTree>
+    <p:extLst>
+      <p:ext uri="{BB962C8B-B14F-4D97-AF65-F5344CB8AC3E}">
+        <p14:creationId xmlns:p14="http://schemas.microsoft.com/office/powerpoint/2010/main" val="1315747692"/>
+      </p:ext>
+    </p:extLst>
+  </p:cSld>
+  <p:clrMapOvr>
+    <a:masterClrMapping/>
+  </p:clrMapOvr>
+</p:sld>
+</file>
+
+<file path=ppt/slides/slide21.xml><?xml version="1.0" encoding="utf-8"?>
+<p:sld xmlns:a="http://schemas.openxmlformats.org/drawingml/2006/main" xmlns:r="http://schemas.openxmlformats.org/officeDocument/2006/relationships" xmlns:p="http://schemas.openxmlformats.org/presentationml/2006/main">
+  <p:cSld>
+    <p:spTree>
+      <p:nvGrpSpPr>
+        <p:cNvPr id="1" name=""/>
+        <p:cNvGrpSpPr/>
+        <p:nvPr/>
+      </p:nvGrpSpPr>
+      <p:grpSpPr>
+        <a:xfrm>
+          <a:off x="0" y="0"/>
+          <a:ext cx="0" cy="0"/>
+          <a:chOff x="0" y="0"/>
+          <a:chExt cx="0" cy="0"/>
+        </a:xfrm>
+      </p:grpSpPr>
+      <p:sp>
+        <p:nvSpPr>
+          <p:cNvPr id="2" name="Title 1">
+            <a:extLst>
+              <a:ext uri="{FF2B5EF4-FFF2-40B4-BE49-F238E27FC236}">
+                <a16:creationId xmlns:a16="http://schemas.microsoft.com/office/drawing/2014/main" id="{DE3CDF8B-9B55-4731-A3D9-E0EE17213FF4}"/>
+              </a:ext>
+            </a:extLst>
+          </p:cNvPr>
+          <p:cNvSpPr>
+            <a:spLocks noGrp="1"/>
+          </p:cNvSpPr>
+          <p:nvPr>
+            <p:ph type="title"/>
+          </p:nvPr>
+        </p:nvSpPr>
+        <p:spPr/>
+        <p:txBody>
+          <a:bodyPr/>
+          <a:lstStyle/>
+          <a:p>
+            <a:r>
+              <a:rPr lang="en-US" dirty="0">
+                <a:solidFill>
+                  <a:schemeClr val="accent5">
+                    <a:lumMod val="50000"/>
+                  </a:schemeClr>
+                </a:solidFill>
+              </a:rPr>
+              <a:t>AzureML: Create A Compute Resource</a:t>
+            </a:r>
+          </a:p>
+        </p:txBody>
+      </p:sp>
+      <p:sp>
+        <p:nvSpPr>
+          <p:cNvPr id="3" name="Content Placeholder 2">
+            <a:extLst>
+              <a:ext uri="{FF2B5EF4-FFF2-40B4-BE49-F238E27FC236}">
+                <a16:creationId xmlns:a16="http://schemas.microsoft.com/office/drawing/2014/main" id="{9B6FFEAB-96DA-4594-8268-CFF457266D8E}"/>
+              </a:ext>
+            </a:extLst>
+          </p:cNvPr>
+          <p:cNvSpPr>
+            <a:spLocks noGrp="1"/>
+          </p:cNvSpPr>
+          <p:nvPr>
+            <p:ph idx="1"/>
+          </p:nvPr>
+        </p:nvSpPr>
+        <p:spPr/>
+        <p:txBody>
+          <a:bodyPr>
+            <a:normAutofit/>
+          </a:bodyPr>
+          <a:lstStyle/>
+          <a:p>
+            <a:r>
+              <a:rPr lang="en-US" dirty="0">
+                <a:solidFill>
+                  <a:schemeClr val="accent5">
+                    <a:lumMod val="50000"/>
+                  </a:schemeClr>
+                </a:solidFill>
+              </a:rPr>
+              <a:t>Create a compute instance</a:t>
+            </a:r>
+          </a:p>
+          <a:p>
+            <a:pPr lvl="1"/>
+            <a:r>
+              <a:rPr lang="en-US" dirty="0">
+                <a:solidFill>
+                  <a:schemeClr val="accent5">
+                    <a:lumMod val="50000"/>
+                  </a:schemeClr>
+                </a:solidFill>
+              </a:rPr>
+              <a:t>Standard GPUs are getting removed 7/31/2023 (this was a nightmare)</a:t>
+            </a:r>
+          </a:p>
+          <a:p>
+            <a:r>
+              <a:rPr lang="en-US" dirty="0">
+                <a:solidFill>
+                  <a:schemeClr val="accent5">
+                    <a:lumMod val="50000"/>
+                  </a:schemeClr>
+                </a:solidFill>
+              </a:rPr>
+              <a:t>Using “Standard_DS3” CPU</a:t>
+            </a:r>
+          </a:p>
+          <a:p>
+            <a:pPr lvl="1"/>
+            <a:r>
+              <a:rPr lang="en-US" dirty="0">
+                <a:solidFill>
+                  <a:schemeClr val="accent5">
+                    <a:lumMod val="50000"/>
+                  </a:schemeClr>
+                </a:solidFill>
+              </a:rPr>
+              <a:t>I am cheap</a:t>
+            </a:r>
+          </a:p>
+          <a:p>
+            <a:endParaRPr lang="en-US" dirty="0">
+              <a:solidFill>
+                <a:schemeClr val="accent5">
+                  <a:lumMod val="50000"/>
+                </a:schemeClr>
+              </a:solidFill>
+            </a:endParaRPr>
+          </a:p>
+        </p:txBody>
+      </p:sp>
+      <p:pic>
+        <p:nvPicPr>
+          <p:cNvPr id="5" name="Picture 4">
+            <a:extLst>
+              <a:ext uri="{FF2B5EF4-FFF2-40B4-BE49-F238E27FC236}">
+                <a16:creationId xmlns:a16="http://schemas.microsoft.com/office/drawing/2014/main" id="{180E34D6-FD09-0209-F7B4-6930730985BA}"/>
+              </a:ext>
+            </a:extLst>
+          </p:cNvPr>
+          <p:cNvPicPr>
+            <a:picLocks noChangeAspect="1"/>
+          </p:cNvPicPr>
+          <p:nvPr/>
+        </p:nvPicPr>
+        <p:blipFill>
+          <a:blip r:embed="rId3"/>
+          <a:stretch>
+            <a:fillRect/>
+          </a:stretch>
+        </p:blipFill>
+        <p:spPr>
+          <a:xfrm>
+            <a:off x="6096000" y="2768600"/>
+            <a:ext cx="5391150" cy="3543300"/>
+          </a:xfrm>
+          <a:prstGeom prst="rect">
+            <a:avLst/>
+          </a:prstGeom>
+        </p:spPr>
+      </p:pic>
+    </p:spTree>
+    <p:extLst>
+      <p:ext uri="{BB962C8B-B14F-4D97-AF65-F5344CB8AC3E}">
+        <p14:creationId xmlns:p14="http://schemas.microsoft.com/office/powerpoint/2010/main" val="2754437247"/>
+      </p:ext>
+    </p:extLst>
+  </p:cSld>
+  <p:clrMapOvr>
+    <a:masterClrMapping/>
+  </p:clrMapOvr>
+</p:sld>
+</file>
+
+<file path=ppt/slides/slide22.xml><?xml version="1.0" encoding="utf-8"?>
+<p:sld xmlns:a="http://schemas.openxmlformats.org/drawingml/2006/main" xmlns:r="http://schemas.openxmlformats.org/officeDocument/2006/relationships" xmlns:p="http://schemas.openxmlformats.org/presentationml/2006/main">
+  <p:cSld>
+    <p:spTree>
+      <p:nvGrpSpPr>
+        <p:cNvPr id="1" name=""/>
+        <p:cNvGrpSpPr/>
+        <p:nvPr/>
+      </p:nvGrpSpPr>
+      <p:grpSpPr>
+        <a:xfrm>
+          <a:off x="0" y="0"/>
+          <a:ext cx="0" cy="0"/>
+          <a:chOff x="0" y="0"/>
+          <a:chExt cx="0" cy="0"/>
+        </a:xfrm>
+      </p:grpSpPr>
+      <p:sp>
+        <p:nvSpPr>
+          <p:cNvPr id="2" name="Title 1">
+            <a:extLst>
+              <a:ext uri="{FF2B5EF4-FFF2-40B4-BE49-F238E27FC236}">
+                <a16:creationId xmlns:a16="http://schemas.microsoft.com/office/drawing/2014/main" id="{DE3CDF8B-9B55-4731-A3D9-E0EE17213FF4}"/>
+              </a:ext>
+            </a:extLst>
+          </p:cNvPr>
+          <p:cNvSpPr>
+            <a:spLocks noGrp="1"/>
+          </p:cNvSpPr>
+          <p:nvPr>
+            <p:ph type="title"/>
+          </p:nvPr>
+        </p:nvSpPr>
+        <p:spPr/>
+        <p:txBody>
+          <a:bodyPr/>
+          <a:lstStyle/>
+          <a:p>
+            <a:r>
+              <a:rPr lang="en-US" dirty="0">
+                <a:solidFill>
+                  <a:schemeClr val="accent5">
+                    <a:lumMod val="50000"/>
+                  </a:schemeClr>
+                </a:solidFill>
+              </a:rPr>
+              <a:t>AzureML: Create An Environment</a:t>
+            </a:r>
+          </a:p>
+        </p:txBody>
+      </p:sp>
+      <p:sp>
+        <p:nvSpPr>
+          <p:cNvPr id="3" name="Content Placeholder 2">
+            <a:extLst>
+              <a:ext uri="{FF2B5EF4-FFF2-40B4-BE49-F238E27FC236}">
+                <a16:creationId xmlns:a16="http://schemas.microsoft.com/office/drawing/2014/main" id="{9B6FFEAB-96DA-4594-8268-CFF457266D8E}"/>
+              </a:ext>
+            </a:extLst>
+          </p:cNvPr>
+          <p:cNvSpPr>
+            <a:spLocks noGrp="1"/>
+          </p:cNvSpPr>
+          <p:nvPr>
+            <p:ph idx="1"/>
+          </p:nvPr>
+        </p:nvSpPr>
+        <p:spPr/>
+        <p:txBody>
+          <a:bodyPr>
+            <a:normAutofit/>
+          </a:bodyPr>
+          <a:lstStyle/>
+          <a:p>
+            <a:r>
+              <a:rPr lang="en-US" dirty="0">
+                <a:solidFill>
+                  <a:schemeClr val="accent5">
+                    <a:lumMod val="50000"/>
+                  </a:schemeClr>
+                </a:solidFill>
+              </a:rPr>
+              <a:t>Existing environment or custom environment using Docker or </a:t>
+            </a:r>
+            <a:r>
+              <a:rPr lang="en-US" dirty="0" err="1">
+                <a:solidFill>
+                  <a:schemeClr val="accent5">
+                    <a:lumMod val="50000"/>
+                  </a:schemeClr>
+                </a:solidFill>
+              </a:rPr>
+              <a:t>Conda</a:t>
+            </a:r>
+            <a:endParaRPr lang="en-US" dirty="0">
+              <a:solidFill>
+                <a:schemeClr val="accent5">
+                  <a:lumMod val="50000"/>
+                </a:schemeClr>
+              </a:solidFill>
+            </a:endParaRPr>
+          </a:p>
+          <a:p>
+            <a:endParaRPr lang="en-US" dirty="0">
+              <a:solidFill>
+                <a:schemeClr val="accent5">
+                  <a:lumMod val="50000"/>
+                </a:schemeClr>
+              </a:solidFill>
+            </a:endParaRPr>
+          </a:p>
+          <a:p>
+            <a:r>
+              <a:rPr lang="en-US" dirty="0" err="1">
+                <a:solidFill>
+                  <a:schemeClr val="accent5">
+                    <a:lumMod val="50000"/>
+                  </a:schemeClr>
+                </a:solidFill>
+              </a:rPr>
+              <a:t>Keras</a:t>
+            </a:r>
+            <a:r>
+              <a:rPr lang="en-US" dirty="0">
+                <a:solidFill>
+                  <a:schemeClr val="accent5">
+                    <a:lumMod val="50000"/>
+                  </a:schemeClr>
+                </a:solidFill>
+              </a:rPr>
+              <a:t> Example:</a:t>
+            </a:r>
+          </a:p>
+          <a:p>
+            <a:endParaRPr lang="en-US" dirty="0">
+              <a:solidFill>
+                <a:schemeClr val="accent5">
+                  <a:lumMod val="50000"/>
+                </a:schemeClr>
+              </a:solidFill>
+            </a:endParaRPr>
+          </a:p>
+        </p:txBody>
+      </p:sp>
+      <p:pic>
+        <p:nvPicPr>
+          <p:cNvPr id="6" name="Picture 5">
+            <a:extLst>
+              <a:ext uri="{FF2B5EF4-FFF2-40B4-BE49-F238E27FC236}">
+                <a16:creationId xmlns:a16="http://schemas.microsoft.com/office/drawing/2014/main" id="{CD25D677-2E2D-5231-6989-097AE7D551AE}"/>
+              </a:ext>
+            </a:extLst>
+          </p:cNvPr>
+          <p:cNvPicPr>
+            <a:picLocks noChangeAspect="1"/>
+          </p:cNvPicPr>
+          <p:nvPr/>
+        </p:nvPicPr>
+        <p:blipFill>
+          <a:blip r:embed="rId3"/>
+          <a:stretch>
+            <a:fillRect/>
+          </a:stretch>
+        </p:blipFill>
+        <p:spPr>
+          <a:xfrm>
+            <a:off x="3897913" y="2394379"/>
+            <a:ext cx="5953125" cy="438150"/>
+          </a:xfrm>
+          <a:prstGeom prst="rect">
+            <a:avLst/>
+          </a:prstGeom>
+        </p:spPr>
+      </p:pic>
+      <p:pic>
+        <p:nvPicPr>
+          <p:cNvPr id="8" name="Picture 7">
+            <a:extLst>
+              <a:ext uri="{FF2B5EF4-FFF2-40B4-BE49-F238E27FC236}">
+                <a16:creationId xmlns:a16="http://schemas.microsoft.com/office/drawing/2014/main" id="{DD340AC7-CAB0-0225-53B5-4205BEB348C9}"/>
+              </a:ext>
+            </a:extLst>
+          </p:cNvPr>
+          <p:cNvPicPr>
+            <a:picLocks noChangeAspect="1"/>
+          </p:cNvPicPr>
+          <p:nvPr/>
+        </p:nvPicPr>
+        <p:blipFill>
+          <a:blip r:embed="rId4"/>
+          <a:stretch>
+            <a:fillRect/>
+          </a:stretch>
+        </p:blipFill>
+        <p:spPr>
+          <a:xfrm>
+            <a:off x="1275063" y="3358034"/>
+            <a:ext cx="3562350" cy="2733675"/>
+          </a:xfrm>
+          <a:prstGeom prst="rect">
+            <a:avLst/>
+          </a:prstGeom>
+        </p:spPr>
+      </p:pic>
+      <p:pic>
+        <p:nvPicPr>
+          <p:cNvPr id="10" name="Picture 9">
+            <a:extLst>
+              <a:ext uri="{FF2B5EF4-FFF2-40B4-BE49-F238E27FC236}">
+                <a16:creationId xmlns:a16="http://schemas.microsoft.com/office/drawing/2014/main" id="{7B136F85-37A0-1816-F604-AC91A44AC6A6}"/>
+              </a:ext>
+            </a:extLst>
+          </p:cNvPr>
+          <p:cNvPicPr>
+            <a:picLocks noChangeAspect="1"/>
+          </p:cNvPicPr>
+          <p:nvPr/>
+        </p:nvPicPr>
+        <p:blipFill>
+          <a:blip r:embed="rId5"/>
+          <a:stretch>
+            <a:fillRect/>
+          </a:stretch>
+        </p:blipFill>
+        <p:spPr>
+          <a:xfrm>
+            <a:off x="5410457" y="3358034"/>
+            <a:ext cx="5972175" cy="2162175"/>
+          </a:xfrm>
+          <a:prstGeom prst="rect">
+            <a:avLst/>
+          </a:prstGeom>
+        </p:spPr>
+      </p:pic>
+    </p:spTree>
+    <p:extLst>
+      <p:ext uri="{BB962C8B-B14F-4D97-AF65-F5344CB8AC3E}">
+        <p14:creationId xmlns:p14="http://schemas.microsoft.com/office/powerpoint/2010/main" val="777669889"/>
+      </p:ext>
+    </p:extLst>
+  </p:cSld>
+  <p:clrMapOvr>
+    <a:masterClrMapping/>
+  </p:clrMapOvr>
+</p:sld>
+</file>
+
+<file path=ppt/slides/slide23.xml><?xml version="1.0" encoding="utf-8"?>
+<p:sld xmlns:a="http://schemas.openxmlformats.org/drawingml/2006/main" xmlns:r="http://schemas.openxmlformats.org/officeDocument/2006/relationships" xmlns:p="http://schemas.openxmlformats.org/presentationml/2006/main">
+  <p:cSld>
+    <p:spTree>
+      <p:nvGrpSpPr>
+        <p:cNvPr id="1" name=""/>
+        <p:cNvGrpSpPr/>
+        <p:nvPr/>
+      </p:nvGrpSpPr>
+      <p:grpSpPr>
+        <a:xfrm>
+          <a:off x="0" y="0"/>
+          <a:ext cx="0" cy="0"/>
+          <a:chOff x="0" y="0"/>
+          <a:chExt cx="0" cy="0"/>
+        </a:xfrm>
+      </p:grpSpPr>
+      <p:sp>
+        <p:nvSpPr>
+          <p:cNvPr id="2" name="Title 1">
+            <a:extLst>
+              <a:ext uri="{FF2B5EF4-FFF2-40B4-BE49-F238E27FC236}">
+                <a16:creationId xmlns:a16="http://schemas.microsoft.com/office/drawing/2014/main" id="{DE3CDF8B-9B55-4731-A3D9-E0EE17213FF4}"/>
+              </a:ext>
+            </a:extLst>
+          </p:cNvPr>
+          <p:cNvSpPr>
+            <a:spLocks noGrp="1"/>
+          </p:cNvSpPr>
+          <p:nvPr>
+            <p:ph type="title"/>
+          </p:nvPr>
+        </p:nvSpPr>
+        <p:spPr/>
+        <p:txBody>
+          <a:bodyPr/>
+          <a:lstStyle/>
+          <a:p>
+            <a:r>
+              <a:rPr lang="en-US" dirty="0">
+                <a:solidFill>
+                  <a:schemeClr val="accent5">
+                    <a:lumMod val="50000"/>
+                  </a:schemeClr>
+                </a:solidFill>
+              </a:rPr>
+              <a:t>AzureML: Build A Job</a:t>
+            </a:r>
+          </a:p>
+        </p:txBody>
+      </p:sp>
+      <p:sp>
+        <p:nvSpPr>
+          <p:cNvPr id="3" name="Content Placeholder 2">
+            <a:extLst>
+              <a:ext uri="{FF2B5EF4-FFF2-40B4-BE49-F238E27FC236}">
+                <a16:creationId xmlns:a16="http://schemas.microsoft.com/office/drawing/2014/main" id="{9B6FFEAB-96DA-4594-8268-CFF457266D8E}"/>
+              </a:ext>
+            </a:extLst>
+          </p:cNvPr>
+          <p:cNvSpPr>
+            <a:spLocks noGrp="1"/>
+          </p:cNvSpPr>
+          <p:nvPr>
+            <p:ph idx="1"/>
+          </p:nvPr>
+        </p:nvSpPr>
+        <p:spPr/>
+        <p:txBody>
+          <a:bodyPr>
+            <a:normAutofit/>
+          </a:bodyPr>
+          <a:lstStyle/>
+          <a:p>
+            <a:r>
+              <a:rPr lang="en-US" dirty="0">
+                <a:solidFill>
+                  <a:schemeClr val="accent5">
+                    <a:lumMod val="50000"/>
+                  </a:schemeClr>
+                </a:solidFill>
+              </a:rPr>
+              <a:t>Command Job with all the details needed</a:t>
+            </a:r>
+          </a:p>
+          <a:p>
+            <a:r>
+              <a:rPr lang="en-US" dirty="0">
+                <a:solidFill>
+                  <a:schemeClr val="accent5">
+                    <a:lumMod val="50000"/>
+                  </a:schemeClr>
+                </a:solidFill>
+              </a:rPr>
+              <a:t>Using provided training script (tf_mnist.py)</a:t>
+            </a:r>
+          </a:p>
+          <a:p>
+            <a:endParaRPr lang="en-US" dirty="0">
+              <a:solidFill>
+                <a:schemeClr val="accent5">
+                  <a:lumMod val="50000"/>
+                </a:schemeClr>
+              </a:solidFill>
+            </a:endParaRPr>
+          </a:p>
+        </p:txBody>
+      </p:sp>
+      <p:pic>
+        <p:nvPicPr>
+          <p:cNvPr id="9" name="Picture 8">
+            <a:extLst>
+              <a:ext uri="{FF2B5EF4-FFF2-40B4-BE49-F238E27FC236}">
+                <a16:creationId xmlns:a16="http://schemas.microsoft.com/office/drawing/2014/main" id="{2969DF92-634D-1AD4-0B34-B045F780DDD2}"/>
+              </a:ext>
+            </a:extLst>
+          </p:cNvPr>
+          <p:cNvPicPr>
+            <a:picLocks noChangeAspect="1"/>
+          </p:cNvPicPr>
+          <p:nvPr/>
+        </p:nvPicPr>
+        <p:blipFill>
+          <a:blip r:embed="rId3"/>
+          <a:stretch>
+            <a:fillRect/>
+          </a:stretch>
+        </p:blipFill>
+        <p:spPr>
+          <a:xfrm>
+            <a:off x="3311376" y="2977978"/>
+            <a:ext cx="8197399" cy="3198985"/>
+          </a:xfrm>
+          <a:prstGeom prst="rect">
+            <a:avLst/>
+          </a:prstGeom>
+        </p:spPr>
+      </p:pic>
+    </p:spTree>
+    <p:extLst>
+      <p:ext uri="{BB962C8B-B14F-4D97-AF65-F5344CB8AC3E}">
+        <p14:creationId xmlns:p14="http://schemas.microsoft.com/office/powerpoint/2010/main" val="2772016874"/>
+      </p:ext>
+    </p:extLst>
+  </p:cSld>
+  <p:clrMapOvr>
+    <a:masterClrMapping/>
+  </p:clrMapOvr>
+</p:sld>
+</file>
+
+<file path=ppt/slides/slide24.xml><?xml version="1.0" encoding="utf-8"?>
+<p:sld xmlns:a="http://schemas.openxmlformats.org/drawingml/2006/main" xmlns:r="http://schemas.openxmlformats.org/officeDocument/2006/relationships" xmlns:p="http://schemas.openxmlformats.org/presentationml/2006/main">
+  <p:cSld>
+    <p:spTree>
+      <p:nvGrpSpPr>
+        <p:cNvPr id="1" name=""/>
+        <p:cNvGrpSpPr/>
+        <p:nvPr/>
+      </p:nvGrpSpPr>
+      <p:grpSpPr>
+        <a:xfrm>
+          <a:off x="0" y="0"/>
+          <a:ext cx="0" cy="0"/>
+          <a:chOff x="0" y="0"/>
+          <a:chExt cx="0" cy="0"/>
+        </a:xfrm>
+      </p:grpSpPr>
+      <p:sp>
+        <p:nvSpPr>
+          <p:cNvPr id="2" name="Title 1">
+            <a:extLst>
+              <a:ext uri="{FF2B5EF4-FFF2-40B4-BE49-F238E27FC236}">
+                <a16:creationId xmlns:a16="http://schemas.microsoft.com/office/drawing/2014/main" id="{DE3CDF8B-9B55-4731-A3D9-E0EE17213FF4}"/>
+              </a:ext>
+            </a:extLst>
+          </p:cNvPr>
+          <p:cNvSpPr>
+            <a:spLocks noGrp="1"/>
+          </p:cNvSpPr>
+          <p:nvPr>
+            <p:ph type="title"/>
+          </p:nvPr>
+        </p:nvSpPr>
+        <p:spPr/>
+        <p:txBody>
+          <a:bodyPr/>
+          <a:lstStyle/>
+          <a:p>
+            <a:r>
+              <a:rPr lang="en-US" dirty="0">
+                <a:solidFill>
+                  <a:schemeClr val="accent5">
+                    <a:lumMod val="50000"/>
+                  </a:schemeClr>
+                </a:solidFill>
+              </a:rPr>
+              <a:t>AzureML: Run A Job</a:t>
+            </a:r>
+          </a:p>
+        </p:txBody>
+      </p:sp>
+      <p:sp>
+        <p:nvSpPr>
+          <p:cNvPr id="3" name="Content Placeholder 2">
+            <a:extLst>
+              <a:ext uri="{FF2B5EF4-FFF2-40B4-BE49-F238E27FC236}">
+                <a16:creationId xmlns:a16="http://schemas.microsoft.com/office/drawing/2014/main" id="{9B6FFEAB-96DA-4594-8268-CFF457266D8E}"/>
+              </a:ext>
+            </a:extLst>
+          </p:cNvPr>
+          <p:cNvSpPr>
+            <a:spLocks noGrp="1"/>
+          </p:cNvSpPr>
+          <p:nvPr>
+            <p:ph idx="1"/>
+          </p:nvPr>
+        </p:nvSpPr>
+        <p:spPr/>
+        <p:txBody>
+          <a:bodyPr>
+            <a:normAutofit/>
+          </a:bodyPr>
+          <a:lstStyle/>
+          <a:p>
+            <a:r>
+              <a:rPr lang="en-US" dirty="0">
+                <a:solidFill>
+                  <a:schemeClr val="accent5">
+                    <a:lumMod val="50000"/>
+                  </a:schemeClr>
+                </a:solidFill>
+              </a:rPr>
+              <a:t>Submit Job</a:t>
+            </a:r>
+          </a:p>
+          <a:p>
+            <a:pPr lvl="1"/>
+            <a:r>
+              <a:rPr lang="en-US" dirty="0">
+                <a:solidFill>
+                  <a:schemeClr val="accent5">
+                    <a:lumMod val="50000"/>
+                  </a:schemeClr>
+                </a:solidFill>
+              </a:rPr>
+              <a:t>Registers the job</a:t>
+            </a:r>
+          </a:p>
+          <a:p>
+            <a:r>
+              <a:rPr lang="en-US" dirty="0">
+                <a:solidFill>
+                  <a:schemeClr val="accent5">
+                    <a:lumMod val="50000"/>
+                  </a:schemeClr>
+                </a:solidFill>
+              </a:rPr>
+              <a:t>Job:</a:t>
+            </a:r>
+          </a:p>
+          <a:p>
+            <a:pPr lvl="1"/>
+            <a:r>
+              <a:rPr lang="en-US" dirty="0">
+                <a:solidFill>
+                  <a:schemeClr val="accent5">
+                    <a:lumMod val="50000"/>
+                  </a:schemeClr>
+                </a:solidFill>
+              </a:rPr>
+              <a:t>Preparing: Docker image created and uploaded to the workspace</a:t>
+            </a:r>
+          </a:p>
+          <a:p>
+            <a:pPr lvl="1"/>
+            <a:r>
+              <a:rPr lang="en-US" dirty="0">
+                <a:solidFill>
+                  <a:schemeClr val="accent5">
+                    <a:lumMod val="50000"/>
+                  </a:schemeClr>
+                </a:solidFill>
+              </a:rPr>
+              <a:t>Scaling: The cluster attempts to scale up if it requires more nodes</a:t>
+            </a:r>
+          </a:p>
+          <a:p>
+            <a:pPr lvl="1"/>
+            <a:r>
+              <a:rPr lang="en-US" dirty="0">
+                <a:solidFill>
+                  <a:schemeClr val="accent5">
+                    <a:lumMod val="50000"/>
+                  </a:schemeClr>
+                </a:solidFill>
+              </a:rPr>
+              <a:t>Running: All the scripts in ‘</a:t>
+            </a:r>
+            <a:r>
+              <a:rPr lang="en-US" dirty="0" err="1">
+                <a:solidFill>
+                  <a:schemeClr val="accent5">
+                    <a:lumMod val="50000"/>
+                  </a:schemeClr>
+                </a:solidFill>
+              </a:rPr>
+              <a:t>src</a:t>
+            </a:r>
+            <a:r>
+              <a:rPr lang="en-US" dirty="0">
+                <a:solidFill>
+                  <a:schemeClr val="accent5">
+                    <a:lumMod val="50000"/>
+                  </a:schemeClr>
+                </a:solidFill>
+              </a:rPr>
+              <a:t>’ are uploaded and run</a:t>
+            </a:r>
+          </a:p>
+          <a:p>
+            <a:endParaRPr lang="en-US" dirty="0">
+              <a:solidFill>
+                <a:schemeClr val="accent5">
+                  <a:lumMod val="50000"/>
+                </a:schemeClr>
+              </a:solidFill>
+            </a:endParaRPr>
+          </a:p>
+        </p:txBody>
+      </p:sp>
+      <p:pic>
+        <p:nvPicPr>
+          <p:cNvPr id="5" name="Picture 4">
+            <a:extLst>
+              <a:ext uri="{FF2B5EF4-FFF2-40B4-BE49-F238E27FC236}">
+                <a16:creationId xmlns:a16="http://schemas.microsoft.com/office/drawing/2014/main" id="{D5DA82B8-7C94-B989-4EFC-0CDCDC550BD3}"/>
+              </a:ext>
+            </a:extLst>
+          </p:cNvPr>
+          <p:cNvPicPr>
+            <a:picLocks noChangeAspect="1"/>
+          </p:cNvPicPr>
+          <p:nvPr/>
+        </p:nvPicPr>
+        <p:blipFill>
+          <a:blip r:embed="rId3"/>
+          <a:stretch>
+            <a:fillRect/>
+          </a:stretch>
+        </p:blipFill>
+        <p:spPr>
+          <a:xfrm>
+            <a:off x="3654639" y="1944602"/>
+            <a:ext cx="4553857" cy="440252"/>
+          </a:xfrm>
+          <a:prstGeom prst="rect">
+            <a:avLst/>
+          </a:prstGeom>
+        </p:spPr>
+      </p:pic>
+    </p:spTree>
+    <p:extLst>
+      <p:ext uri="{BB962C8B-B14F-4D97-AF65-F5344CB8AC3E}">
+        <p14:creationId xmlns:p14="http://schemas.microsoft.com/office/powerpoint/2010/main" val="3255915884"/>
+      </p:ext>
+    </p:extLst>
+  </p:cSld>
+  <p:clrMapOvr>
+    <a:masterClrMapping/>
+  </p:clrMapOvr>
+</p:sld>
+</file>
+
+<file path=ppt/slides/slide25.xml><?xml version="1.0" encoding="utf-8"?>
+<p:sld xmlns:a="http://schemas.openxmlformats.org/drawingml/2006/main" xmlns:r="http://schemas.openxmlformats.org/officeDocument/2006/relationships" xmlns:p="http://schemas.openxmlformats.org/presentationml/2006/main">
+  <p:cSld>
+    <p:spTree>
+      <p:nvGrpSpPr>
+        <p:cNvPr id="1" name=""/>
+        <p:cNvGrpSpPr/>
+        <p:nvPr/>
+      </p:nvGrpSpPr>
+      <p:grpSpPr>
+        <a:xfrm>
+          <a:off x="0" y="0"/>
+          <a:ext cx="0" cy="0"/>
+          <a:chOff x="0" y="0"/>
+          <a:chExt cx="0" cy="0"/>
+        </a:xfrm>
+      </p:grpSpPr>
+      <p:sp>
+        <p:nvSpPr>
+          <p:cNvPr id="2" name="Title 1">
+            <a:extLst>
+              <a:ext uri="{FF2B5EF4-FFF2-40B4-BE49-F238E27FC236}">
+                <a16:creationId xmlns:a16="http://schemas.microsoft.com/office/drawing/2014/main" id="{DE3CDF8B-9B55-4731-A3D9-E0EE17213FF4}"/>
+              </a:ext>
+            </a:extLst>
+          </p:cNvPr>
+          <p:cNvSpPr>
+            <a:spLocks noGrp="1"/>
+          </p:cNvSpPr>
+          <p:nvPr>
+            <p:ph type="title"/>
+          </p:nvPr>
+        </p:nvSpPr>
+        <p:spPr/>
+        <p:txBody>
+          <a:bodyPr/>
+          <a:lstStyle/>
+          <a:p>
+            <a:r>
+              <a:rPr lang="en-US" dirty="0">
+                <a:solidFill>
+                  <a:schemeClr val="accent5">
+                    <a:lumMod val="50000"/>
+                  </a:schemeClr>
+                </a:solidFill>
+              </a:rPr>
+              <a:t>AzureML: Deploy The Model</a:t>
+            </a:r>
+          </a:p>
+        </p:txBody>
+      </p:sp>
+      <p:sp>
+        <p:nvSpPr>
+          <p:cNvPr id="3" name="Content Placeholder 2">
+            <a:extLst>
+              <a:ext uri="{FF2B5EF4-FFF2-40B4-BE49-F238E27FC236}">
+                <a16:creationId xmlns:a16="http://schemas.microsoft.com/office/drawing/2014/main" id="{9B6FFEAB-96DA-4594-8268-CFF457266D8E}"/>
+              </a:ext>
+            </a:extLst>
+          </p:cNvPr>
+          <p:cNvSpPr>
+            <a:spLocks noGrp="1"/>
+          </p:cNvSpPr>
+          <p:nvPr>
+            <p:ph idx="1"/>
+          </p:nvPr>
+        </p:nvSpPr>
+        <p:spPr/>
+        <p:txBody>
+          <a:bodyPr>
+            <a:normAutofit/>
+          </a:bodyPr>
+          <a:lstStyle/>
+          <a:p>
+            <a:r>
+              <a:rPr lang="en-US" dirty="0">
+                <a:solidFill>
+                  <a:schemeClr val="accent5">
+                    <a:lumMod val="50000"/>
+                  </a:schemeClr>
+                </a:solidFill>
+              </a:rPr>
+              <a:t>Create the model</a:t>
+            </a:r>
+          </a:p>
+          <a:p>
+            <a:endParaRPr lang="en-US" dirty="0">
+              <a:solidFill>
+                <a:schemeClr val="accent5">
+                  <a:lumMod val="50000"/>
+                </a:schemeClr>
+              </a:solidFill>
+            </a:endParaRPr>
+          </a:p>
+          <a:p>
+            <a:endParaRPr lang="en-US" dirty="0">
+              <a:solidFill>
+                <a:schemeClr val="accent5">
+                  <a:lumMod val="50000"/>
+                </a:schemeClr>
+              </a:solidFill>
+            </a:endParaRPr>
+          </a:p>
+          <a:p>
+            <a:endParaRPr lang="en-US" dirty="0">
+              <a:solidFill>
+                <a:schemeClr val="accent5">
+                  <a:lumMod val="50000"/>
+                </a:schemeClr>
+              </a:solidFill>
+            </a:endParaRPr>
+          </a:p>
+          <a:p>
+            <a:r>
+              <a:rPr lang="en-US" dirty="0">
+                <a:solidFill>
+                  <a:schemeClr val="accent5">
+                    <a:lumMod val="50000"/>
+                  </a:schemeClr>
+                </a:solidFill>
+              </a:rPr>
+              <a:t>Register the model</a:t>
+            </a:r>
+          </a:p>
+          <a:p>
+            <a:endParaRPr lang="en-US" dirty="0">
+              <a:solidFill>
+                <a:schemeClr val="accent5">
+                  <a:lumMod val="50000"/>
+                </a:schemeClr>
+              </a:solidFill>
+            </a:endParaRPr>
+          </a:p>
+          <a:p>
+            <a:r>
+              <a:rPr lang="en-US" dirty="0">
+                <a:solidFill>
+                  <a:schemeClr val="accent5">
+                    <a:lumMod val="50000"/>
+                  </a:schemeClr>
+                </a:solidFill>
+              </a:rPr>
+              <a:t>Deploy the model</a:t>
+            </a:r>
+          </a:p>
+        </p:txBody>
+      </p:sp>
+      <p:pic>
+        <p:nvPicPr>
+          <p:cNvPr id="6" name="Picture 5">
+            <a:extLst>
+              <a:ext uri="{FF2B5EF4-FFF2-40B4-BE49-F238E27FC236}">
+                <a16:creationId xmlns:a16="http://schemas.microsoft.com/office/drawing/2014/main" id="{A4EAF968-4833-4474-DB41-05F1EC6E5275}"/>
+              </a:ext>
+            </a:extLst>
+          </p:cNvPr>
+          <p:cNvPicPr>
+            <a:picLocks noChangeAspect="1"/>
+          </p:cNvPicPr>
+          <p:nvPr/>
+        </p:nvPicPr>
+        <p:blipFill>
+          <a:blip r:embed="rId3"/>
+          <a:stretch>
+            <a:fillRect/>
+          </a:stretch>
+        </p:blipFill>
+        <p:spPr>
+          <a:xfrm>
+            <a:off x="4717320" y="1825625"/>
+            <a:ext cx="5895975" cy="1885950"/>
+          </a:xfrm>
+          <a:prstGeom prst="rect">
+            <a:avLst/>
+          </a:prstGeom>
+        </p:spPr>
+      </p:pic>
+      <p:pic>
+        <p:nvPicPr>
+          <p:cNvPr id="8" name="Picture 7">
+            <a:extLst>
+              <a:ext uri="{FF2B5EF4-FFF2-40B4-BE49-F238E27FC236}">
+                <a16:creationId xmlns:a16="http://schemas.microsoft.com/office/drawing/2014/main" id="{2BB9C95E-B703-9D02-6D1C-E8D43BBDF1D8}"/>
+              </a:ext>
+            </a:extLst>
+          </p:cNvPr>
+          <p:cNvPicPr>
+            <a:picLocks noChangeAspect="1"/>
+          </p:cNvPicPr>
+          <p:nvPr/>
+        </p:nvPicPr>
+        <p:blipFill>
+          <a:blip r:embed="rId4"/>
+          <a:stretch>
+            <a:fillRect/>
+          </a:stretch>
+        </p:blipFill>
+        <p:spPr>
+          <a:xfrm>
+            <a:off x="4717320" y="4001294"/>
+            <a:ext cx="5210175" cy="390525"/>
+          </a:xfrm>
+          <a:prstGeom prst="rect">
+            <a:avLst/>
+          </a:prstGeom>
+        </p:spPr>
+      </p:pic>
+      <p:pic>
+        <p:nvPicPr>
+          <p:cNvPr id="10" name="Picture 9">
+            <a:extLst>
+              <a:ext uri="{FF2B5EF4-FFF2-40B4-BE49-F238E27FC236}">
+                <a16:creationId xmlns:a16="http://schemas.microsoft.com/office/drawing/2014/main" id="{E6CC1599-F170-0AE4-B5BE-F41B7C3325AA}"/>
+              </a:ext>
+            </a:extLst>
+          </p:cNvPr>
+          <p:cNvPicPr>
+            <a:picLocks noChangeAspect="1"/>
+          </p:cNvPicPr>
+          <p:nvPr/>
+        </p:nvPicPr>
+        <p:blipFill>
+          <a:blip r:embed="rId5"/>
+          <a:stretch>
+            <a:fillRect/>
+          </a:stretch>
+        </p:blipFill>
+        <p:spPr>
+          <a:xfrm>
+            <a:off x="4717320" y="4589248"/>
+            <a:ext cx="6181725" cy="2152650"/>
+          </a:xfrm>
+          <a:prstGeom prst="rect">
+            <a:avLst/>
+          </a:prstGeom>
+        </p:spPr>
+      </p:pic>
+    </p:spTree>
+    <p:extLst>
+      <p:ext uri="{BB962C8B-B14F-4D97-AF65-F5344CB8AC3E}">
+        <p14:creationId xmlns:p14="http://schemas.microsoft.com/office/powerpoint/2010/main" val="4124707760"/>
+      </p:ext>
+    </p:extLst>
+  </p:cSld>
+  <p:clrMapOvr>
+    <a:masterClrMapping/>
+  </p:clrMapOvr>
+</p:sld>
+</file>
+
+<file path=ppt/slides/slide26.xml><?xml version="1.0" encoding="utf-8"?>
+<p:sld xmlns:a="http://schemas.openxmlformats.org/drawingml/2006/main" xmlns:r="http://schemas.openxmlformats.org/officeDocument/2006/relationships" xmlns:p="http://schemas.openxmlformats.org/presentationml/2006/main">
+  <p:cSld>
+    <p:spTree>
+      <p:nvGrpSpPr>
+        <p:cNvPr id="1" name=""/>
+        <p:cNvGrpSpPr/>
+        <p:nvPr/>
+      </p:nvGrpSpPr>
+      <p:grpSpPr>
+        <a:xfrm>
+          <a:off x="0" y="0"/>
+          <a:ext cx="0" cy="0"/>
+          <a:chOff x="0" y="0"/>
+          <a:chExt cx="0" cy="0"/>
+        </a:xfrm>
+      </p:grpSpPr>
+      <p:sp>
+        <p:nvSpPr>
+          <p:cNvPr id="2" name="Title 1">
+            <a:extLst>
+              <a:ext uri="{FF2B5EF4-FFF2-40B4-BE49-F238E27FC236}">
+                <a16:creationId xmlns:a16="http://schemas.microsoft.com/office/drawing/2014/main" id="{DE3CDF8B-9B55-4731-A3D9-E0EE17213FF4}"/>
+              </a:ext>
+            </a:extLst>
+          </p:cNvPr>
+          <p:cNvSpPr>
+            <a:spLocks noGrp="1"/>
+          </p:cNvSpPr>
+          <p:nvPr>
+            <p:ph type="title"/>
+          </p:nvPr>
+        </p:nvSpPr>
+        <p:spPr/>
+        <p:txBody>
+          <a:bodyPr/>
+          <a:lstStyle/>
+          <a:p>
+            <a:r>
+              <a:rPr lang="en-US" dirty="0">
+                <a:solidFill>
+                  <a:schemeClr val="accent5">
+                    <a:lumMod val="50000"/>
+                  </a:schemeClr>
+                </a:solidFill>
+              </a:rPr>
+              <a:t>AzureML: Create Online Endpoint</a:t>
+            </a:r>
+          </a:p>
+        </p:txBody>
+      </p:sp>
+      <p:sp>
+        <p:nvSpPr>
+          <p:cNvPr id="3" name="Content Placeholder 2">
+            <a:extLst>
+              <a:ext uri="{FF2B5EF4-FFF2-40B4-BE49-F238E27FC236}">
+                <a16:creationId xmlns:a16="http://schemas.microsoft.com/office/drawing/2014/main" id="{9B6FFEAB-96DA-4594-8268-CFF457266D8E}"/>
+              </a:ext>
+            </a:extLst>
+          </p:cNvPr>
+          <p:cNvSpPr>
+            <a:spLocks noGrp="1"/>
+          </p:cNvSpPr>
+          <p:nvPr>
+            <p:ph idx="1"/>
+          </p:nvPr>
+        </p:nvSpPr>
+        <p:spPr/>
+        <p:txBody>
+          <a:bodyPr>
+            <a:normAutofit/>
+          </a:bodyPr>
+          <a:lstStyle/>
+          <a:p>
+            <a:r>
+              <a:rPr lang="en-US" dirty="0">
+                <a:solidFill>
+                  <a:schemeClr val="accent5">
+                    <a:lumMod val="50000"/>
+                  </a:schemeClr>
+                </a:solidFill>
+              </a:rPr>
+              <a:t>Create the endpoint</a:t>
+            </a:r>
+          </a:p>
+          <a:p>
+            <a:endParaRPr lang="en-US" dirty="0">
+              <a:solidFill>
+                <a:schemeClr val="accent5">
+                  <a:lumMod val="50000"/>
+                </a:schemeClr>
+              </a:solidFill>
+            </a:endParaRPr>
+          </a:p>
+          <a:p>
+            <a:endParaRPr lang="en-US" dirty="0">
+              <a:solidFill>
+                <a:schemeClr val="accent5">
+                  <a:lumMod val="50000"/>
+                </a:schemeClr>
+              </a:solidFill>
+            </a:endParaRPr>
+          </a:p>
+          <a:p>
+            <a:endParaRPr lang="en-US" dirty="0">
+              <a:solidFill>
+                <a:schemeClr val="accent5">
+                  <a:lumMod val="50000"/>
+                </a:schemeClr>
+              </a:solidFill>
+            </a:endParaRPr>
+          </a:p>
+          <a:p>
+            <a:endParaRPr lang="en-US" dirty="0">
+              <a:solidFill>
+                <a:schemeClr val="accent5">
+                  <a:lumMod val="50000"/>
+                </a:schemeClr>
+              </a:solidFill>
+            </a:endParaRPr>
+          </a:p>
+          <a:p>
+            <a:endParaRPr lang="en-US" dirty="0">
+              <a:solidFill>
+                <a:schemeClr val="accent5">
+                  <a:lumMod val="50000"/>
+                </a:schemeClr>
+              </a:solidFill>
+            </a:endParaRPr>
+          </a:p>
+          <a:p>
+            <a:r>
+              <a:rPr lang="en-US" dirty="0">
+                <a:solidFill>
+                  <a:schemeClr val="accent5">
+                    <a:lumMod val="50000"/>
+                  </a:schemeClr>
+                </a:solidFill>
+              </a:rPr>
+              <a:t>Retrieve the endpoint</a:t>
+            </a:r>
+          </a:p>
+        </p:txBody>
+      </p:sp>
+      <p:pic>
+        <p:nvPicPr>
+          <p:cNvPr id="6" name="Picture 5">
+            <a:extLst>
+              <a:ext uri="{FF2B5EF4-FFF2-40B4-BE49-F238E27FC236}">
+                <a16:creationId xmlns:a16="http://schemas.microsoft.com/office/drawing/2014/main" id="{8633C56B-CB29-A11E-74E2-544CA7B93777}"/>
+              </a:ext>
+            </a:extLst>
+          </p:cNvPr>
+          <p:cNvPicPr>
+            <a:picLocks noChangeAspect="1"/>
+          </p:cNvPicPr>
+          <p:nvPr/>
+        </p:nvPicPr>
+        <p:blipFill>
+          <a:blip r:embed="rId3"/>
+          <a:stretch>
+            <a:fillRect/>
+          </a:stretch>
+        </p:blipFill>
+        <p:spPr>
+          <a:xfrm>
+            <a:off x="1606506" y="2477014"/>
+            <a:ext cx="9657642" cy="1903971"/>
+          </a:xfrm>
+          <a:prstGeom prst="rect">
+            <a:avLst/>
+          </a:prstGeom>
+        </p:spPr>
+      </p:pic>
+      <p:pic>
+        <p:nvPicPr>
+          <p:cNvPr id="8" name="Picture 7">
+            <a:extLst>
+              <a:ext uri="{FF2B5EF4-FFF2-40B4-BE49-F238E27FC236}">
+                <a16:creationId xmlns:a16="http://schemas.microsoft.com/office/drawing/2014/main" id="{BBACF788-C4F8-4014-E09C-BD94E9276D71}"/>
+              </a:ext>
+            </a:extLst>
+          </p:cNvPr>
+          <p:cNvPicPr>
+            <a:picLocks noChangeAspect="1"/>
+          </p:cNvPicPr>
+          <p:nvPr/>
+        </p:nvPicPr>
+        <p:blipFill>
+          <a:blip r:embed="rId4"/>
+          <a:stretch>
+            <a:fillRect/>
+          </a:stretch>
+        </p:blipFill>
+        <p:spPr>
+          <a:xfrm>
+            <a:off x="1606506" y="5513085"/>
+            <a:ext cx="8098561" cy="528167"/>
+          </a:xfrm>
+          <a:prstGeom prst="rect">
+            <a:avLst/>
+          </a:prstGeom>
+        </p:spPr>
+      </p:pic>
+    </p:spTree>
+    <p:extLst>
+      <p:ext uri="{BB962C8B-B14F-4D97-AF65-F5344CB8AC3E}">
+        <p14:creationId xmlns:p14="http://schemas.microsoft.com/office/powerpoint/2010/main" val="2004595560"/>
+      </p:ext>
+    </p:extLst>
+  </p:cSld>
+  <p:clrMapOvr>
+    <a:masterClrMapping/>
+  </p:clrMapOvr>
+</p:sld>
+</file>
+
+<file path=ppt/slides/slide27.xml><?xml version="1.0" encoding="utf-8"?>
+<p:sld xmlns:a="http://schemas.openxmlformats.org/drawingml/2006/main" xmlns:r="http://schemas.openxmlformats.org/officeDocument/2006/relationships" xmlns:p="http://schemas.openxmlformats.org/presentationml/2006/main">
+  <p:cSld>
+    <p:spTree>
+      <p:nvGrpSpPr>
+        <p:cNvPr id="1" name=""/>
+        <p:cNvGrpSpPr/>
+        <p:nvPr/>
+      </p:nvGrpSpPr>
+      <p:grpSpPr>
+        <a:xfrm>
+          <a:off x="0" y="0"/>
+          <a:ext cx="0" cy="0"/>
+          <a:chOff x="0" y="0"/>
+          <a:chExt cx="0" cy="0"/>
+        </a:xfrm>
+      </p:grpSpPr>
+      <p:sp>
+        <p:nvSpPr>
+          <p:cNvPr id="2" name="Title 1">
+            <a:extLst>
+              <a:ext uri="{FF2B5EF4-FFF2-40B4-BE49-F238E27FC236}">
+                <a16:creationId xmlns:a16="http://schemas.microsoft.com/office/drawing/2014/main" id="{DE3CDF8B-9B55-4731-A3D9-E0EE17213FF4}"/>
+              </a:ext>
+            </a:extLst>
+          </p:cNvPr>
+          <p:cNvSpPr>
+            <a:spLocks noGrp="1"/>
+          </p:cNvSpPr>
+          <p:nvPr>
+            <p:ph type="title"/>
+          </p:nvPr>
+        </p:nvSpPr>
+        <p:spPr/>
+        <p:txBody>
+          <a:bodyPr/>
+          <a:lstStyle/>
+          <a:p>
+            <a:r>
+              <a:rPr lang="en-US" dirty="0">
+                <a:solidFill>
+                  <a:schemeClr val="accent5">
+                    <a:lumMod val="50000"/>
+                  </a:schemeClr>
+                </a:solidFill>
+              </a:rPr>
               <a:t>AzureML: Test The Model</a:t>
             </a:r>
           </a:p>
@@ -7767,7 +9925,7 @@
 </p:sld>
 </file>
 
-<file path=ppt/slides/slide21.xml><?xml version="1.0" encoding="utf-8"?>
+<file path=ppt/slides/slide28.xml><?xml version="1.0" encoding="utf-8"?>
 <p:sld xmlns:a="http://schemas.openxmlformats.org/drawingml/2006/main" xmlns:r="http://schemas.openxmlformats.org/officeDocument/2006/relationships" xmlns:p="http://schemas.openxmlformats.org/presentationml/2006/main">
   <p:cSld>
     <p:spTree>
@@ -7977,7 +10135,7 @@
 </p:sld>
 </file>
 
-<file path=ppt/slides/slide22.xml><?xml version="1.0" encoding="utf-8"?>
+<file path=ppt/slides/slide29.xml><?xml version="1.0" encoding="utf-8"?>
 <p:sld xmlns:a="http://schemas.openxmlformats.org/drawingml/2006/main" xmlns:r="http://schemas.openxmlformats.org/officeDocument/2006/relationships" xmlns:p="http://schemas.openxmlformats.org/presentationml/2006/main">
   <p:cSld>
     <p:spTree>
@@ -8092,397 +10250,6 @@
     <p:extLst>
       <p:ext uri="{BB962C8B-B14F-4D97-AF65-F5344CB8AC3E}">
         <p14:creationId xmlns:p14="http://schemas.microsoft.com/office/powerpoint/2010/main" val="2148422421"/>
-      </p:ext>
-    </p:extLst>
-  </p:cSld>
-  <p:clrMapOvr>
-    <a:masterClrMapping/>
-  </p:clrMapOvr>
-</p:sld>
-</file>
-
-<file path=ppt/slides/slide23.xml><?xml version="1.0" encoding="utf-8"?>
-<p:sld xmlns:a="http://schemas.openxmlformats.org/drawingml/2006/main" xmlns:r="http://schemas.openxmlformats.org/officeDocument/2006/relationships" xmlns:p="http://schemas.openxmlformats.org/presentationml/2006/main">
-  <p:cSld>
-    <p:spTree>
-      <p:nvGrpSpPr>
-        <p:cNvPr id="1" name=""/>
-        <p:cNvGrpSpPr/>
-        <p:nvPr/>
-      </p:nvGrpSpPr>
-      <p:grpSpPr>
-        <a:xfrm>
-          <a:off x="0" y="0"/>
-          <a:ext cx="0" cy="0"/>
-          <a:chOff x="0" y="0"/>
-          <a:chExt cx="0" cy="0"/>
-        </a:xfrm>
-      </p:grpSpPr>
-      <p:sp>
-        <p:nvSpPr>
-          <p:cNvPr id="2" name="Title 1">
-            <a:extLst>
-              <a:ext uri="{FF2B5EF4-FFF2-40B4-BE49-F238E27FC236}">
-                <a16:creationId xmlns:a16="http://schemas.microsoft.com/office/drawing/2014/main" id="{8E184895-4B3D-4D82-9AF9-B36996CDB0D5}"/>
-              </a:ext>
-            </a:extLst>
-          </p:cNvPr>
-          <p:cNvSpPr>
-            <a:spLocks noGrp="1"/>
-          </p:cNvSpPr>
-          <p:nvPr>
-            <p:ph type="title"/>
-          </p:nvPr>
-        </p:nvSpPr>
-        <p:spPr/>
-        <p:txBody>
-          <a:bodyPr/>
-          <a:lstStyle/>
-          <a:p>
-            <a:r>
-              <a:rPr lang="en-US" dirty="0">
-                <a:solidFill>
-                  <a:srgbClr val="1F4E79"/>
-                </a:solidFill>
-              </a:rPr>
-              <a:t>Links</a:t>
-            </a:r>
-          </a:p>
-        </p:txBody>
-      </p:sp>
-      <p:sp>
-        <p:nvSpPr>
-          <p:cNvPr id="3" name="Content Placeholder 2">
-            <a:extLst>
-              <a:ext uri="{FF2B5EF4-FFF2-40B4-BE49-F238E27FC236}">
-                <a16:creationId xmlns:a16="http://schemas.microsoft.com/office/drawing/2014/main" id="{15C7FCC2-13FA-46CE-A8A6-BD77D14C2A8F}"/>
-              </a:ext>
-            </a:extLst>
-          </p:cNvPr>
-          <p:cNvSpPr>
-            <a:spLocks noGrp="1"/>
-          </p:cNvSpPr>
-          <p:nvPr>
-            <p:ph idx="1"/>
-          </p:nvPr>
-        </p:nvSpPr>
-        <p:spPr/>
-        <p:txBody>
-          <a:bodyPr>
-            <a:normAutofit/>
-          </a:bodyPr>
-          <a:lstStyle/>
-          <a:p>
-            <a:r>
-              <a:rPr lang="en-US" dirty="0">
-                <a:solidFill>
-                  <a:srgbClr val="1F4E79"/>
-                </a:solidFill>
-              </a:rPr>
-              <a:t>Presentation Repository: </a:t>
-            </a:r>
-            <a:r>
-              <a:rPr lang="en-US" dirty="0">
-                <a:solidFill>
-                  <a:srgbClr val="1F4E79"/>
-                </a:solidFill>
-                <a:hlinkClick r:id="rId2"/>
-              </a:rPr>
-              <a:t>https://github.com/ehennis/Blog/tree/master/AzureML</a:t>
-            </a:r>
-            <a:endParaRPr lang="en-US" dirty="0">
-              <a:solidFill>
-                <a:srgbClr val="1F4E79"/>
-              </a:solidFill>
-            </a:endParaRPr>
-          </a:p>
-          <a:p>
-            <a:r>
-              <a:rPr lang="en-US" dirty="0">
-                <a:solidFill>
-                  <a:schemeClr val="accent5">
-                    <a:lumMod val="50000"/>
-                  </a:schemeClr>
-                </a:solidFill>
-              </a:rPr>
-              <a:t>Completed Notebook: v2 &gt; </a:t>
-            </a:r>
-            <a:r>
-              <a:rPr lang="en-US" dirty="0" err="1">
-                <a:solidFill>
-                  <a:schemeClr val="accent5">
-                    <a:lumMod val="50000"/>
-                  </a:schemeClr>
-                </a:solidFill>
-              </a:rPr>
-              <a:t>sdk</a:t>
-            </a:r>
-            <a:r>
-              <a:rPr lang="en-US" dirty="0">
-                <a:solidFill>
-                  <a:schemeClr val="accent5">
-                    <a:lumMod val="50000"/>
-                  </a:schemeClr>
-                </a:solidFill>
-              </a:rPr>
-              <a:t> &gt; python &gt; jobs &gt; single-step &gt; </a:t>
-            </a:r>
-            <a:r>
-              <a:rPr lang="en-US" dirty="0" err="1">
-                <a:solidFill>
-                  <a:schemeClr val="accent5">
-                    <a:lumMod val="50000"/>
-                  </a:schemeClr>
-                </a:solidFill>
-              </a:rPr>
-              <a:t>tensorflow</a:t>
-            </a:r>
-            <a:r>
-              <a:rPr lang="en-US" dirty="0">
-                <a:solidFill>
-                  <a:schemeClr val="accent5">
-                    <a:lumMod val="50000"/>
-                  </a:schemeClr>
-                </a:solidFill>
-              </a:rPr>
-              <a:t> &gt; train-hyperparameter-tune-deploy-with-</a:t>
-            </a:r>
-            <a:r>
-              <a:rPr lang="en-US" dirty="0" err="1">
-                <a:solidFill>
-                  <a:schemeClr val="accent5">
-                    <a:lumMod val="50000"/>
-                  </a:schemeClr>
-                </a:solidFill>
-              </a:rPr>
-              <a:t>tensorflow</a:t>
-            </a:r>
-            <a:r>
-              <a:rPr lang="en-US" dirty="0">
-                <a:solidFill>
-                  <a:schemeClr val="accent5">
-                    <a:lumMod val="50000"/>
-                  </a:schemeClr>
-                </a:solidFill>
-              </a:rPr>
-              <a:t>.</a:t>
-            </a:r>
-          </a:p>
-          <a:p>
-            <a:endParaRPr lang="en-US" dirty="0">
-              <a:solidFill>
-                <a:srgbClr val="1F4E79"/>
-              </a:solidFill>
-            </a:endParaRPr>
-          </a:p>
-          <a:p>
-            <a:endParaRPr lang="en-US" dirty="0">
-              <a:solidFill>
-                <a:srgbClr val="1F4E79"/>
-              </a:solidFill>
-            </a:endParaRPr>
-          </a:p>
-          <a:p>
-            <a:endParaRPr lang="en-US" dirty="0"/>
-          </a:p>
-          <a:p>
-            <a:endParaRPr lang="en-US" dirty="0"/>
-          </a:p>
-        </p:txBody>
-      </p:sp>
-    </p:spTree>
-    <p:extLst>
-      <p:ext uri="{BB962C8B-B14F-4D97-AF65-F5344CB8AC3E}">
-        <p14:creationId xmlns:p14="http://schemas.microsoft.com/office/powerpoint/2010/main" val="4150764362"/>
-      </p:ext>
-    </p:extLst>
-  </p:cSld>
-  <p:clrMapOvr>
-    <a:masterClrMapping/>
-  </p:clrMapOvr>
-</p:sld>
-</file>
-
-<file path=ppt/slides/slide24.xml><?xml version="1.0" encoding="utf-8"?>
-<p:sld xmlns:a="http://schemas.openxmlformats.org/drawingml/2006/main" xmlns:r="http://schemas.openxmlformats.org/officeDocument/2006/relationships" xmlns:p="http://schemas.openxmlformats.org/presentationml/2006/main">
-  <p:cSld>
-    <p:spTree>
-      <p:nvGrpSpPr>
-        <p:cNvPr id="1" name=""/>
-        <p:cNvGrpSpPr/>
-        <p:nvPr/>
-      </p:nvGrpSpPr>
-      <p:grpSpPr>
-        <a:xfrm>
-          <a:off x="0" y="0"/>
-          <a:ext cx="0" cy="0"/>
-          <a:chOff x="0" y="0"/>
-          <a:chExt cx="0" cy="0"/>
-        </a:xfrm>
-      </p:grpSpPr>
-      <p:sp>
-        <p:nvSpPr>
-          <p:cNvPr id="2" name="Title 1">
-            <a:extLst>
-              <a:ext uri="{FF2B5EF4-FFF2-40B4-BE49-F238E27FC236}">
-                <a16:creationId xmlns:a16="http://schemas.microsoft.com/office/drawing/2014/main" id="{8E184895-4B3D-4D82-9AF9-B36996CDB0D5}"/>
-              </a:ext>
-            </a:extLst>
-          </p:cNvPr>
-          <p:cNvSpPr>
-            <a:spLocks noGrp="1"/>
-          </p:cNvSpPr>
-          <p:nvPr>
-            <p:ph type="title"/>
-          </p:nvPr>
-        </p:nvSpPr>
-        <p:spPr/>
-        <p:txBody>
-          <a:bodyPr/>
-          <a:lstStyle/>
-          <a:p>
-            <a:r>
-              <a:rPr lang="en-US" dirty="0">
-                <a:solidFill>
-                  <a:srgbClr val="1F4E79"/>
-                </a:solidFill>
-              </a:rPr>
-              <a:t>My Information</a:t>
-            </a:r>
-          </a:p>
-        </p:txBody>
-      </p:sp>
-      <p:sp>
-        <p:nvSpPr>
-          <p:cNvPr id="3" name="Content Placeholder 2">
-            <a:extLst>
-              <a:ext uri="{FF2B5EF4-FFF2-40B4-BE49-F238E27FC236}">
-                <a16:creationId xmlns:a16="http://schemas.microsoft.com/office/drawing/2014/main" id="{15C7FCC2-13FA-46CE-A8A6-BD77D14C2A8F}"/>
-              </a:ext>
-            </a:extLst>
-          </p:cNvPr>
-          <p:cNvSpPr>
-            <a:spLocks noGrp="1"/>
-          </p:cNvSpPr>
-          <p:nvPr>
-            <p:ph idx="1"/>
-          </p:nvPr>
-        </p:nvSpPr>
-        <p:spPr/>
-        <p:txBody>
-          <a:bodyPr/>
-          <a:lstStyle/>
-          <a:p>
-            <a:r>
-              <a:rPr lang="en-US" dirty="0">
-                <a:solidFill>
-                  <a:srgbClr val="1F4E79"/>
-                </a:solidFill>
-              </a:rPr>
-              <a:t>Twitter: @</a:t>
-            </a:r>
-            <a:r>
-              <a:rPr lang="en-US" dirty="0" err="1">
-                <a:solidFill>
-                  <a:srgbClr val="1F4E79"/>
-                </a:solidFill>
-              </a:rPr>
-              <a:t>TheNurl</a:t>
-            </a:r>
-            <a:endParaRPr lang="en-US" dirty="0">
-              <a:solidFill>
-                <a:srgbClr val="1F4E79"/>
-              </a:solidFill>
-            </a:endParaRPr>
-          </a:p>
-          <a:p>
-            <a:r>
-              <a:rPr lang="en-US" dirty="0">
-                <a:solidFill>
-                  <a:srgbClr val="1F4E79"/>
-                </a:solidFill>
-              </a:rPr>
-              <a:t>GitHub: </a:t>
-            </a:r>
-            <a:r>
-              <a:rPr lang="en-US" dirty="0">
-                <a:solidFill>
-                  <a:srgbClr val="1F4E79"/>
-                </a:solidFill>
-                <a:hlinkClick r:id="rId2"/>
-              </a:rPr>
-              <a:t>https://github.com/ehennis</a:t>
-            </a:r>
-            <a:endParaRPr lang="en-US" dirty="0">
-              <a:solidFill>
-                <a:srgbClr val="1F4E79"/>
-              </a:solidFill>
-            </a:endParaRPr>
-          </a:p>
-          <a:p>
-            <a:r>
-              <a:rPr lang="en-US" dirty="0">
-                <a:solidFill>
-                  <a:srgbClr val="1F4E79"/>
-                </a:solidFill>
-              </a:rPr>
-              <a:t>YouTube: Evan Hennis</a:t>
-            </a:r>
-          </a:p>
-          <a:p>
-            <a:r>
-              <a:rPr lang="en-US" dirty="0">
-                <a:solidFill>
-                  <a:srgbClr val="1F4E79"/>
-                </a:solidFill>
-              </a:rPr>
-              <a:t>Blog: </a:t>
-            </a:r>
-            <a:r>
-              <a:rPr lang="en-US" dirty="0">
-                <a:solidFill>
-                  <a:srgbClr val="1F4E79"/>
-                </a:solidFill>
-                <a:hlinkClick r:id="rId3"/>
-              </a:rPr>
-              <a:t>http://blog.eckronsoftware.com</a:t>
-            </a:r>
-            <a:endParaRPr lang="en-US" dirty="0">
-              <a:solidFill>
-                <a:srgbClr val="1F4E79"/>
-              </a:solidFill>
-            </a:endParaRPr>
-          </a:p>
-          <a:p>
-            <a:r>
-              <a:rPr lang="en-US" dirty="0">
-                <a:solidFill>
-                  <a:srgbClr val="1F4E79"/>
-                </a:solidFill>
-              </a:rPr>
-              <a:t>Email: </a:t>
-            </a:r>
-            <a:r>
-              <a:rPr lang="en-US" dirty="0">
-                <a:solidFill>
-                  <a:srgbClr val="1F4E79"/>
-                </a:solidFill>
-                <a:hlinkClick r:id="rId4"/>
-              </a:rPr>
-              <a:t>EvanHennis@gmail.com</a:t>
-            </a:r>
-            <a:endParaRPr lang="en-US" dirty="0">
-              <a:solidFill>
-                <a:srgbClr val="1F4E79"/>
-              </a:solidFill>
-            </a:endParaRPr>
-          </a:p>
-        </p:txBody>
-      </p:sp>
-    </p:spTree>
-    <p:extLst>
-      <p:ext uri="{BB962C8B-B14F-4D97-AF65-F5344CB8AC3E}">
-        <p14:creationId xmlns:p14="http://schemas.microsoft.com/office/powerpoint/2010/main" val="3640291696"/>
       </p:ext>
     </p:extLst>
   </p:cSld>
@@ -8549,6 +10316,397 @@
     <p:extLst>
       <p:ext uri="{BB962C8B-B14F-4D97-AF65-F5344CB8AC3E}">
         <p14:creationId xmlns:p14="http://schemas.microsoft.com/office/powerpoint/2010/main" val="95703922"/>
+      </p:ext>
+    </p:extLst>
+  </p:cSld>
+  <p:clrMapOvr>
+    <a:masterClrMapping/>
+  </p:clrMapOvr>
+</p:sld>
+</file>
+
+<file path=ppt/slides/slide30.xml><?xml version="1.0" encoding="utf-8"?>
+<p:sld xmlns:a="http://schemas.openxmlformats.org/drawingml/2006/main" xmlns:r="http://schemas.openxmlformats.org/officeDocument/2006/relationships" xmlns:p="http://schemas.openxmlformats.org/presentationml/2006/main">
+  <p:cSld>
+    <p:spTree>
+      <p:nvGrpSpPr>
+        <p:cNvPr id="1" name=""/>
+        <p:cNvGrpSpPr/>
+        <p:nvPr/>
+      </p:nvGrpSpPr>
+      <p:grpSpPr>
+        <a:xfrm>
+          <a:off x="0" y="0"/>
+          <a:ext cx="0" cy="0"/>
+          <a:chOff x="0" y="0"/>
+          <a:chExt cx="0" cy="0"/>
+        </a:xfrm>
+      </p:grpSpPr>
+      <p:sp>
+        <p:nvSpPr>
+          <p:cNvPr id="2" name="Title 1">
+            <a:extLst>
+              <a:ext uri="{FF2B5EF4-FFF2-40B4-BE49-F238E27FC236}">
+                <a16:creationId xmlns:a16="http://schemas.microsoft.com/office/drawing/2014/main" id="{8E184895-4B3D-4D82-9AF9-B36996CDB0D5}"/>
+              </a:ext>
+            </a:extLst>
+          </p:cNvPr>
+          <p:cNvSpPr>
+            <a:spLocks noGrp="1"/>
+          </p:cNvSpPr>
+          <p:nvPr>
+            <p:ph type="title"/>
+          </p:nvPr>
+        </p:nvSpPr>
+        <p:spPr/>
+        <p:txBody>
+          <a:bodyPr/>
+          <a:lstStyle/>
+          <a:p>
+            <a:r>
+              <a:rPr lang="en-US" dirty="0">
+                <a:solidFill>
+                  <a:srgbClr val="1F4E79"/>
+                </a:solidFill>
+              </a:rPr>
+              <a:t>Links</a:t>
+            </a:r>
+          </a:p>
+        </p:txBody>
+      </p:sp>
+      <p:sp>
+        <p:nvSpPr>
+          <p:cNvPr id="3" name="Content Placeholder 2">
+            <a:extLst>
+              <a:ext uri="{FF2B5EF4-FFF2-40B4-BE49-F238E27FC236}">
+                <a16:creationId xmlns:a16="http://schemas.microsoft.com/office/drawing/2014/main" id="{15C7FCC2-13FA-46CE-A8A6-BD77D14C2A8F}"/>
+              </a:ext>
+            </a:extLst>
+          </p:cNvPr>
+          <p:cNvSpPr>
+            <a:spLocks noGrp="1"/>
+          </p:cNvSpPr>
+          <p:nvPr>
+            <p:ph idx="1"/>
+          </p:nvPr>
+        </p:nvSpPr>
+        <p:spPr/>
+        <p:txBody>
+          <a:bodyPr>
+            <a:normAutofit/>
+          </a:bodyPr>
+          <a:lstStyle/>
+          <a:p>
+            <a:r>
+              <a:rPr lang="en-US" dirty="0">
+                <a:solidFill>
+                  <a:srgbClr val="1F4E79"/>
+                </a:solidFill>
+              </a:rPr>
+              <a:t>Presentation Repository: </a:t>
+            </a:r>
+            <a:r>
+              <a:rPr lang="en-US" dirty="0">
+                <a:solidFill>
+                  <a:srgbClr val="1F4E79"/>
+                </a:solidFill>
+                <a:hlinkClick r:id="rId2"/>
+              </a:rPr>
+              <a:t>https://github.com/ehennis/Blog/tree/master/AzureML</a:t>
+            </a:r>
+            <a:endParaRPr lang="en-US" dirty="0">
+              <a:solidFill>
+                <a:srgbClr val="1F4E79"/>
+              </a:solidFill>
+            </a:endParaRPr>
+          </a:p>
+          <a:p>
+            <a:r>
+              <a:rPr lang="en-US" dirty="0">
+                <a:solidFill>
+                  <a:schemeClr val="accent5">
+                    <a:lumMod val="50000"/>
+                  </a:schemeClr>
+                </a:solidFill>
+              </a:rPr>
+              <a:t>Completed Notebook: v2 &gt; </a:t>
+            </a:r>
+            <a:r>
+              <a:rPr lang="en-US" dirty="0" err="1">
+                <a:solidFill>
+                  <a:schemeClr val="accent5">
+                    <a:lumMod val="50000"/>
+                  </a:schemeClr>
+                </a:solidFill>
+              </a:rPr>
+              <a:t>sdk</a:t>
+            </a:r>
+            <a:r>
+              <a:rPr lang="en-US" dirty="0">
+                <a:solidFill>
+                  <a:schemeClr val="accent5">
+                    <a:lumMod val="50000"/>
+                  </a:schemeClr>
+                </a:solidFill>
+              </a:rPr>
+              <a:t> &gt; python &gt; jobs &gt; single-step &gt; </a:t>
+            </a:r>
+            <a:r>
+              <a:rPr lang="en-US" dirty="0" err="1">
+                <a:solidFill>
+                  <a:schemeClr val="accent5">
+                    <a:lumMod val="50000"/>
+                  </a:schemeClr>
+                </a:solidFill>
+              </a:rPr>
+              <a:t>tensorflow</a:t>
+            </a:r>
+            <a:r>
+              <a:rPr lang="en-US" dirty="0">
+                <a:solidFill>
+                  <a:schemeClr val="accent5">
+                    <a:lumMod val="50000"/>
+                  </a:schemeClr>
+                </a:solidFill>
+              </a:rPr>
+              <a:t> &gt; train-hyperparameter-tune-deploy-with-</a:t>
+            </a:r>
+            <a:r>
+              <a:rPr lang="en-US" dirty="0" err="1">
+                <a:solidFill>
+                  <a:schemeClr val="accent5">
+                    <a:lumMod val="50000"/>
+                  </a:schemeClr>
+                </a:solidFill>
+              </a:rPr>
+              <a:t>tensorflow</a:t>
+            </a:r>
+            <a:r>
+              <a:rPr lang="en-US" dirty="0">
+                <a:solidFill>
+                  <a:schemeClr val="accent5">
+                    <a:lumMod val="50000"/>
+                  </a:schemeClr>
+                </a:solidFill>
+              </a:rPr>
+              <a:t>.</a:t>
+            </a:r>
+          </a:p>
+          <a:p>
+            <a:endParaRPr lang="en-US" dirty="0">
+              <a:solidFill>
+                <a:srgbClr val="1F4E79"/>
+              </a:solidFill>
+            </a:endParaRPr>
+          </a:p>
+          <a:p>
+            <a:endParaRPr lang="en-US" dirty="0">
+              <a:solidFill>
+                <a:srgbClr val="1F4E79"/>
+              </a:solidFill>
+            </a:endParaRPr>
+          </a:p>
+          <a:p>
+            <a:endParaRPr lang="en-US" dirty="0"/>
+          </a:p>
+          <a:p>
+            <a:endParaRPr lang="en-US" dirty="0"/>
+          </a:p>
+        </p:txBody>
+      </p:sp>
+    </p:spTree>
+    <p:extLst>
+      <p:ext uri="{BB962C8B-B14F-4D97-AF65-F5344CB8AC3E}">
+        <p14:creationId xmlns:p14="http://schemas.microsoft.com/office/powerpoint/2010/main" val="4150764362"/>
+      </p:ext>
+    </p:extLst>
+  </p:cSld>
+  <p:clrMapOvr>
+    <a:masterClrMapping/>
+  </p:clrMapOvr>
+</p:sld>
+</file>
+
+<file path=ppt/slides/slide31.xml><?xml version="1.0" encoding="utf-8"?>
+<p:sld xmlns:a="http://schemas.openxmlformats.org/drawingml/2006/main" xmlns:r="http://schemas.openxmlformats.org/officeDocument/2006/relationships" xmlns:p="http://schemas.openxmlformats.org/presentationml/2006/main">
+  <p:cSld>
+    <p:spTree>
+      <p:nvGrpSpPr>
+        <p:cNvPr id="1" name=""/>
+        <p:cNvGrpSpPr/>
+        <p:nvPr/>
+      </p:nvGrpSpPr>
+      <p:grpSpPr>
+        <a:xfrm>
+          <a:off x="0" y="0"/>
+          <a:ext cx="0" cy="0"/>
+          <a:chOff x="0" y="0"/>
+          <a:chExt cx="0" cy="0"/>
+        </a:xfrm>
+      </p:grpSpPr>
+      <p:sp>
+        <p:nvSpPr>
+          <p:cNvPr id="2" name="Title 1">
+            <a:extLst>
+              <a:ext uri="{FF2B5EF4-FFF2-40B4-BE49-F238E27FC236}">
+                <a16:creationId xmlns:a16="http://schemas.microsoft.com/office/drawing/2014/main" id="{8E184895-4B3D-4D82-9AF9-B36996CDB0D5}"/>
+              </a:ext>
+            </a:extLst>
+          </p:cNvPr>
+          <p:cNvSpPr>
+            <a:spLocks noGrp="1"/>
+          </p:cNvSpPr>
+          <p:nvPr>
+            <p:ph type="title"/>
+          </p:nvPr>
+        </p:nvSpPr>
+        <p:spPr/>
+        <p:txBody>
+          <a:bodyPr/>
+          <a:lstStyle/>
+          <a:p>
+            <a:r>
+              <a:rPr lang="en-US" dirty="0">
+                <a:solidFill>
+                  <a:srgbClr val="1F4E79"/>
+                </a:solidFill>
+              </a:rPr>
+              <a:t>My Information</a:t>
+            </a:r>
+          </a:p>
+        </p:txBody>
+      </p:sp>
+      <p:sp>
+        <p:nvSpPr>
+          <p:cNvPr id="3" name="Content Placeholder 2">
+            <a:extLst>
+              <a:ext uri="{FF2B5EF4-FFF2-40B4-BE49-F238E27FC236}">
+                <a16:creationId xmlns:a16="http://schemas.microsoft.com/office/drawing/2014/main" id="{15C7FCC2-13FA-46CE-A8A6-BD77D14C2A8F}"/>
+              </a:ext>
+            </a:extLst>
+          </p:cNvPr>
+          <p:cNvSpPr>
+            <a:spLocks noGrp="1"/>
+          </p:cNvSpPr>
+          <p:nvPr>
+            <p:ph idx="1"/>
+          </p:nvPr>
+        </p:nvSpPr>
+        <p:spPr/>
+        <p:txBody>
+          <a:bodyPr/>
+          <a:lstStyle/>
+          <a:p>
+            <a:r>
+              <a:rPr lang="en-US" dirty="0">
+                <a:solidFill>
+                  <a:srgbClr val="1F4E79"/>
+                </a:solidFill>
+              </a:rPr>
+              <a:t>Twitter: @</a:t>
+            </a:r>
+            <a:r>
+              <a:rPr lang="en-US" dirty="0" err="1">
+                <a:solidFill>
+                  <a:srgbClr val="1F4E79"/>
+                </a:solidFill>
+              </a:rPr>
+              <a:t>TheNurl</a:t>
+            </a:r>
+            <a:endParaRPr lang="en-US" dirty="0">
+              <a:solidFill>
+                <a:srgbClr val="1F4E79"/>
+              </a:solidFill>
+            </a:endParaRPr>
+          </a:p>
+          <a:p>
+            <a:r>
+              <a:rPr lang="en-US" dirty="0">
+                <a:solidFill>
+                  <a:srgbClr val="1F4E79"/>
+                </a:solidFill>
+              </a:rPr>
+              <a:t>GitHub: </a:t>
+            </a:r>
+            <a:r>
+              <a:rPr lang="en-US" dirty="0">
+                <a:solidFill>
+                  <a:srgbClr val="1F4E79"/>
+                </a:solidFill>
+                <a:hlinkClick r:id="rId2"/>
+              </a:rPr>
+              <a:t>https://github.com/ehennis</a:t>
+            </a:r>
+            <a:endParaRPr lang="en-US" dirty="0">
+              <a:solidFill>
+                <a:srgbClr val="1F4E79"/>
+              </a:solidFill>
+            </a:endParaRPr>
+          </a:p>
+          <a:p>
+            <a:r>
+              <a:rPr lang="en-US" dirty="0">
+                <a:solidFill>
+                  <a:srgbClr val="1F4E79"/>
+                </a:solidFill>
+              </a:rPr>
+              <a:t>YouTube: Evan Hennis</a:t>
+            </a:r>
+          </a:p>
+          <a:p>
+            <a:r>
+              <a:rPr lang="en-US" dirty="0">
+                <a:solidFill>
+                  <a:srgbClr val="1F4E79"/>
+                </a:solidFill>
+              </a:rPr>
+              <a:t>Blog: </a:t>
+            </a:r>
+            <a:r>
+              <a:rPr lang="en-US" dirty="0">
+                <a:solidFill>
+                  <a:srgbClr val="1F4E79"/>
+                </a:solidFill>
+                <a:hlinkClick r:id="rId3"/>
+              </a:rPr>
+              <a:t>http://blog.eckronsoftware.com</a:t>
+            </a:r>
+            <a:endParaRPr lang="en-US" dirty="0">
+              <a:solidFill>
+                <a:srgbClr val="1F4E79"/>
+              </a:solidFill>
+            </a:endParaRPr>
+          </a:p>
+          <a:p>
+            <a:r>
+              <a:rPr lang="en-US" dirty="0">
+                <a:solidFill>
+                  <a:srgbClr val="1F4E79"/>
+                </a:solidFill>
+              </a:rPr>
+              <a:t>Email: </a:t>
+            </a:r>
+            <a:r>
+              <a:rPr lang="en-US" dirty="0">
+                <a:solidFill>
+                  <a:srgbClr val="1F4E79"/>
+                </a:solidFill>
+                <a:hlinkClick r:id="rId4"/>
+              </a:rPr>
+              <a:t>EvanHennis@gmail.com</a:t>
+            </a:r>
+            <a:endParaRPr lang="en-US" dirty="0">
+              <a:solidFill>
+                <a:srgbClr val="1F4E79"/>
+              </a:solidFill>
+            </a:endParaRPr>
+          </a:p>
+        </p:txBody>
+      </p:sp>
+    </p:spTree>
+    <p:extLst>
+      <p:ext uri="{BB962C8B-B14F-4D97-AF65-F5344CB8AC3E}">
+        <p14:creationId xmlns:p14="http://schemas.microsoft.com/office/powerpoint/2010/main" val="3640291696"/>
       </p:ext>
     </p:extLst>
   </p:cSld>
@@ -9605,8 +11763,10 @@
                   </a:schemeClr>
                 </a:solidFill>
               </a:rPr>
-              <a:t>Convert Celsius to </a:t>
-            </a:r>
+              <a:t>Convert Celsius to Fahrenheit</a:t>
+            </a:r>
+          </a:p>
+          <a:p>
             <a:r>
               <a:rPr lang="en-US" dirty="0" err="1">
                 <a:solidFill>
@@ -9615,7 +11775,7 @@
                   </a:schemeClr>
                 </a:solidFill>
               </a:rPr>
-              <a:t>Farhrenheit</a:t>
+              <a:t>TempConversion.ipynb</a:t>
             </a:r>
             <a:endParaRPr lang="en-US" dirty="0">
               <a:solidFill>
@@ -9736,6 +11896,28 @@
           <a:lstStyle/>
           <a:p>
             <a:r>
+              <a:rPr lang="en-US" dirty="0">
+                <a:solidFill>
+                  <a:schemeClr val="accent5">
+                    <a:lumMod val="50000"/>
+                  </a:schemeClr>
+                </a:solidFill>
+              </a:rPr>
+              <a:t>Notebooks -&gt; + -&gt; New File</a:t>
+            </a:r>
+          </a:p>
+          <a:p>
+            <a:r>
+              <a:rPr lang="en-US" dirty="0">
+                <a:solidFill>
+                  <a:schemeClr val="accent5">
+                    <a:lumMod val="50000"/>
+                  </a:schemeClr>
+                </a:solidFill>
+              </a:rPr>
+              <a:t>Ensure Kernal is “Python 3.8 – </a:t>
+            </a:r>
+            <a:r>
               <a:rPr lang="en-US" dirty="0" err="1">
                 <a:solidFill>
                   <a:schemeClr val="accent5">
@@ -9743,15 +11925,38 @@
                   </a:schemeClr>
                 </a:solidFill>
               </a:rPr>
-              <a:t>ToDo</a:t>
-            </a:r>
-            <a:endParaRPr lang="en-US" dirty="0">
-              <a:solidFill>
-                <a:schemeClr val="accent5">
-                  <a:lumMod val="50000"/>
-                </a:schemeClr>
-              </a:solidFill>
-            </a:endParaRPr>
+              <a:t>Pytorch</a:t>
+            </a:r>
+            <a:r>
+              <a:rPr lang="en-US" dirty="0">
+                <a:solidFill>
+                  <a:schemeClr val="accent5">
+                    <a:lumMod val="50000"/>
+                  </a:schemeClr>
+                </a:solidFill>
+              </a:rPr>
+              <a:t> and </a:t>
+            </a:r>
+            <a:r>
+              <a:rPr lang="en-US" dirty="0" err="1">
+                <a:solidFill>
+                  <a:schemeClr val="accent5">
+                    <a:lumMod val="50000"/>
+                  </a:schemeClr>
+                </a:solidFill>
+              </a:rPr>
+              <a:t>Tensorflow</a:t>
+            </a:r>
+            <a:r>
+              <a:rPr lang="en-US" dirty="0">
+                <a:solidFill>
+                  <a:schemeClr val="accent5">
+                    <a:lumMod val="50000"/>
+                  </a:schemeClr>
+                </a:solidFill>
+              </a:rPr>
+              <a:t>””</a:t>
+            </a:r>
           </a:p>
           <a:p>
             <a:pPr marL="0" indent="0">
@@ -9776,6 +11981,36 @@
           </a:p>
         </p:txBody>
       </p:sp>
+      <p:pic>
+        <p:nvPicPr>
+          <p:cNvPr id="5" name="Picture 4">
+            <a:extLst>
+              <a:ext uri="{FF2B5EF4-FFF2-40B4-BE49-F238E27FC236}">
+                <a16:creationId xmlns:a16="http://schemas.microsoft.com/office/drawing/2014/main" id="{F4696733-15EB-01AE-5A47-D82D7F93129E}"/>
+              </a:ext>
+            </a:extLst>
+          </p:cNvPr>
+          <p:cNvPicPr>
+            <a:picLocks noChangeAspect="1"/>
+          </p:cNvPicPr>
+          <p:nvPr/>
+        </p:nvPicPr>
+        <p:blipFill>
+          <a:blip r:embed="rId3"/>
+          <a:stretch>
+            <a:fillRect/>
+          </a:stretch>
+        </p:blipFill>
+        <p:spPr>
+          <a:xfrm>
+            <a:off x="6096000" y="2910746"/>
+            <a:ext cx="5563887" cy="3709258"/>
+          </a:xfrm>
+          <a:prstGeom prst="rect">
+            <a:avLst/>
+          </a:prstGeom>
+        </p:spPr>
+      </p:pic>
     </p:spTree>
     <p:extLst>
       <p:ext uri="{BB962C8B-B14F-4D97-AF65-F5344CB8AC3E}">
